--- a/Architecture.pptx
+++ b/Architecture.pptx
@@ -6,6 +6,8 @@
   </p:sldMasterIdLst>
   <p:sldIdLst>
     <p:sldId id="256" r:id="rId2"/>
+    <p:sldId id="257" r:id="rId3"/>
+    <p:sldId id="258" r:id="rId4"/>
   </p:sldIdLst>
   <p:sldSz cx="12192000" cy="6858000"/>
   <p:notesSz cx="6858000" cy="9144000"/>
@@ -104,6 +106,11 @@
       </a:defRPr>
     </a:lvl9pPr>
   </p:defaultTextStyle>
+  <p:extLst>
+    <p:ext uri="{EFAFB233-063F-42B5-8137-9DF3F51BA10A}">
+      <p15:sldGuideLst xmlns:p15="http://schemas.microsoft.com/office/powerpoint/2012/main"/>
+    </p:ext>
+  </p:extLst>
 </p:presentation>
 </file>
 
@@ -254,7 +261,7 @@
           <a:p>
             <a:fld id="{417597D8-38D3-4DD5-B14D-D63E9CCB29F9}" type="datetimeFigureOut">
               <a:rPr lang="en-US" smtClean="0"/>
-              <a:t>1/14/2021</a:t>
+              <a:t>1/15/2021</a:t>
             </a:fld>
             <a:endParaRPr lang="en-US"/>
           </a:p>
@@ -452,7 +459,7 @@
           <a:p>
             <a:fld id="{417597D8-38D3-4DD5-B14D-D63E9CCB29F9}" type="datetimeFigureOut">
               <a:rPr lang="en-US" smtClean="0"/>
-              <a:t>1/14/2021</a:t>
+              <a:t>1/15/2021</a:t>
             </a:fld>
             <a:endParaRPr lang="en-US"/>
           </a:p>
@@ -660,7 +667,7 @@
           <a:p>
             <a:fld id="{417597D8-38D3-4DD5-B14D-D63E9CCB29F9}" type="datetimeFigureOut">
               <a:rPr lang="en-US" smtClean="0"/>
-              <a:t>1/14/2021</a:t>
+              <a:t>1/15/2021</a:t>
             </a:fld>
             <a:endParaRPr lang="en-US"/>
           </a:p>
@@ -858,7 +865,7 @@
           <a:p>
             <a:fld id="{417597D8-38D3-4DD5-B14D-D63E9CCB29F9}" type="datetimeFigureOut">
               <a:rPr lang="en-US" smtClean="0"/>
-              <a:t>1/14/2021</a:t>
+              <a:t>1/15/2021</a:t>
             </a:fld>
             <a:endParaRPr lang="en-US"/>
           </a:p>
@@ -1133,7 +1140,7 @@
           <a:p>
             <a:fld id="{417597D8-38D3-4DD5-B14D-D63E9CCB29F9}" type="datetimeFigureOut">
               <a:rPr lang="en-US" smtClean="0"/>
-              <a:t>1/14/2021</a:t>
+              <a:t>1/15/2021</a:t>
             </a:fld>
             <a:endParaRPr lang="en-US"/>
           </a:p>
@@ -1398,7 +1405,7 @@
           <a:p>
             <a:fld id="{417597D8-38D3-4DD5-B14D-D63E9CCB29F9}" type="datetimeFigureOut">
               <a:rPr lang="en-US" smtClean="0"/>
-              <a:t>1/14/2021</a:t>
+              <a:t>1/15/2021</a:t>
             </a:fld>
             <a:endParaRPr lang="en-US"/>
           </a:p>
@@ -1810,7 +1817,7 @@
           <a:p>
             <a:fld id="{417597D8-38D3-4DD5-B14D-D63E9CCB29F9}" type="datetimeFigureOut">
               <a:rPr lang="en-US" smtClean="0"/>
-              <a:t>1/14/2021</a:t>
+              <a:t>1/15/2021</a:t>
             </a:fld>
             <a:endParaRPr lang="en-US"/>
           </a:p>
@@ -1951,7 +1958,7 @@
           <a:p>
             <a:fld id="{417597D8-38D3-4DD5-B14D-D63E9CCB29F9}" type="datetimeFigureOut">
               <a:rPr lang="en-US" smtClean="0"/>
-              <a:t>1/14/2021</a:t>
+              <a:t>1/15/2021</a:t>
             </a:fld>
             <a:endParaRPr lang="en-US"/>
           </a:p>
@@ -2064,7 +2071,7 @@
           <a:p>
             <a:fld id="{417597D8-38D3-4DD5-B14D-D63E9CCB29F9}" type="datetimeFigureOut">
               <a:rPr lang="en-US" smtClean="0"/>
-              <a:t>1/14/2021</a:t>
+              <a:t>1/15/2021</a:t>
             </a:fld>
             <a:endParaRPr lang="en-US"/>
           </a:p>
@@ -2375,7 +2382,7 @@
           <a:p>
             <a:fld id="{417597D8-38D3-4DD5-B14D-D63E9CCB29F9}" type="datetimeFigureOut">
               <a:rPr lang="en-US" smtClean="0"/>
-              <a:t>1/14/2021</a:t>
+              <a:t>1/15/2021</a:t>
             </a:fld>
             <a:endParaRPr lang="en-US"/>
           </a:p>
@@ -2663,7 +2670,7 @@
           <a:p>
             <a:fld id="{417597D8-38D3-4DD5-B14D-D63E9CCB29F9}" type="datetimeFigureOut">
               <a:rPr lang="en-US" smtClean="0"/>
-              <a:t>1/14/2021</a:t>
+              <a:t>1/15/2021</a:t>
             </a:fld>
             <a:endParaRPr lang="en-US"/>
           </a:p>
@@ -2904,7 +2911,7 @@
           <a:p>
             <a:fld id="{417597D8-38D3-4DD5-B14D-D63E9CCB29F9}" type="datetimeFigureOut">
               <a:rPr lang="en-US" smtClean="0"/>
-              <a:t>1/14/2021</a:t>
+              <a:t>1/15/2021</a:t>
             </a:fld>
             <a:endParaRPr lang="en-US"/>
           </a:p>
@@ -6920,6 +6927,7080 @@
 </p:sld>
 </file>
 
+<file path=ppt/slides/slide2.xml><?xml version="1.0" encoding="utf-8"?>
+<p:sld xmlns:a="http://schemas.openxmlformats.org/drawingml/2006/main" xmlns:r="http://schemas.openxmlformats.org/officeDocument/2006/relationships" xmlns:p="http://schemas.openxmlformats.org/presentationml/2006/main">
+  <p:cSld>
+    <p:spTree>
+      <p:nvGrpSpPr>
+        <p:cNvPr id="1" name=""/>
+        <p:cNvGrpSpPr/>
+        <p:nvPr/>
+      </p:nvGrpSpPr>
+      <p:grpSpPr>
+        <a:xfrm>
+          <a:off x="0" y="0"/>
+          <a:ext cx="0" cy="0"/>
+          <a:chOff x="0" y="0"/>
+          <a:chExt cx="0" cy="0"/>
+        </a:xfrm>
+      </p:grpSpPr>
+      <p:pic>
+        <p:nvPicPr>
+          <p:cNvPr id="4" name="Graphic 6">
+            <a:extLst>
+              <a:ext uri="{FF2B5EF4-FFF2-40B4-BE49-F238E27FC236}">
+                <a16:creationId xmlns:a16="http://schemas.microsoft.com/office/drawing/2014/main" id="{DE580138-E2EE-485C-B4F8-50FE8743C5FF}"/>
+              </a:ext>
+            </a:extLst>
+          </p:cNvPr>
+          <p:cNvPicPr>
+            <a:picLocks noChangeAspect="1" noChangeArrowheads="1"/>
+          </p:cNvPicPr>
+          <p:nvPr/>
+        </p:nvPicPr>
+        <p:blipFill>
+          <a:blip r:embed="rId2">
+            <a:extLst>
+              <a:ext uri="{28A0092B-C50C-407E-A947-70E740481C1C}">
+                <a14:useLocalDpi xmlns:a14="http://schemas.microsoft.com/office/drawing/2010/main" val="0"/>
+              </a:ext>
+            </a:extLst>
+          </a:blip>
+          <a:srcRect/>
+          <a:stretch>
+            <a:fillRect/>
+          </a:stretch>
+        </p:blipFill>
+        <p:spPr bwMode="auto">
+          <a:xfrm>
+            <a:off x="7176995" y="1584532"/>
+            <a:ext cx="762000" cy="762000"/>
+          </a:xfrm>
+          <a:prstGeom prst="rect">
+            <a:avLst/>
+          </a:prstGeom>
+          <a:noFill/>
+          <a:ln>
+            <a:noFill/>
+          </a:ln>
+          <a:extLst>
+            <a:ext uri="{909E8E84-426E-40DD-AFC4-6F175D3DCCD1}">
+              <a14:hiddenFill xmlns:a14="http://schemas.microsoft.com/office/drawing/2010/main">
+                <a:solidFill>
+                  <a:srgbClr val="FFFFFF"/>
+                </a:solidFill>
+              </a14:hiddenFill>
+            </a:ext>
+            <a:ext uri="{91240B29-F687-4F45-9708-019B960494DF}">
+              <a14:hiddenLine xmlns:a14="http://schemas.microsoft.com/office/drawing/2010/main" w="9525">
+                <a:solidFill>
+                  <a:srgbClr val="000000"/>
+                </a:solidFill>
+                <a:miter lim="800000"/>
+                <a:headEnd/>
+                <a:tailEnd/>
+              </a14:hiddenLine>
+            </a:ext>
+          </a:extLst>
+        </p:spPr>
+      </p:pic>
+      <p:sp>
+        <p:nvSpPr>
+          <p:cNvPr id="5" name="TextBox 15">
+            <a:extLst>
+              <a:ext uri="{FF2B5EF4-FFF2-40B4-BE49-F238E27FC236}">
+                <a16:creationId xmlns:a16="http://schemas.microsoft.com/office/drawing/2014/main" id="{DA8BFEEB-6353-4A26-B1A4-8749AE54F356}"/>
+              </a:ext>
+            </a:extLst>
+          </p:cNvPr>
+          <p:cNvSpPr txBox="1">
+            <a:spLocks noChangeArrowheads="1"/>
+          </p:cNvSpPr>
+          <p:nvPr/>
+        </p:nvSpPr>
+        <p:spPr bwMode="auto">
+          <a:xfrm>
+            <a:off x="6927850" y="2339934"/>
+            <a:ext cx="1209675" cy="261610"/>
+          </a:xfrm>
+          <a:prstGeom prst="rect">
+            <a:avLst/>
+          </a:prstGeom>
+          <a:noFill/>
+          <a:ln>
+            <a:noFill/>
+          </a:ln>
+          <a:extLst>
+            <a:ext uri="{909E8E84-426E-40DD-AFC4-6F175D3DCCD1}">
+              <a14:hiddenFill xmlns:a14="http://schemas.microsoft.com/office/drawing/2010/main">
+                <a:solidFill>
+                  <a:srgbClr val="FFFFFF"/>
+                </a:solidFill>
+              </a14:hiddenFill>
+            </a:ext>
+            <a:ext uri="{91240B29-F687-4F45-9708-019B960494DF}">
+              <a14:hiddenLine xmlns:a14="http://schemas.microsoft.com/office/drawing/2010/main" w="9525">
+                <a:solidFill>
+                  <a:srgbClr val="000000"/>
+                </a:solidFill>
+                <a:miter lim="800000"/>
+                <a:headEnd/>
+                <a:tailEnd/>
+              </a14:hiddenLine>
+            </a:ext>
+          </a:extLst>
+        </p:spPr>
+        <p:txBody>
+          <a:bodyPr wrap="square">
+            <a:spAutoFit/>
+          </a:bodyPr>
+          <a:lstStyle>
+            <a:lvl1pPr>
+              <a:defRPr>
+                <a:solidFill>
+                  <a:schemeClr val="tx1"/>
+                </a:solidFill>
+                <a:latin typeface="Calibri" panose="020F0502020204030204" pitchFamily="34" charset="0"/>
+              </a:defRPr>
+            </a:lvl1pPr>
+            <a:lvl2pPr marL="742950" indent="-285750">
+              <a:defRPr>
+                <a:solidFill>
+                  <a:schemeClr val="tx1"/>
+                </a:solidFill>
+                <a:latin typeface="Calibri" panose="020F0502020204030204" pitchFamily="34" charset="0"/>
+              </a:defRPr>
+            </a:lvl2pPr>
+            <a:lvl3pPr marL="1143000" indent="-228600">
+              <a:defRPr>
+                <a:solidFill>
+                  <a:schemeClr val="tx1"/>
+                </a:solidFill>
+                <a:latin typeface="Calibri" panose="020F0502020204030204" pitchFamily="34" charset="0"/>
+              </a:defRPr>
+            </a:lvl3pPr>
+            <a:lvl4pPr marL="1600200" indent="-228600">
+              <a:defRPr>
+                <a:solidFill>
+                  <a:schemeClr val="tx1"/>
+                </a:solidFill>
+                <a:latin typeface="Calibri" panose="020F0502020204030204" pitchFamily="34" charset="0"/>
+              </a:defRPr>
+            </a:lvl4pPr>
+            <a:lvl5pPr marL="2057400" indent="-228600">
+              <a:defRPr>
+                <a:solidFill>
+                  <a:schemeClr val="tx1"/>
+                </a:solidFill>
+                <a:latin typeface="Calibri" panose="020F0502020204030204" pitchFamily="34" charset="0"/>
+              </a:defRPr>
+            </a:lvl5pPr>
+            <a:lvl6pPr marL="2514600" indent="-228600" eaLnBrk="0" fontAlgn="base" hangingPunct="0">
+              <a:spcBef>
+                <a:spcPct val="0"/>
+              </a:spcBef>
+              <a:spcAft>
+                <a:spcPct val="0"/>
+              </a:spcAft>
+              <a:defRPr>
+                <a:solidFill>
+                  <a:schemeClr val="tx1"/>
+                </a:solidFill>
+                <a:latin typeface="Calibri" panose="020F0502020204030204" pitchFamily="34" charset="0"/>
+              </a:defRPr>
+            </a:lvl6pPr>
+            <a:lvl7pPr marL="2971800" indent="-228600" eaLnBrk="0" fontAlgn="base" hangingPunct="0">
+              <a:spcBef>
+                <a:spcPct val="0"/>
+              </a:spcBef>
+              <a:spcAft>
+                <a:spcPct val="0"/>
+              </a:spcAft>
+              <a:defRPr>
+                <a:solidFill>
+                  <a:schemeClr val="tx1"/>
+                </a:solidFill>
+                <a:latin typeface="Calibri" panose="020F0502020204030204" pitchFamily="34" charset="0"/>
+              </a:defRPr>
+            </a:lvl7pPr>
+            <a:lvl8pPr marL="3429000" indent="-228600" eaLnBrk="0" fontAlgn="base" hangingPunct="0">
+              <a:spcBef>
+                <a:spcPct val="0"/>
+              </a:spcBef>
+              <a:spcAft>
+                <a:spcPct val="0"/>
+              </a:spcAft>
+              <a:defRPr>
+                <a:solidFill>
+                  <a:schemeClr val="tx1"/>
+                </a:solidFill>
+                <a:latin typeface="Calibri" panose="020F0502020204030204" pitchFamily="34" charset="0"/>
+              </a:defRPr>
+            </a:lvl8pPr>
+            <a:lvl9pPr marL="3886200" indent="-228600" eaLnBrk="0" fontAlgn="base" hangingPunct="0">
+              <a:spcBef>
+                <a:spcPct val="0"/>
+              </a:spcBef>
+              <a:spcAft>
+                <a:spcPct val="0"/>
+              </a:spcAft>
+              <a:defRPr>
+                <a:solidFill>
+                  <a:schemeClr val="tx1"/>
+                </a:solidFill>
+                <a:latin typeface="Calibri" panose="020F0502020204030204" pitchFamily="34" charset="0"/>
+              </a:defRPr>
+            </a:lvl9pPr>
+          </a:lstStyle>
+          <a:p>
+            <a:pPr algn="ctr" eaLnBrk="1" hangingPunct="1"/>
+            <a:r>
+              <a:rPr lang="en-US" altLang="en-US" sz="1100" dirty="0">
+                <a:latin typeface="+mj-lt"/>
+                <a:ea typeface="Amazon Ember" panose="020B0603020204020204" pitchFamily="34" charset="0"/>
+                <a:cs typeface="Arial" panose="020B0604020202020204" pitchFamily="34" charset="0"/>
+              </a:rPr>
+              <a:t>AWS </a:t>
+            </a:r>
+            <a:r>
+              <a:rPr lang="en-US" altLang="en-US" sz="1100" dirty="0" err="1">
+                <a:latin typeface="+mj-lt"/>
+                <a:ea typeface="Amazon Ember" panose="020B0603020204020204" pitchFamily="34" charset="0"/>
+                <a:cs typeface="Arial" panose="020B0604020202020204" pitchFamily="34" charset="0"/>
+              </a:rPr>
+              <a:t>CodeArtifact</a:t>
+            </a:r>
+            <a:endParaRPr lang="en-US" altLang="en-US" sz="1100" dirty="0">
+              <a:latin typeface="+mj-lt"/>
+              <a:ea typeface="Amazon Ember" panose="020B0603020204020204" pitchFamily="34" charset="0"/>
+              <a:cs typeface="Arial" panose="020B0604020202020204" pitchFamily="34" charset="0"/>
+            </a:endParaRPr>
+          </a:p>
+        </p:txBody>
+      </p:sp>
+      <p:sp>
+        <p:nvSpPr>
+          <p:cNvPr id="6" name="Rectangle 5">
+            <a:extLst>
+              <a:ext uri="{FF2B5EF4-FFF2-40B4-BE49-F238E27FC236}">
+                <a16:creationId xmlns:a16="http://schemas.microsoft.com/office/drawing/2014/main" id="{1BC90FBF-AB64-4EF5-A560-F160A6188A03}"/>
+              </a:ext>
+            </a:extLst>
+          </p:cNvPr>
+          <p:cNvSpPr/>
+          <p:nvPr/>
+        </p:nvSpPr>
+        <p:spPr>
+          <a:xfrm>
+            <a:off x="2505241" y="243891"/>
+            <a:ext cx="9422063" cy="6370218"/>
+          </a:xfrm>
+          <a:prstGeom prst="rect">
+            <a:avLst/>
+          </a:prstGeom>
+          <a:noFill/>
+          <a:ln w="12700">
+            <a:solidFill>
+              <a:schemeClr val="tx1"/>
+            </a:solidFill>
+          </a:ln>
+        </p:spPr>
+        <p:style>
+          <a:lnRef idx="2">
+            <a:schemeClr val="accent1">
+              <a:shade val="50000"/>
+            </a:schemeClr>
+          </a:lnRef>
+          <a:fillRef idx="1">
+            <a:schemeClr val="accent1"/>
+          </a:fillRef>
+          <a:effectRef idx="0">
+            <a:schemeClr val="accent1"/>
+          </a:effectRef>
+          <a:fontRef idx="minor">
+            <a:schemeClr val="lt1"/>
+          </a:fontRef>
+        </p:style>
+        <p:txBody>
+          <a:bodyPr lIns="457200" tIns="91440"/>
+          <a:lstStyle/>
+          <a:p>
+            <a:pPr eaLnBrk="1" fontAlgn="auto" hangingPunct="1">
+              <a:spcBef>
+                <a:spcPts val="0"/>
+              </a:spcBef>
+              <a:spcAft>
+                <a:spcPts val="0"/>
+              </a:spcAft>
+              <a:defRPr/>
+            </a:pPr>
+            <a:r>
+              <a:rPr lang="en-US" sz="1100" dirty="0">
+                <a:solidFill>
+                  <a:sysClr val="windowText" lastClr="000000"/>
+                </a:solidFill>
+                <a:latin typeface="+mj-lt"/>
+                <a:cs typeface="Arial" panose="020B0604020202020204" pitchFamily="34" charset="0"/>
+              </a:rPr>
+              <a:t>AWS Cloud</a:t>
+            </a:r>
+          </a:p>
+        </p:txBody>
+      </p:sp>
+      <p:pic>
+        <p:nvPicPr>
+          <p:cNvPr id="7" name="Graphic 20">
+            <a:extLst>
+              <a:ext uri="{FF2B5EF4-FFF2-40B4-BE49-F238E27FC236}">
+                <a16:creationId xmlns:a16="http://schemas.microsoft.com/office/drawing/2014/main" id="{5F2C7D98-203D-4DEC-8F0E-D6101C4905AD}"/>
+              </a:ext>
+            </a:extLst>
+          </p:cNvPr>
+          <p:cNvPicPr>
+            <a:picLocks noChangeAspect="1" noChangeArrowheads="1"/>
+          </p:cNvPicPr>
+          <p:nvPr/>
+        </p:nvPicPr>
+        <p:blipFill>
+          <a:blip r:embed="rId3">
+            <a:extLst>
+              <a:ext uri="{28A0092B-C50C-407E-A947-70E740481C1C}">
+                <a14:useLocalDpi xmlns:a14="http://schemas.microsoft.com/office/drawing/2010/main" val="0"/>
+              </a:ext>
+            </a:extLst>
+          </a:blip>
+          <a:srcRect/>
+          <a:stretch>
+            <a:fillRect/>
+          </a:stretch>
+        </p:blipFill>
+        <p:spPr bwMode="auto">
+          <a:xfrm>
+            <a:off x="2505242" y="243891"/>
+            <a:ext cx="330200" cy="330200"/>
+          </a:xfrm>
+          <a:prstGeom prst="rect">
+            <a:avLst/>
+          </a:prstGeom>
+          <a:noFill/>
+          <a:ln>
+            <a:noFill/>
+          </a:ln>
+          <a:extLst>
+            <a:ext uri="{909E8E84-426E-40DD-AFC4-6F175D3DCCD1}">
+              <a14:hiddenFill xmlns:a14="http://schemas.microsoft.com/office/drawing/2010/main">
+                <a:solidFill>
+                  <a:srgbClr val="FFFFFF"/>
+                </a:solidFill>
+              </a14:hiddenFill>
+            </a:ext>
+            <a:ext uri="{91240B29-F687-4F45-9708-019B960494DF}">
+              <a14:hiddenLine xmlns:a14="http://schemas.microsoft.com/office/drawing/2010/main" w="9525">
+                <a:solidFill>
+                  <a:srgbClr val="000000"/>
+                </a:solidFill>
+                <a:miter lim="800000"/>
+                <a:headEnd/>
+                <a:tailEnd/>
+              </a14:hiddenLine>
+            </a:ext>
+          </a:extLst>
+        </p:spPr>
+      </p:pic>
+      <p:pic>
+        <p:nvPicPr>
+          <p:cNvPr id="10" name="Graphic 17">
+            <a:extLst>
+              <a:ext uri="{FF2B5EF4-FFF2-40B4-BE49-F238E27FC236}">
+                <a16:creationId xmlns:a16="http://schemas.microsoft.com/office/drawing/2014/main" id="{2A8FD960-AE2B-4A28-A74D-F279D3BB0F27}"/>
+              </a:ext>
+            </a:extLst>
+          </p:cNvPr>
+          <p:cNvPicPr>
+            <a:picLocks noChangeAspect="1" noChangeArrowheads="1"/>
+          </p:cNvPicPr>
+          <p:nvPr/>
+        </p:nvPicPr>
+        <p:blipFill>
+          <a:blip r:embed="rId4">
+            <a:extLst>
+              <a:ext uri="{28A0092B-C50C-407E-A947-70E740481C1C}">
+                <a14:useLocalDpi xmlns:a14="http://schemas.microsoft.com/office/drawing/2010/main" val="0"/>
+              </a:ext>
+            </a:extLst>
+          </a:blip>
+          <a:srcRect/>
+          <a:stretch>
+            <a:fillRect/>
+          </a:stretch>
+        </p:blipFill>
+        <p:spPr bwMode="auto">
+          <a:xfrm>
+            <a:off x="2919469" y="1580133"/>
+            <a:ext cx="762000" cy="762000"/>
+          </a:xfrm>
+          <a:prstGeom prst="rect">
+            <a:avLst/>
+          </a:prstGeom>
+          <a:noFill/>
+          <a:ln>
+            <a:noFill/>
+          </a:ln>
+          <a:extLst>
+            <a:ext uri="{909E8E84-426E-40DD-AFC4-6F175D3DCCD1}">
+              <a14:hiddenFill xmlns:a14="http://schemas.microsoft.com/office/drawing/2010/main">
+                <a:solidFill>
+                  <a:srgbClr val="FFFFFF"/>
+                </a:solidFill>
+              </a14:hiddenFill>
+            </a:ext>
+            <a:ext uri="{91240B29-F687-4F45-9708-019B960494DF}">
+              <a14:hiddenLine xmlns:a14="http://schemas.microsoft.com/office/drawing/2010/main" w="9525">
+                <a:solidFill>
+                  <a:srgbClr val="000000"/>
+                </a:solidFill>
+                <a:miter lim="800000"/>
+                <a:headEnd/>
+                <a:tailEnd/>
+              </a14:hiddenLine>
+            </a:ext>
+          </a:extLst>
+        </p:spPr>
+      </p:pic>
+      <p:sp>
+        <p:nvSpPr>
+          <p:cNvPr id="11" name="TextBox 9">
+            <a:extLst>
+              <a:ext uri="{FF2B5EF4-FFF2-40B4-BE49-F238E27FC236}">
+                <a16:creationId xmlns:a16="http://schemas.microsoft.com/office/drawing/2014/main" id="{930C919C-82D3-42C6-8B0D-500A6560ED22}"/>
+              </a:ext>
+            </a:extLst>
+          </p:cNvPr>
+          <p:cNvSpPr txBox="1">
+            <a:spLocks noChangeArrowheads="1"/>
+          </p:cNvSpPr>
+          <p:nvPr/>
+        </p:nvSpPr>
+        <p:spPr bwMode="auto">
+          <a:xfrm>
+            <a:off x="2840887" y="2346532"/>
+            <a:ext cx="919164" cy="261610"/>
+          </a:xfrm>
+          <a:prstGeom prst="rect">
+            <a:avLst/>
+          </a:prstGeom>
+          <a:noFill/>
+          <a:ln>
+            <a:noFill/>
+          </a:ln>
+          <a:extLst>
+            <a:ext uri="{909E8E84-426E-40DD-AFC4-6F175D3DCCD1}">
+              <a14:hiddenFill xmlns:a14="http://schemas.microsoft.com/office/drawing/2010/main">
+                <a:solidFill>
+                  <a:srgbClr val="FFFFFF"/>
+                </a:solidFill>
+              </a14:hiddenFill>
+            </a:ext>
+            <a:ext uri="{91240B29-F687-4F45-9708-019B960494DF}">
+              <a14:hiddenLine xmlns:a14="http://schemas.microsoft.com/office/drawing/2010/main" w="9525">
+                <a:solidFill>
+                  <a:srgbClr val="000000"/>
+                </a:solidFill>
+                <a:miter lim="800000"/>
+                <a:headEnd/>
+                <a:tailEnd/>
+              </a14:hiddenLine>
+            </a:ext>
+          </a:extLst>
+        </p:spPr>
+        <p:txBody>
+          <a:bodyPr wrap="square">
+            <a:spAutoFit/>
+          </a:bodyPr>
+          <a:lstStyle>
+            <a:lvl1pPr>
+              <a:defRPr>
+                <a:solidFill>
+                  <a:schemeClr val="tx1"/>
+                </a:solidFill>
+                <a:latin typeface="Calibri" panose="020F0502020204030204" pitchFamily="34" charset="0"/>
+              </a:defRPr>
+            </a:lvl1pPr>
+            <a:lvl2pPr marL="742950" indent="-285750">
+              <a:defRPr>
+                <a:solidFill>
+                  <a:schemeClr val="tx1"/>
+                </a:solidFill>
+                <a:latin typeface="Calibri" panose="020F0502020204030204" pitchFamily="34" charset="0"/>
+              </a:defRPr>
+            </a:lvl2pPr>
+            <a:lvl3pPr marL="1143000" indent="-228600">
+              <a:defRPr>
+                <a:solidFill>
+                  <a:schemeClr val="tx1"/>
+                </a:solidFill>
+                <a:latin typeface="Calibri" panose="020F0502020204030204" pitchFamily="34" charset="0"/>
+              </a:defRPr>
+            </a:lvl3pPr>
+            <a:lvl4pPr marL="1600200" indent="-228600">
+              <a:defRPr>
+                <a:solidFill>
+                  <a:schemeClr val="tx1"/>
+                </a:solidFill>
+                <a:latin typeface="Calibri" panose="020F0502020204030204" pitchFamily="34" charset="0"/>
+              </a:defRPr>
+            </a:lvl4pPr>
+            <a:lvl5pPr marL="2057400" indent="-228600">
+              <a:defRPr>
+                <a:solidFill>
+                  <a:schemeClr val="tx1"/>
+                </a:solidFill>
+                <a:latin typeface="Calibri" panose="020F0502020204030204" pitchFamily="34" charset="0"/>
+              </a:defRPr>
+            </a:lvl5pPr>
+            <a:lvl6pPr marL="2514600" indent="-228600" eaLnBrk="0" fontAlgn="base" hangingPunct="0">
+              <a:spcBef>
+                <a:spcPct val="0"/>
+              </a:spcBef>
+              <a:spcAft>
+                <a:spcPct val="0"/>
+              </a:spcAft>
+              <a:defRPr>
+                <a:solidFill>
+                  <a:schemeClr val="tx1"/>
+                </a:solidFill>
+                <a:latin typeface="Calibri" panose="020F0502020204030204" pitchFamily="34" charset="0"/>
+              </a:defRPr>
+            </a:lvl6pPr>
+            <a:lvl7pPr marL="2971800" indent="-228600" eaLnBrk="0" fontAlgn="base" hangingPunct="0">
+              <a:spcBef>
+                <a:spcPct val="0"/>
+              </a:spcBef>
+              <a:spcAft>
+                <a:spcPct val="0"/>
+              </a:spcAft>
+              <a:defRPr>
+                <a:solidFill>
+                  <a:schemeClr val="tx1"/>
+                </a:solidFill>
+                <a:latin typeface="Calibri" panose="020F0502020204030204" pitchFamily="34" charset="0"/>
+              </a:defRPr>
+            </a:lvl7pPr>
+            <a:lvl8pPr marL="3429000" indent="-228600" eaLnBrk="0" fontAlgn="base" hangingPunct="0">
+              <a:spcBef>
+                <a:spcPct val="0"/>
+              </a:spcBef>
+              <a:spcAft>
+                <a:spcPct val="0"/>
+              </a:spcAft>
+              <a:defRPr>
+                <a:solidFill>
+                  <a:schemeClr val="tx1"/>
+                </a:solidFill>
+                <a:latin typeface="Calibri" panose="020F0502020204030204" pitchFamily="34" charset="0"/>
+              </a:defRPr>
+            </a:lvl8pPr>
+            <a:lvl9pPr marL="3886200" indent="-228600" eaLnBrk="0" fontAlgn="base" hangingPunct="0">
+              <a:spcBef>
+                <a:spcPct val="0"/>
+              </a:spcBef>
+              <a:spcAft>
+                <a:spcPct val="0"/>
+              </a:spcAft>
+              <a:defRPr>
+                <a:solidFill>
+                  <a:schemeClr val="tx1"/>
+                </a:solidFill>
+                <a:latin typeface="Calibri" panose="020F0502020204030204" pitchFamily="34" charset="0"/>
+              </a:defRPr>
+            </a:lvl9pPr>
+          </a:lstStyle>
+          <a:p>
+            <a:pPr algn="ctr" eaLnBrk="1" hangingPunct="1"/>
+            <a:r>
+              <a:rPr lang="en-US" altLang="en-US" sz="1100" dirty="0">
+                <a:latin typeface="+mj-lt"/>
+                <a:ea typeface="Amazon Ember" panose="020B0603020204020204" pitchFamily="34" charset="0"/>
+                <a:cs typeface="Arial" panose="020B0604020202020204" pitchFamily="34" charset="0"/>
+              </a:rPr>
+              <a:t>AWS Cloud9</a:t>
+            </a:r>
+          </a:p>
+        </p:txBody>
+      </p:sp>
+      <p:sp>
+        <p:nvSpPr>
+          <p:cNvPr id="12" name="TextBox 11">
+            <a:extLst>
+              <a:ext uri="{FF2B5EF4-FFF2-40B4-BE49-F238E27FC236}">
+                <a16:creationId xmlns:a16="http://schemas.microsoft.com/office/drawing/2014/main" id="{334800DD-10CA-49C6-9AD9-C4B23D4B6190}"/>
+              </a:ext>
+            </a:extLst>
+          </p:cNvPr>
+          <p:cNvSpPr txBox="1">
+            <a:spLocks noChangeArrowheads="1"/>
+          </p:cNvSpPr>
+          <p:nvPr/>
+        </p:nvSpPr>
+        <p:spPr bwMode="auto">
+          <a:xfrm>
+            <a:off x="4880202" y="4410859"/>
+            <a:ext cx="1100679" cy="261610"/>
+          </a:xfrm>
+          <a:prstGeom prst="rect">
+            <a:avLst/>
+          </a:prstGeom>
+          <a:noFill/>
+          <a:ln>
+            <a:noFill/>
+          </a:ln>
+          <a:extLst>
+            <a:ext uri="{909E8E84-426E-40DD-AFC4-6F175D3DCCD1}">
+              <a14:hiddenFill xmlns:a14="http://schemas.microsoft.com/office/drawing/2010/main">
+                <a:solidFill>
+                  <a:srgbClr val="FFFFFF"/>
+                </a:solidFill>
+              </a14:hiddenFill>
+            </a:ext>
+            <a:ext uri="{91240B29-F687-4F45-9708-019B960494DF}">
+              <a14:hiddenLine xmlns:a14="http://schemas.microsoft.com/office/drawing/2010/main" w="9525">
+                <a:solidFill>
+                  <a:srgbClr val="000000"/>
+                </a:solidFill>
+                <a:miter lim="800000"/>
+                <a:headEnd/>
+                <a:tailEnd/>
+              </a14:hiddenLine>
+            </a:ext>
+          </a:extLst>
+        </p:spPr>
+        <p:txBody>
+          <a:bodyPr wrap="square">
+            <a:spAutoFit/>
+          </a:bodyPr>
+          <a:lstStyle>
+            <a:lvl1pPr>
+              <a:defRPr>
+                <a:solidFill>
+                  <a:schemeClr val="tx1"/>
+                </a:solidFill>
+                <a:latin typeface="Calibri" panose="020F0502020204030204" pitchFamily="34" charset="0"/>
+              </a:defRPr>
+            </a:lvl1pPr>
+            <a:lvl2pPr marL="742950" indent="-285750">
+              <a:defRPr>
+                <a:solidFill>
+                  <a:schemeClr val="tx1"/>
+                </a:solidFill>
+                <a:latin typeface="Calibri" panose="020F0502020204030204" pitchFamily="34" charset="0"/>
+              </a:defRPr>
+            </a:lvl2pPr>
+            <a:lvl3pPr marL="1143000" indent="-228600">
+              <a:defRPr>
+                <a:solidFill>
+                  <a:schemeClr val="tx1"/>
+                </a:solidFill>
+                <a:latin typeface="Calibri" panose="020F0502020204030204" pitchFamily="34" charset="0"/>
+              </a:defRPr>
+            </a:lvl3pPr>
+            <a:lvl4pPr marL="1600200" indent="-228600">
+              <a:defRPr>
+                <a:solidFill>
+                  <a:schemeClr val="tx1"/>
+                </a:solidFill>
+                <a:latin typeface="Calibri" panose="020F0502020204030204" pitchFamily="34" charset="0"/>
+              </a:defRPr>
+            </a:lvl4pPr>
+            <a:lvl5pPr marL="2057400" indent="-228600">
+              <a:defRPr>
+                <a:solidFill>
+                  <a:schemeClr val="tx1"/>
+                </a:solidFill>
+                <a:latin typeface="Calibri" panose="020F0502020204030204" pitchFamily="34" charset="0"/>
+              </a:defRPr>
+            </a:lvl5pPr>
+            <a:lvl6pPr marL="2514600" indent="-228600" eaLnBrk="0" fontAlgn="base" hangingPunct="0">
+              <a:spcBef>
+                <a:spcPct val="0"/>
+              </a:spcBef>
+              <a:spcAft>
+                <a:spcPct val="0"/>
+              </a:spcAft>
+              <a:defRPr>
+                <a:solidFill>
+                  <a:schemeClr val="tx1"/>
+                </a:solidFill>
+                <a:latin typeface="Calibri" panose="020F0502020204030204" pitchFamily="34" charset="0"/>
+              </a:defRPr>
+            </a:lvl6pPr>
+            <a:lvl7pPr marL="2971800" indent="-228600" eaLnBrk="0" fontAlgn="base" hangingPunct="0">
+              <a:spcBef>
+                <a:spcPct val="0"/>
+              </a:spcBef>
+              <a:spcAft>
+                <a:spcPct val="0"/>
+              </a:spcAft>
+              <a:defRPr>
+                <a:solidFill>
+                  <a:schemeClr val="tx1"/>
+                </a:solidFill>
+                <a:latin typeface="Calibri" panose="020F0502020204030204" pitchFamily="34" charset="0"/>
+              </a:defRPr>
+            </a:lvl7pPr>
+            <a:lvl8pPr marL="3429000" indent="-228600" eaLnBrk="0" fontAlgn="base" hangingPunct="0">
+              <a:spcBef>
+                <a:spcPct val="0"/>
+              </a:spcBef>
+              <a:spcAft>
+                <a:spcPct val="0"/>
+              </a:spcAft>
+              <a:defRPr>
+                <a:solidFill>
+                  <a:schemeClr val="tx1"/>
+                </a:solidFill>
+                <a:latin typeface="Calibri" panose="020F0502020204030204" pitchFamily="34" charset="0"/>
+              </a:defRPr>
+            </a:lvl8pPr>
+            <a:lvl9pPr marL="3886200" indent="-228600" eaLnBrk="0" fontAlgn="base" hangingPunct="0">
+              <a:spcBef>
+                <a:spcPct val="0"/>
+              </a:spcBef>
+              <a:spcAft>
+                <a:spcPct val="0"/>
+              </a:spcAft>
+              <a:defRPr>
+                <a:solidFill>
+                  <a:schemeClr val="tx1"/>
+                </a:solidFill>
+                <a:latin typeface="Calibri" panose="020F0502020204030204" pitchFamily="34" charset="0"/>
+              </a:defRPr>
+            </a:lvl9pPr>
+          </a:lstStyle>
+          <a:p>
+            <a:pPr algn="ctr" eaLnBrk="1" hangingPunct="1"/>
+            <a:r>
+              <a:rPr lang="en-US" altLang="en-US" sz="1100" dirty="0">
+                <a:latin typeface="+mj-lt"/>
+                <a:ea typeface="Amazon Ember" panose="020B0603020204020204" pitchFamily="34" charset="0"/>
+                <a:cs typeface="Arial" panose="020B0604020202020204" pitchFamily="34" charset="0"/>
+              </a:rPr>
+              <a:t>AWS CodeBuild</a:t>
+            </a:r>
+          </a:p>
+        </p:txBody>
+      </p:sp>
+      <p:pic>
+        <p:nvPicPr>
+          <p:cNvPr id="14" name="Graphic 23">
+            <a:extLst>
+              <a:ext uri="{FF2B5EF4-FFF2-40B4-BE49-F238E27FC236}">
+                <a16:creationId xmlns:a16="http://schemas.microsoft.com/office/drawing/2014/main" id="{90790CA3-D5FA-43F6-AE0A-CB590748D607}"/>
+              </a:ext>
+            </a:extLst>
+          </p:cNvPr>
+          <p:cNvPicPr>
+            <a:picLocks noChangeAspect="1" noChangeArrowheads="1"/>
+          </p:cNvPicPr>
+          <p:nvPr/>
+        </p:nvPicPr>
+        <p:blipFill>
+          <a:blip r:embed="rId5">
+            <a:extLst>
+              <a:ext uri="{28A0092B-C50C-407E-A947-70E740481C1C}">
+                <a14:useLocalDpi xmlns:a14="http://schemas.microsoft.com/office/drawing/2010/main" val="0"/>
+              </a:ext>
+            </a:extLst>
+          </a:blip>
+          <a:srcRect/>
+          <a:stretch>
+            <a:fillRect/>
+          </a:stretch>
+        </p:blipFill>
+        <p:spPr bwMode="auto">
+          <a:xfrm>
+            <a:off x="5048232" y="1582332"/>
+            <a:ext cx="762000" cy="762000"/>
+          </a:xfrm>
+          <a:prstGeom prst="rect">
+            <a:avLst/>
+          </a:prstGeom>
+          <a:noFill/>
+          <a:ln>
+            <a:noFill/>
+          </a:ln>
+          <a:extLst>
+            <a:ext uri="{909E8E84-426E-40DD-AFC4-6F175D3DCCD1}">
+              <a14:hiddenFill xmlns:a14="http://schemas.microsoft.com/office/drawing/2010/main">
+                <a:solidFill>
+                  <a:srgbClr val="FFFFFF"/>
+                </a:solidFill>
+              </a14:hiddenFill>
+            </a:ext>
+            <a:ext uri="{91240B29-F687-4F45-9708-019B960494DF}">
+              <a14:hiddenLine xmlns:a14="http://schemas.microsoft.com/office/drawing/2010/main" w="9525">
+                <a:solidFill>
+                  <a:srgbClr val="000000"/>
+                </a:solidFill>
+                <a:miter lim="800000"/>
+                <a:headEnd/>
+                <a:tailEnd/>
+              </a14:hiddenLine>
+            </a:ext>
+          </a:extLst>
+        </p:spPr>
+      </p:pic>
+      <p:sp>
+        <p:nvSpPr>
+          <p:cNvPr id="15" name="TextBox 12">
+            <a:extLst>
+              <a:ext uri="{FF2B5EF4-FFF2-40B4-BE49-F238E27FC236}">
+                <a16:creationId xmlns:a16="http://schemas.microsoft.com/office/drawing/2014/main" id="{E35ED235-1322-4147-86E7-26B86C4F0EF7}"/>
+              </a:ext>
+            </a:extLst>
+          </p:cNvPr>
+          <p:cNvSpPr txBox="1">
+            <a:spLocks noChangeArrowheads="1"/>
+          </p:cNvSpPr>
+          <p:nvPr/>
+        </p:nvSpPr>
+        <p:spPr bwMode="auto">
+          <a:xfrm>
+            <a:off x="4751808" y="2346532"/>
+            <a:ext cx="1354847" cy="261610"/>
+          </a:xfrm>
+          <a:prstGeom prst="rect">
+            <a:avLst/>
+          </a:prstGeom>
+          <a:noFill/>
+          <a:ln>
+            <a:noFill/>
+          </a:ln>
+          <a:extLst>
+            <a:ext uri="{909E8E84-426E-40DD-AFC4-6F175D3DCCD1}">
+              <a14:hiddenFill xmlns:a14="http://schemas.microsoft.com/office/drawing/2010/main">
+                <a:solidFill>
+                  <a:srgbClr val="FFFFFF"/>
+                </a:solidFill>
+              </a14:hiddenFill>
+            </a:ext>
+            <a:ext uri="{91240B29-F687-4F45-9708-019B960494DF}">
+              <a14:hiddenLine xmlns:a14="http://schemas.microsoft.com/office/drawing/2010/main" w="9525">
+                <a:solidFill>
+                  <a:srgbClr val="000000"/>
+                </a:solidFill>
+                <a:miter lim="800000"/>
+                <a:headEnd/>
+                <a:tailEnd/>
+              </a14:hiddenLine>
+            </a:ext>
+          </a:extLst>
+        </p:spPr>
+        <p:txBody>
+          <a:bodyPr wrap="square">
+            <a:spAutoFit/>
+          </a:bodyPr>
+          <a:lstStyle>
+            <a:lvl1pPr>
+              <a:defRPr>
+                <a:solidFill>
+                  <a:schemeClr val="tx1"/>
+                </a:solidFill>
+                <a:latin typeface="Calibri" panose="020F0502020204030204" pitchFamily="34" charset="0"/>
+              </a:defRPr>
+            </a:lvl1pPr>
+            <a:lvl2pPr marL="742950" indent="-285750">
+              <a:defRPr>
+                <a:solidFill>
+                  <a:schemeClr val="tx1"/>
+                </a:solidFill>
+                <a:latin typeface="Calibri" panose="020F0502020204030204" pitchFamily="34" charset="0"/>
+              </a:defRPr>
+            </a:lvl2pPr>
+            <a:lvl3pPr marL="1143000" indent="-228600">
+              <a:defRPr>
+                <a:solidFill>
+                  <a:schemeClr val="tx1"/>
+                </a:solidFill>
+                <a:latin typeface="Calibri" panose="020F0502020204030204" pitchFamily="34" charset="0"/>
+              </a:defRPr>
+            </a:lvl3pPr>
+            <a:lvl4pPr marL="1600200" indent="-228600">
+              <a:defRPr>
+                <a:solidFill>
+                  <a:schemeClr val="tx1"/>
+                </a:solidFill>
+                <a:latin typeface="Calibri" panose="020F0502020204030204" pitchFamily="34" charset="0"/>
+              </a:defRPr>
+            </a:lvl4pPr>
+            <a:lvl5pPr marL="2057400" indent="-228600">
+              <a:defRPr>
+                <a:solidFill>
+                  <a:schemeClr val="tx1"/>
+                </a:solidFill>
+                <a:latin typeface="Calibri" panose="020F0502020204030204" pitchFamily="34" charset="0"/>
+              </a:defRPr>
+            </a:lvl5pPr>
+            <a:lvl6pPr marL="2514600" indent="-228600" eaLnBrk="0" fontAlgn="base" hangingPunct="0">
+              <a:spcBef>
+                <a:spcPct val="0"/>
+              </a:spcBef>
+              <a:spcAft>
+                <a:spcPct val="0"/>
+              </a:spcAft>
+              <a:defRPr>
+                <a:solidFill>
+                  <a:schemeClr val="tx1"/>
+                </a:solidFill>
+                <a:latin typeface="Calibri" panose="020F0502020204030204" pitchFamily="34" charset="0"/>
+              </a:defRPr>
+            </a:lvl6pPr>
+            <a:lvl7pPr marL="2971800" indent="-228600" eaLnBrk="0" fontAlgn="base" hangingPunct="0">
+              <a:spcBef>
+                <a:spcPct val="0"/>
+              </a:spcBef>
+              <a:spcAft>
+                <a:spcPct val="0"/>
+              </a:spcAft>
+              <a:defRPr>
+                <a:solidFill>
+                  <a:schemeClr val="tx1"/>
+                </a:solidFill>
+                <a:latin typeface="Calibri" panose="020F0502020204030204" pitchFamily="34" charset="0"/>
+              </a:defRPr>
+            </a:lvl7pPr>
+            <a:lvl8pPr marL="3429000" indent="-228600" eaLnBrk="0" fontAlgn="base" hangingPunct="0">
+              <a:spcBef>
+                <a:spcPct val="0"/>
+              </a:spcBef>
+              <a:spcAft>
+                <a:spcPct val="0"/>
+              </a:spcAft>
+              <a:defRPr>
+                <a:solidFill>
+                  <a:schemeClr val="tx1"/>
+                </a:solidFill>
+                <a:latin typeface="Calibri" panose="020F0502020204030204" pitchFamily="34" charset="0"/>
+              </a:defRPr>
+            </a:lvl8pPr>
+            <a:lvl9pPr marL="3886200" indent="-228600" eaLnBrk="0" fontAlgn="base" hangingPunct="0">
+              <a:spcBef>
+                <a:spcPct val="0"/>
+              </a:spcBef>
+              <a:spcAft>
+                <a:spcPct val="0"/>
+              </a:spcAft>
+              <a:defRPr>
+                <a:solidFill>
+                  <a:schemeClr val="tx1"/>
+                </a:solidFill>
+                <a:latin typeface="Calibri" panose="020F0502020204030204" pitchFamily="34" charset="0"/>
+              </a:defRPr>
+            </a:lvl9pPr>
+          </a:lstStyle>
+          <a:p>
+            <a:pPr algn="ctr" eaLnBrk="1" hangingPunct="1"/>
+            <a:r>
+              <a:rPr lang="en-US" altLang="en-US" sz="1100" dirty="0">
+                <a:latin typeface="+mj-lt"/>
+                <a:ea typeface="Amazon Ember" panose="020B0603020204020204" pitchFamily="34" charset="0"/>
+                <a:cs typeface="Arial" panose="020B0604020202020204" pitchFamily="34" charset="0"/>
+              </a:rPr>
+              <a:t>Amazon DynamoDB</a:t>
+            </a:r>
+          </a:p>
+        </p:txBody>
+      </p:sp>
+      <p:pic>
+        <p:nvPicPr>
+          <p:cNvPr id="16" name="Graphic 10">
+            <a:extLst>
+              <a:ext uri="{FF2B5EF4-FFF2-40B4-BE49-F238E27FC236}">
+                <a16:creationId xmlns:a16="http://schemas.microsoft.com/office/drawing/2014/main" id="{C8B9C58F-72D6-4AA6-B73F-F1B9DD1FD396}"/>
+              </a:ext>
+            </a:extLst>
+          </p:cNvPr>
+          <p:cNvPicPr>
+            <a:picLocks noChangeAspect="1" noChangeArrowheads="1"/>
+          </p:cNvPicPr>
+          <p:nvPr/>
+        </p:nvPicPr>
+        <p:blipFill>
+          <a:blip r:embed="rId6">
+            <a:extLst>
+              <a:ext uri="{28A0092B-C50C-407E-A947-70E740481C1C}">
+                <a14:useLocalDpi xmlns:a14="http://schemas.microsoft.com/office/drawing/2010/main" val="0"/>
+              </a:ext>
+            </a:extLst>
+          </a:blip>
+          <a:srcRect/>
+          <a:stretch>
+            <a:fillRect/>
+          </a:stretch>
+        </p:blipFill>
+        <p:spPr bwMode="auto">
+          <a:xfrm>
+            <a:off x="2919469" y="3647930"/>
+            <a:ext cx="762000" cy="762000"/>
+          </a:xfrm>
+          <a:prstGeom prst="rect">
+            <a:avLst/>
+          </a:prstGeom>
+          <a:noFill/>
+          <a:ln>
+            <a:noFill/>
+          </a:ln>
+          <a:extLst>
+            <a:ext uri="{909E8E84-426E-40DD-AFC4-6F175D3DCCD1}">
+              <a14:hiddenFill xmlns:a14="http://schemas.microsoft.com/office/drawing/2010/main">
+                <a:solidFill>
+                  <a:srgbClr val="FFFFFF"/>
+                </a:solidFill>
+              </a14:hiddenFill>
+            </a:ext>
+            <a:ext uri="{91240B29-F687-4F45-9708-019B960494DF}">
+              <a14:hiddenLine xmlns:a14="http://schemas.microsoft.com/office/drawing/2010/main" w="9525">
+                <a:solidFill>
+                  <a:srgbClr val="000000"/>
+                </a:solidFill>
+                <a:miter lim="800000"/>
+                <a:headEnd/>
+                <a:tailEnd/>
+              </a14:hiddenLine>
+            </a:ext>
+          </a:extLst>
+        </p:spPr>
+      </p:pic>
+      <p:sp>
+        <p:nvSpPr>
+          <p:cNvPr id="17" name="TextBox 20">
+            <a:extLst>
+              <a:ext uri="{FF2B5EF4-FFF2-40B4-BE49-F238E27FC236}">
+                <a16:creationId xmlns:a16="http://schemas.microsoft.com/office/drawing/2014/main" id="{368A87EC-C2EA-414D-84CC-08B0D118B990}"/>
+              </a:ext>
+            </a:extLst>
+          </p:cNvPr>
+          <p:cNvSpPr txBox="1">
+            <a:spLocks noChangeArrowheads="1"/>
+          </p:cNvSpPr>
+          <p:nvPr/>
+        </p:nvSpPr>
+        <p:spPr bwMode="auto">
+          <a:xfrm>
+            <a:off x="2829534" y="4410859"/>
+            <a:ext cx="941870" cy="261610"/>
+          </a:xfrm>
+          <a:prstGeom prst="rect">
+            <a:avLst/>
+          </a:prstGeom>
+          <a:noFill/>
+          <a:ln>
+            <a:noFill/>
+          </a:ln>
+          <a:extLst>
+            <a:ext uri="{909E8E84-426E-40DD-AFC4-6F175D3DCCD1}">
+              <a14:hiddenFill xmlns:a14="http://schemas.microsoft.com/office/drawing/2010/main">
+                <a:solidFill>
+                  <a:srgbClr val="FFFFFF"/>
+                </a:solidFill>
+              </a14:hiddenFill>
+            </a:ext>
+            <a:ext uri="{91240B29-F687-4F45-9708-019B960494DF}">
+              <a14:hiddenLine xmlns:a14="http://schemas.microsoft.com/office/drawing/2010/main" w="9525">
+                <a:solidFill>
+                  <a:srgbClr val="000000"/>
+                </a:solidFill>
+                <a:miter lim="800000"/>
+                <a:headEnd/>
+                <a:tailEnd/>
+              </a14:hiddenLine>
+            </a:ext>
+          </a:extLst>
+        </p:spPr>
+        <p:txBody>
+          <a:bodyPr wrap="square">
+            <a:spAutoFit/>
+          </a:bodyPr>
+          <a:lstStyle>
+            <a:lvl1pPr>
+              <a:defRPr>
+                <a:solidFill>
+                  <a:schemeClr val="tx1"/>
+                </a:solidFill>
+                <a:latin typeface="Calibri" panose="020F0502020204030204" pitchFamily="34" charset="0"/>
+              </a:defRPr>
+            </a:lvl1pPr>
+            <a:lvl2pPr marL="742950" indent="-285750">
+              <a:defRPr>
+                <a:solidFill>
+                  <a:schemeClr val="tx1"/>
+                </a:solidFill>
+                <a:latin typeface="Calibri" panose="020F0502020204030204" pitchFamily="34" charset="0"/>
+              </a:defRPr>
+            </a:lvl2pPr>
+            <a:lvl3pPr marL="1143000" indent="-228600">
+              <a:defRPr>
+                <a:solidFill>
+                  <a:schemeClr val="tx1"/>
+                </a:solidFill>
+                <a:latin typeface="Calibri" panose="020F0502020204030204" pitchFamily="34" charset="0"/>
+              </a:defRPr>
+            </a:lvl3pPr>
+            <a:lvl4pPr marL="1600200" indent="-228600">
+              <a:defRPr>
+                <a:solidFill>
+                  <a:schemeClr val="tx1"/>
+                </a:solidFill>
+                <a:latin typeface="Calibri" panose="020F0502020204030204" pitchFamily="34" charset="0"/>
+              </a:defRPr>
+            </a:lvl4pPr>
+            <a:lvl5pPr marL="2057400" indent="-228600">
+              <a:defRPr>
+                <a:solidFill>
+                  <a:schemeClr val="tx1"/>
+                </a:solidFill>
+                <a:latin typeface="Calibri" panose="020F0502020204030204" pitchFamily="34" charset="0"/>
+              </a:defRPr>
+            </a:lvl5pPr>
+            <a:lvl6pPr marL="2514600" indent="-228600" eaLnBrk="0" fontAlgn="base" hangingPunct="0">
+              <a:spcBef>
+                <a:spcPct val="0"/>
+              </a:spcBef>
+              <a:spcAft>
+                <a:spcPct val="0"/>
+              </a:spcAft>
+              <a:defRPr>
+                <a:solidFill>
+                  <a:schemeClr val="tx1"/>
+                </a:solidFill>
+                <a:latin typeface="Calibri" panose="020F0502020204030204" pitchFamily="34" charset="0"/>
+              </a:defRPr>
+            </a:lvl6pPr>
+            <a:lvl7pPr marL="2971800" indent="-228600" eaLnBrk="0" fontAlgn="base" hangingPunct="0">
+              <a:spcBef>
+                <a:spcPct val="0"/>
+              </a:spcBef>
+              <a:spcAft>
+                <a:spcPct val="0"/>
+              </a:spcAft>
+              <a:defRPr>
+                <a:solidFill>
+                  <a:schemeClr val="tx1"/>
+                </a:solidFill>
+                <a:latin typeface="Calibri" panose="020F0502020204030204" pitchFamily="34" charset="0"/>
+              </a:defRPr>
+            </a:lvl7pPr>
+            <a:lvl8pPr marL="3429000" indent="-228600" eaLnBrk="0" fontAlgn="base" hangingPunct="0">
+              <a:spcBef>
+                <a:spcPct val="0"/>
+              </a:spcBef>
+              <a:spcAft>
+                <a:spcPct val="0"/>
+              </a:spcAft>
+              <a:defRPr>
+                <a:solidFill>
+                  <a:schemeClr val="tx1"/>
+                </a:solidFill>
+                <a:latin typeface="Calibri" panose="020F0502020204030204" pitchFamily="34" charset="0"/>
+              </a:defRPr>
+            </a:lvl8pPr>
+            <a:lvl9pPr marL="3886200" indent="-228600" eaLnBrk="0" fontAlgn="base" hangingPunct="0">
+              <a:spcBef>
+                <a:spcPct val="0"/>
+              </a:spcBef>
+              <a:spcAft>
+                <a:spcPct val="0"/>
+              </a:spcAft>
+              <a:defRPr>
+                <a:solidFill>
+                  <a:schemeClr val="tx1"/>
+                </a:solidFill>
+                <a:latin typeface="Calibri" panose="020F0502020204030204" pitchFamily="34" charset="0"/>
+              </a:defRPr>
+            </a:lvl9pPr>
+          </a:lstStyle>
+          <a:p>
+            <a:pPr algn="ctr" eaLnBrk="1" hangingPunct="1"/>
+            <a:r>
+              <a:rPr lang="en-US" altLang="en-US" sz="1100" dirty="0">
+                <a:latin typeface="+mj-lt"/>
+                <a:ea typeface="Amazon Ember" panose="020B0603020204020204" pitchFamily="34" charset="0"/>
+                <a:cs typeface="Arial" panose="020B0604020202020204" pitchFamily="34" charset="0"/>
+              </a:rPr>
+              <a:t>AWS Lambda</a:t>
+            </a:r>
+          </a:p>
+        </p:txBody>
+      </p:sp>
+      <p:pic>
+        <p:nvPicPr>
+          <p:cNvPr id="18" name="Graphic 19">
+            <a:extLst>
+              <a:ext uri="{FF2B5EF4-FFF2-40B4-BE49-F238E27FC236}">
+                <a16:creationId xmlns:a16="http://schemas.microsoft.com/office/drawing/2014/main" id="{9524B7AB-3137-4866-BD0F-7ED691D8E9EB}"/>
+              </a:ext>
+            </a:extLst>
+          </p:cNvPr>
+          <p:cNvPicPr>
+            <a:picLocks noChangeAspect="1" noChangeArrowheads="1"/>
+          </p:cNvPicPr>
+          <p:nvPr/>
+        </p:nvPicPr>
+        <p:blipFill>
+          <a:blip r:embed="rId7">
+            <a:extLst>
+              <a:ext uri="{28A0092B-C50C-407E-A947-70E740481C1C}">
+                <a14:useLocalDpi xmlns:a14="http://schemas.microsoft.com/office/drawing/2010/main" val="0"/>
+              </a:ext>
+            </a:extLst>
+          </a:blip>
+          <a:srcRect/>
+          <a:stretch>
+            <a:fillRect/>
+          </a:stretch>
+        </p:blipFill>
+        <p:spPr bwMode="auto">
+          <a:xfrm>
+            <a:off x="5048232" y="5368521"/>
+            <a:ext cx="762000" cy="762000"/>
+          </a:xfrm>
+          <a:prstGeom prst="rect">
+            <a:avLst/>
+          </a:prstGeom>
+          <a:noFill/>
+          <a:ln>
+            <a:noFill/>
+          </a:ln>
+          <a:extLst>
+            <a:ext uri="{909E8E84-426E-40DD-AFC4-6F175D3DCCD1}">
+              <a14:hiddenFill xmlns:a14="http://schemas.microsoft.com/office/drawing/2010/main">
+                <a:solidFill>
+                  <a:srgbClr val="FFFFFF"/>
+                </a:solidFill>
+              </a14:hiddenFill>
+            </a:ext>
+            <a:ext uri="{91240B29-F687-4F45-9708-019B960494DF}">
+              <a14:hiddenLine xmlns:a14="http://schemas.microsoft.com/office/drawing/2010/main" w="9525">
+                <a:solidFill>
+                  <a:srgbClr val="000000"/>
+                </a:solidFill>
+                <a:miter lim="800000"/>
+                <a:headEnd/>
+                <a:tailEnd/>
+              </a14:hiddenLine>
+            </a:ext>
+          </a:extLst>
+        </p:spPr>
+      </p:pic>
+      <p:sp>
+        <p:nvSpPr>
+          <p:cNvPr id="19" name="TextBox 11">
+            <a:extLst>
+              <a:ext uri="{FF2B5EF4-FFF2-40B4-BE49-F238E27FC236}">
+                <a16:creationId xmlns:a16="http://schemas.microsoft.com/office/drawing/2014/main" id="{0024F6C8-476F-4C88-960C-937977095197}"/>
+              </a:ext>
+            </a:extLst>
+          </p:cNvPr>
+          <p:cNvSpPr txBox="1">
+            <a:spLocks noChangeArrowheads="1"/>
+          </p:cNvSpPr>
+          <p:nvPr/>
+        </p:nvSpPr>
+        <p:spPr bwMode="auto">
+          <a:xfrm>
+            <a:off x="4724248" y="6135033"/>
+            <a:ext cx="1409965" cy="261610"/>
+          </a:xfrm>
+          <a:prstGeom prst="rect">
+            <a:avLst/>
+          </a:prstGeom>
+          <a:noFill/>
+          <a:ln>
+            <a:noFill/>
+          </a:ln>
+          <a:extLst>
+            <a:ext uri="{909E8E84-426E-40DD-AFC4-6F175D3DCCD1}">
+              <a14:hiddenFill xmlns:a14="http://schemas.microsoft.com/office/drawing/2010/main">
+                <a:solidFill>
+                  <a:srgbClr val="FFFFFF"/>
+                </a:solidFill>
+              </a14:hiddenFill>
+            </a:ext>
+            <a:ext uri="{91240B29-F687-4F45-9708-019B960494DF}">
+              <a14:hiddenLine xmlns:a14="http://schemas.microsoft.com/office/drawing/2010/main" w="9525">
+                <a:solidFill>
+                  <a:srgbClr val="000000"/>
+                </a:solidFill>
+                <a:miter lim="800000"/>
+                <a:headEnd/>
+                <a:tailEnd/>
+              </a14:hiddenLine>
+            </a:ext>
+          </a:extLst>
+        </p:spPr>
+        <p:txBody>
+          <a:bodyPr wrap="square">
+            <a:spAutoFit/>
+          </a:bodyPr>
+          <a:lstStyle>
+            <a:lvl1pPr>
+              <a:defRPr>
+                <a:solidFill>
+                  <a:schemeClr val="tx1"/>
+                </a:solidFill>
+                <a:latin typeface="Calibri" panose="020F0502020204030204" pitchFamily="34" charset="0"/>
+              </a:defRPr>
+            </a:lvl1pPr>
+            <a:lvl2pPr marL="742950" indent="-285750">
+              <a:defRPr>
+                <a:solidFill>
+                  <a:schemeClr val="tx1"/>
+                </a:solidFill>
+                <a:latin typeface="Calibri" panose="020F0502020204030204" pitchFamily="34" charset="0"/>
+              </a:defRPr>
+            </a:lvl2pPr>
+            <a:lvl3pPr marL="1143000" indent="-228600">
+              <a:defRPr>
+                <a:solidFill>
+                  <a:schemeClr val="tx1"/>
+                </a:solidFill>
+                <a:latin typeface="Calibri" panose="020F0502020204030204" pitchFamily="34" charset="0"/>
+              </a:defRPr>
+            </a:lvl3pPr>
+            <a:lvl4pPr marL="1600200" indent="-228600">
+              <a:defRPr>
+                <a:solidFill>
+                  <a:schemeClr val="tx1"/>
+                </a:solidFill>
+                <a:latin typeface="Calibri" panose="020F0502020204030204" pitchFamily="34" charset="0"/>
+              </a:defRPr>
+            </a:lvl4pPr>
+            <a:lvl5pPr marL="2057400" indent="-228600">
+              <a:defRPr>
+                <a:solidFill>
+                  <a:schemeClr val="tx1"/>
+                </a:solidFill>
+                <a:latin typeface="Calibri" panose="020F0502020204030204" pitchFamily="34" charset="0"/>
+              </a:defRPr>
+            </a:lvl5pPr>
+            <a:lvl6pPr marL="2514600" indent="-228600" eaLnBrk="0" fontAlgn="base" hangingPunct="0">
+              <a:spcBef>
+                <a:spcPct val="0"/>
+              </a:spcBef>
+              <a:spcAft>
+                <a:spcPct val="0"/>
+              </a:spcAft>
+              <a:defRPr>
+                <a:solidFill>
+                  <a:schemeClr val="tx1"/>
+                </a:solidFill>
+                <a:latin typeface="Calibri" panose="020F0502020204030204" pitchFamily="34" charset="0"/>
+              </a:defRPr>
+            </a:lvl6pPr>
+            <a:lvl7pPr marL="2971800" indent="-228600" eaLnBrk="0" fontAlgn="base" hangingPunct="0">
+              <a:spcBef>
+                <a:spcPct val="0"/>
+              </a:spcBef>
+              <a:spcAft>
+                <a:spcPct val="0"/>
+              </a:spcAft>
+              <a:defRPr>
+                <a:solidFill>
+                  <a:schemeClr val="tx1"/>
+                </a:solidFill>
+                <a:latin typeface="Calibri" panose="020F0502020204030204" pitchFamily="34" charset="0"/>
+              </a:defRPr>
+            </a:lvl7pPr>
+            <a:lvl8pPr marL="3429000" indent="-228600" eaLnBrk="0" fontAlgn="base" hangingPunct="0">
+              <a:spcBef>
+                <a:spcPct val="0"/>
+              </a:spcBef>
+              <a:spcAft>
+                <a:spcPct val="0"/>
+              </a:spcAft>
+              <a:defRPr>
+                <a:solidFill>
+                  <a:schemeClr val="tx1"/>
+                </a:solidFill>
+                <a:latin typeface="Calibri" panose="020F0502020204030204" pitchFamily="34" charset="0"/>
+              </a:defRPr>
+            </a:lvl8pPr>
+            <a:lvl9pPr marL="3886200" indent="-228600" eaLnBrk="0" fontAlgn="base" hangingPunct="0">
+              <a:spcBef>
+                <a:spcPct val="0"/>
+              </a:spcBef>
+              <a:spcAft>
+                <a:spcPct val="0"/>
+              </a:spcAft>
+              <a:defRPr>
+                <a:solidFill>
+                  <a:schemeClr val="tx1"/>
+                </a:solidFill>
+                <a:latin typeface="Calibri" panose="020F0502020204030204" pitchFamily="34" charset="0"/>
+              </a:defRPr>
+            </a:lvl9pPr>
+          </a:lstStyle>
+          <a:p>
+            <a:pPr algn="ctr" eaLnBrk="1" hangingPunct="1"/>
+            <a:r>
+              <a:rPr lang="en-US" altLang="en-US" sz="1100" dirty="0">
+                <a:latin typeface="+mj-lt"/>
+                <a:ea typeface="Amazon Ember" panose="020B0603020204020204" pitchFamily="34" charset="0"/>
+                <a:cs typeface="Arial" panose="020B0604020202020204" pitchFamily="34" charset="0"/>
+              </a:rPr>
+              <a:t>Amazon EventBridge</a:t>
+            </a:r>
+          </a:p>
+        </p:txBody>
+      </p:sp>
+      <p:sp>
+        <p:nvSpPr>
+          <p:cNvPr id="20" name="TextBox 18">
+            <a:extLst>
+              <a:ext uri="{FF2B5EF4-FFF2-40B4-BE49-F238E27FC236}">
+                <a16:creationId xmlns:a16="http://schemas.microsoft.com/office/drawing/2014/main" id="{809145E9-1072-4392-BFDC-480E1AE2B227}"/>
+              </a:ext>
+            </a:extLst>
+          </p:cNvPr>
+          <p:cNvSpPr txBox="1">
+            <a:spLocks noChangeArrowheads="1"/>
+          </p:cNvSpPr>
+          <p:nvPr/>
+        </p:nvSpPr>
+        <p:spPr bwMode="auto">
+          <a:xfrm>
+            <a:off x="2706744" y="5965756"/>
+            <a:ext cx="1187450" cy="430887"/>
+          </a:xfrm>
+          <a:prstGeom prst="rect">
+            <a:avLst/>
+          </a:prstGeom>
+          <a:noFill/>
+          <a:ln>
+            <a:noFill/>
+          </a:ln>
+          <a:extLst>
+            <a:ext uri="{909E8E84-426E-40DD-AFC4-6F175D3DCCD1}">
+              <a14:hiddenFill xmlns:a14="http://schemas.microsoft.com/office/drawing/2010/main">
+                <a:solidFill>
+                  <a:srgbClr val="FFFFFF"/>
+                </a:solidFill>
+              </a14:hiddenFill>
+            </a:ext>
+            <a:ext uri="{91240B29-F687-4F45-9708-019B960494DF}">
+              <a14:hiddenLine xmlns:a14="http://schemas.microsoft.com/office/drawing/2010/main" w="9525">
+                <a:solidFill>
+                  <a:srgbClr val="000000"/>
+                </a:solidFill>
+                <a:miter lim="800000"/>
+                <a:headEnd/>
+                <a:tailEnd/>
+              </a14:hiddenLine>
+            </a:ext>
+          </a:extLst>
+        </p:spPr>
+        <p:txBody>
+          <a:bodyPr>
+            <a:spAutoFit/>
+          </a:bodyPr>
+          <a:lstStyle>
+            <a:lvl1pPr>
+              <a:defRPr>
+                <a:solidFill>
+                  <a:schemeClr val="tx1"/>
+                </a:solidFill>
+                <a:latin typeface="Calibri" panose="020F0502020204030204" pitchFamily="34" charset="0"/>
+              </a:defRPr>
+            </a:lvl1pPr>
+            <a:lvl2pPr marL="742950" indent="-285750">
+              <a:defRPr>
+                <a:solidFill>
+                  <a:schemeClr val="tx1"/>
+                </a:solidFill>
+                <a:latin typeface="Calibri" panose="020F0502020204030204" pitchFamily="34" charset="0"/>
+              </a:defRPr>
+            </a:lvl2pPr>
+            <a:lvl3pPr marL="1143000" indent="-228600">
+              <a:defRPr>
+                <a:solidFill>
+                  <a:schemeClr val="tx1"/>
+                </a:solidFill>
+                <a:latin typeface="Calibri" panose="020F0502020204030204" pitchFamily="34" charset="0"/>
+              </a:defRPr>
+            </a:lvl3pPr>
+            <a:lvl4pPr marL="1600200" indent="-228600">
+              <a:defRPr>
+                <a:solidFill>
+                  <a:schemeClr val="tx1"/>
+                </a:solidFill>
+                <a:latin typeface="Calibri" panose="020F0502020204030204" pitchFamily="34" charset="0"/>
+              </a:defRPr>
+            </a:lvl4pPr>
+            <a:lvl5pPr marL="2057400" indent="-228600">
+              <a:defRPr>
+                <a:solidFill>
+                  <a:schemeClr val="tx1"/>
+                </a:solidFill>
+                <a:latin typeface="Calibri" panose="020F0502020204030204" pitchFamily="34" charset="0"/>
+              </a:defRPr>
+            </a:lvl5pPr>
+            <a:lvl6pPr marL="2514600" indent="-228600" eaLnBrk="0" fontAlgn="base" hangingPunct="0">
+              <a:spcBef>
+                <a:spcPct val="0"/>
+              </a:spcBef>
+              <a:spcAft>
+                <a:spcPct val="0"/>
+              </a:spcAft>
+              <a:defRPr>
+                <a:solidFill>
+                  <a:schemeClr val="tx1"/>
+                </a:solidFill>
+                <a:latin typeface="Calibri" panose="020F0502020204030204" pitchFamily="34" charset="0"/>
+              </a:defRPr>
+            </a:lvl6pPr>
+            <a:lvl7pPr marL="2971800" indent="-228600" eaLnBrk="0" fontAlgn="base" hangingPunct="0">
+              <a:spcBef>
+                <a:spcPct val="0"/>
+              </a:spcBef>
+              <a:spcAft>
+                <a:spcPct val="0"/>
+              </a:spcAft>
+              <a:defRPr>
+                <a:solidFill>
+                  <a:schemeClr val="tx1"/>
+                </a:solidFill>
+                <a:latin typeface="Calibri" panose="020F0502020204030204" pitchFamily="34" charset="0"/>
+              </a:defRPr>
+            </a:lvl7pPr>
+            <a:lvl8pPr marL="3429000" indent="-228600" eaLnBrk="0" fontAlgn="base" hangingPunct="0">
+              <a:spcBef>
+                <a:spcPct val="0"/>
+              </a:spcBef>
+              <a:spcAft>
+                <a:spcPct val="0"/>
+              </a:spcAft>
+              <a:defRPr>
+                <a:solidFill>
+                  <a:schemeClr val="tx1"/>
+                </a:solidFill>
+                <a:latin typeface="Calibri" panose="020F0502020204030204" pitchFamily="34" charset="0"/>
+              </a:defRPr>
+            </a:lvl8pPr>
+            <a:lvl9pPr marL="3886200" indent="-228600" eaLnBrk="0" fontAlgn="base" hangingPunct="0">
+              <a:spcBef>
+                <a:spcPct val="0"/>
+              </a:spcBef>
+              <a:spcAft>
+                <a:spcPct val="0"/>
+              </a:spcAft>
+              <a:defRPr>
+                <a:solidFill>
+                  <a:schemeClr val="tx1"/>
+                </a:solidFill>
+                <a:latin typeface="Calibri" panose="020F0502020204030204" pitchFamily="34" charset="0"/>
+              </a:defRPr>
+            </a:lvl9pPr>
+          </a:lstStyle>
+          <a:p>
+            <a:pPr algn="ctr" eaLnBrk="1" hangingPunct="1"/>
+            <a:r>
+              <a:rPr lang="en-US" altLang="en-US" sz="1100" dirty="0">
+                <a:latin typeface="+mj-lt"/>
+                <a:ea typeface="Amazon Ember" panose="020B0603020204020204" pitchFamily="34" charset="0"/>
+                <a:cs typeface="Arial" panose="020B0604020202020204" pitchFamily="34" charset="0"/>
+              </a:rPr>
+              <a:t>Scheduled Event</a:t>
+            </a:r>
+          </a:p>
+          <a:p>
+            <a:pPr algn="ctr" eaLnBrk="1" hangingPunct="1"/>
+            <a:r>
+              <a:rPr lang="en-US" altLang="en-US" sz="1100" dirty="0">
+                <a:latin typeface="+mj-lt"/>
+                <a:ea typeface="Amazon Ember" panose="020B0603020204020204" pitchFamily="34" charset="0"/>
+                <a:cs typeface="Arial" panose="020B0604020202020204" pitchFamily="34" charset="0"/>
+              </a:rPr>
+              <a:t>(24 Hours)</a:t>
+            </a:r>
+          </a:p>
+        </p:txBody>
+      </p:sp>
+      <p:pic>
+        <p:nvPicPr>
+          <p:cNvPr id="21" name="Graphic 8">
+            <a:extLst>
+              <a:ext uri="{FF2B5EF4-FFF2-40B4-BE49-F238E27FC236}">
+                <a16:creationId xmlns:a16="http://schemas.microsoft.com/office/drawing/2014/main" id="{E6578054-765A-4B97-9AC3-FE0FD2C18F22}"/>
+              </a:ext>
+            </a:extLst>
+          </p:cNvPr>
+          <p:cNvPicPr>
+            <a:picLocks noChangeAspect="1" noChangeArrowheads="1"/>
+          </p:cNvPicPr>
+          <p:nvPr/>
+        </p:nvPicPr>
+        <p:blipFill>
+          <a:blip r:embed="rId8">
+            <a:extLst>
+              <a:ext uri="{28A0092B-C50C-407E-A947-70E740481C1C}">
+                <a14:useLocalDpi xmlns:a14="http://schemas.microsoft.com/office/drawing/2010/main" val="0"/>
+              </a:ext>
+            </a:extLst>
+          </a:blip>
+          <a:srcRect/>
+          <a:stretch>
+            <a:fillRect/>
+          </a:stretch>
+        </p:blipFill>
+        <p:spPr bwMode="auto">
+          <a:xfrm>
+            <a:off x="3071869" y="5520921"/>
+            <a:ext cx="457200" cy="457200"/>
+          </a:xfrm>
+          <a:prstGeom prst="rect">
+            <a:avLst/>
+          </a:prstGeom>
+          <a:noFill/>
+          <a:ln>
+            <a:noFill/>
+          </a:ln>
+          <a:extLst>
+            <a:ext uri="{909E8E84-426E-40DD-AFC4-6F175D3DCCD1}">
+              <a14:hiddenFill xmlns:a14="http://schemas.microsoft.com/office/drawing/2010/main">
+                <a:solidFill>
+                  <a:srgbClr val="FFFFFF"/>
+                </a:solidFill>
+              </a14:hiddenFill>
+            </a:ext>
+            <a:ext uri="{91240B29-F687-4F45-9708-019B960494DF}">
+              <a14:hiddenLine xmlns:a14="http://schemas.microsoft.com/office/drawing/2010/main" w="9525">
+                <a:solidFill>
+                  <a:srgbClr val="000000"/>
+                </a:solidFill>
+                <a:miter lim="800000"/>
+                <a:headEnd/>
+                <a:tailEnd/>
+              </a14:hiddenLine>
+            </a:ext>
+          </a:extLst>
+        </p:spPr>
+      </p:pic>
+      <p:pic>
+        <p:nvPicPr>
+          <p:cNvPr id="24" name="Graphic 19">
+            <a:extLst>
+              <a:ext uri="{FF2B5EF4-FFF2-40B4-BE49-F238E27FC236}">
+                <a16:creationId xmlns:a16="http://schemas.microsoft.com/office/drawing/2014/main" id="{CC732254-535B-4B05-A144-929CF414E630}"/>
+              </a:ext>
+            </a:extLst>
+          </p:cNvPr>
+          <p:cNvPicPr>
+            <a:picLocks noChangeAspect="1" noChangeArrowheads="1"/>
+          </p:cNvPicPr>
+          <p:nvPr/>
+        </p:nvPicPr>
+        <p:blipFill>
+          <a:blip r:embed="rId9">
+            <a:extLst>
+              <a:ext uri="{28A0092B-C50C-407E-A947-70E740481C1C}">
+                <a14:useLocalDpi xmlns:a14="http://schemas.microsoft.com/office/drawing/2010/main" val="0"/>
+              </a:ext>
+            </a:extLst>
+          </a:blip>
+          <a:srcRect/>
+          <a:stretch>
+            <a:fillRect/>
+          </a:stretch>
+        </p:blipFill>
+        <p:spPr bwMode="auto">
+          <a:xfrm>
+            <a:off x="9305758" y="1577934"/>
+            <a:ext cx="762000" cy="762000"/>
+          </a:xfrm>
+          <a:prstGeom prst="rect">
+            <a:avLst/>
+          </a:prstGeom>
+          <a:noFill/>
+          <a:ln>
+            <a:noFill/>
+          </a:ln>
+          <a:extLst>
+            <a:ext uri="{909E8E84-426E-40DD-AFC4-6F175D3DCCD1}">
+              <a14:hiddenFill xmlns:a14="http://schemas.microsoft.com/office/drawing/2010/main">
+                <a:solidFill>
+                  <a:srgbClr val="FFFFFF"/>
+                </a:solidFill>
+              </a14:hiddenFill>
+            </a:ext>
+            <a:ext uri="{91240B29-F687-4F45-9708-019B960494DF}">
+              <a14:hiddenLine xmlns:a14="http://schemas.microsoft.com/office/drawing/2010/main" w="9525">
+                <a:solidFill>
+                  <a:srgbClr val="000000"/>
+                </a:solidFill>
+                <a:miter lim="800000"/>
+                <a:headEnd/>
+                <a:tailEnd/>
+              </a14:hiddenLine>
+            </a:ext>
+          </a:extLst>
+        </p:spPr>
+      </p:pic>
+      <p:sp>
+        <p:nvSpPr>
+          <p:cNvPr id="25" name="TextBox 12">
+            <a:extLst>
+              <a:ext uri="{FF2B5EF4-FFF2-40B4-BE49-F238E27FC236}">
+                <a16:creationId xmlns:a16="http://schemas.microsoft.com/office/drawing/2014/main" id="{42D35029-2E06-4A23-B9B2-D34746A6B9AE}"/>
+              </a:ext>
+            </a:extLst>
+          </p:cNvPr>
+          <p:cNvSpPr txBox="1">
+            <a:spLocks noChangeArrowheads="1"/>
+          </p:cNvSpPr>
+          <p:nvPr/>
+        </p:nvSpPr>
+        <p:spPr bwMode="auto">
+          <a:xfrm>
+            <a:off x="9184942" y="2346532"/>
+            <a:ext cx="1003633" cy="430887"/>
+          </a:xfrm>
+          <a:prstGeom prst="rect">
+            <a:avLst/>
+          </a:prstGeom>
+          <a:noFill/>
+          <a:ln>
+            <a:noFill/>
+          </a:ln>
+          <a:extLst>
+            <a:ext uri="{909E8E84-426E-40DD-AFC4-6F175D3DCCD1}">
+              <a14:hiddenFill xmlns:a14="http://schemas.microsoft.com/office/drawing/2010/main">
+                <a:solidFill>
+                  <a:srgbClr val="FFFFFF"/>
+                </a:solidFill>
+              </a14:hiddenFill>
+            </a:ext>
+            <a:ext uri="{91240B29-F687-4F45-9708-019B960494DF}">
+              <a14:hiddenLine xmlns:a14="http://schemas.microsoft.com/office/drawing/2010/main" w="9525">
+                <a:solidFill>
+                  <a:srgbClr val="000000"/>
+                </a:solidFill>
+                <a:miter lim="800000"/>
+                <a:headEnd/>
+                <a:tailEnd/>
+              </a14:hiddenLine>
+            </a:ext>
+          </a:extLst>
+        </p:spPr>
+        <p:txBody>
+          <a:bodyPr wrap="square">
+            <a:spAutoFit/>
+          </a:bodyPr>
+          <a:lstStyle>
+            <a:lvl1pPr>
+              <a:defRPr>
+                <a:solidFill>
+                  <a:schemeClr val="tx1"/>
+                </a:solidFill>
+                <a:latin typeface="Calibri" panose="020F0502020204030204" pitchFamily="34" charset="0"/>
+              </a:defRPr>
+            </a:lvl1pPr>
+            <a:lvl2pPr marL="742950" indent="-285750">
+              <a:defRPr>
+                <a:solidFill>
+                  <a:schemeClr val="tx1"/>
+                </a:solidFill>
+                <a:latin typeface="Calibri" panose="020F0502020204030204" pitchFamily="34" charset="0"/>
+              </a:defRPr>
+            </a:lvl2pPr>
+            <a:lvl3pPr marL="1143000" indent="-228600">
+              <a:defRPr>
+                <a:solidFill>
+                  <a:schemeClr val="tx1"/>
+                </a:solidFill>
+                <a:latin typeface="Calibri" panose="020F0502020204030204" pitchFamily="34" charset="0"/>
+              </a:defRPr>
+            </a:lvl3pPr>
+            <a:lvl4pPr marL="1600200" indent="-228600">
+              <a:defRPr>
+                <a:solidFill>
+                  <a:schemeClr val="tx1"/>
+                </a:solidFill>
+                <a:latin typeface="Calibri" panose="020F0502020204030204" pitchFamily="34" charset="0"/>
+              </a:defRPr>
+            </a:lvl4pPr>
+            <a:lvl5pPr marL="2057400" indent="-228600">
+              <a:defRPr>
+                <a:solidFill>
+                  <a:schemeClr val="tx1"/>
+                </a:solidFill>
+                <a:latin typeface="Calibri" panose="020F0502020204030204" pitchFamily="34" charset="0"/>
+              </a:defRPr>
+            </a:lvl5pPr>
+            <a:lvl6pPr marL="2514600" indent="-228600" eaLnBrk="0" fontAlgn="base" hangingPunct="0">
+              <a:spcBef>
+                <a:spcPct val="0"/>
+              </a:spcBef>
+              <a:spcAft>
+                <a:spcPct val="0"/>
+              </a:spcAft>
+              <a:defRPr>
+                <a:solidFill>
+                  <a:schemeClr val="tx1"/>
+                </a:solidFill>
+                <a:latin typeface="Calibri" panose="020F0502020204030204" pitchFamily="34" charset="0"/>
+              </a:defRPr>
+            </a:lvl6pPr>
+            <a:lvl7pPr marL="2971800" indent="-228600" eaLnBrk="0" fontAlgn="base" hangingPunct="0">
+              <a:spcBef>
+                <a:spcPct val="0"/>
+              </a:spcBef>
+              <a:spcAft>
+                <a:spcPct val="0"/>
+              </a:spcAft>
+              <a:defRPr>
+                <a:solidFill>
+                  <a:schemeClr val="tx1"/>
+                </a:solidFill>
+                <a:latin typeface="Calibri" panose="020F0502020204030204" pitchFamily="34" charset="0"/>
+              </a:defRPr>
+            </a:lvl7pPr>
+            <a:lvl8pPr marL="3429000" indent="-228600" eaLnBrk="0" fontAlgn="base" hangingPunct="0">
+              <a:spcBef>
+                <a:spcPct val="0"/>
+              </a:spcBef>
+              <a:spcAft>
+                <a:spcPct val="0"/>
+              </a:spcAft>
+              <a:defRPr>
+                <a:solidFill>
+                  <a:schemeClr val="tx1"/>
+                </a:solidFill>
+                <a:latin typeface="Calibri" panose="020F0502020204030204" pitchFamily="34" charset="0"/>
+              </a:defRPr>
+            </a:lvl8pPr>
+            <a:lvl9pPr marL="3886200" indent="-228600" eaLnBrk="0" fontAlgn="base" hangingPunct="0">
+              <a:spcBef>
+                <a:spcPct val="0"/>
+              </a:spcBef>
+              <a:spcAft>
+                <a:spcPct val="0"/>
+              </a:spcAft>
+              <a:defRPr>
+                <a:solidFill>
+                  <a:schemeClr val="tx1"/>
+                </a:solidFill>
+                <a:latin typeface="Calibri" panose="020F0502020204030204" pitchFamily="34" charset="0"/>
+              </a:defRPr>
+            </a:lvl9pPr>
+          </a:lstStyle>
+          <a:p>
+            <a:pPr algn="ctr" eaLnBrk="1" hangingPunct="1"/>
+            <a:r>
+              <a:rPr lang="en-US" altLang="en-US" sz="1100" dirty="0">
+                <a:latin typeface="+mj-lt"/>
+                <a:ea typeface="Amazon Ember" panose="020B0603020204020204" pitchFamily="34" charset="0"/>
+                <a:cs typeface="Arial" panose="020B0604020202020204" pitchFamily="34" charset="0"/>
+              </a:rPr>
+              <a:t>AWS Security Hub</a:t>
+            </a:r>
+          </a:p>
+        </p:txBody>
+      </p:sp>
+      <p:pic>
+        <p:nvPicPr>
+          <p:cNvPr id="32" name="Picture 2" descr="NVD based problem detection | versio.io">
+            <a:extLst>
+              <a:ext uri="{FF2B5EF4-FFF2-40B4-BE49-F238E27FC236}">
+                <a16:creationId xmlns:a16="http://schemas.microsoft.com/office/drawing/2014/main" id="{AF3948AB-EAAB-428B-8477-68C4482B56E8}"/>
+              </a:ext>
+            </a:extLst>
+          </p:cNvPr>
+          <p:cNvPicPr>
+            <a:picLocks noChangeAspect="1" noChangeArrowheads="1"/>
+          </p:cNvPicPr>
+          <p:nvPr/>
+        </p:nvPicPr>
+        <p:blipFill>
+          <a:blip r:embed="rId10">
+            <a:extLst>
+              <a:ext uri="{28A0092B-C50C-407E-A947-70E740481C1C}">
+                <a14:useLocalDpi xmlns:a14="http://schemas.microsoft.com/office/drawing/2010/main" val="0"/>
+              </a:ext>
+            </a:extLst>
+          </a:blip>
+          <a:srcRect/>
+          <a:stretch>
+            <a:fillRect/>
+          </a:stretch>
+        </p:blipFill>
+        <p:spPr bwMode="auto">
+          <a:xfrm>
+            <a:off x="581533" y="1580982"/>
+            <a:ext cx="1232883" cy="758952"/>
+          </a:xfrm>
+          <a:prstGeom prst="rect">
+            <a:avLst/>
+          </a:prstGeom>
+          <a:noFill/>
+          <a:extLst>
+            <a:ext uri="{909E8E84-426E-40DD-AFC4-6F175D3DCCD1}">
+              <a14:hiddenFill xmlns:a14="http://schemas.microsoft.com/office/drawing/2010/main">
+                <a:solidFill>
+                  <a:srgbClr val="FFFFFF"/>
+                </a:solidFill>
+              </a14:hiddenFill>
+            </a:ext>
+          </a:extLst>
+        </p:spPr>
+      </p:pic>
+      <p:pic>
+        <p:nvPicPr>
+          <p:cNvPr id="33" name="Picture 2" descr="NVD based problem detection | versio.io">
+            <a:extLst>
+              <a:ext uri="{FF2B5EF4-FFF2-40B4-BE49-F238E27FC236}">
+                <a16:creationId xmlns:a16="http://schemas.microsoft.com/office/drawing/2014/main" id="{C200FE66-13AC-4DA2-A502-95342F7D4B4C}"/>
+              </a:ext>
+            </a:extLst>
+          </p:cNvPr>
+          <p:cNvPicPr>
+            <a:picLocks noChangeAspect="1" noChangeArrowheads="1"/>
+          </p:cNvPicPr>
+          <p:nvPr/>
+        </p:nvPicPr>
+        <p:blipFill>
+          <a:blip r:embed="rId10">
+            <a:extLst>
+              <a:ext uri="{28A0092B-C50C-407E-A947-70E740481C1C}">
+                <a14:useLocalDpi xmlns:a14="http://schemas.microsoft.com/office/drawing/2010/main" val="0"/>
+              </a:ext>
+            </a:extLst>
+          </a:blip>
+          <a:srcRect/>
+          <a:stretch>
+            <a:fillRect/>
+          </a:stretch>
+        </p:blipFill>
+        <p:spPr bwMode="auto">
+          <a:xfrm>
+            <a:off x="581533" y="3650978"/>
+            <a:ext cx="1232883" cy="758952"/>
+          </a:xfrm>
+          <a:prstGeom prst="rect">
+            <a:avLst/>
+          </a:prstGeom>
+          <a:noFill/>
+          <a:extLst>
+            <a:ext uri="{909E8E84-426E-40DD-AFC4-6F175D3DCCD1}">
+              <a14:hiddenFill xmlns:a14="http://schemas.microsoft.com/office/drawing/2010/main">
+                <a:solidFill>
+                  <a:srgbClr val="FFFFFF"/>
+                </a:solidFill>
+              </a14:hiddenFill>
+            </a:ext>
+          </a:extLst>
+        </p:spPr>
+      </p:pic>
+      <p:sp>
+        <p:nvSpPr>
+          <p:cNvPr id="35" name="TextBox 12">
+            <a:extLst>
+              <a:ext uri="{FF2B5EF4-FFF2-40B4-BE49-F238E27FC236}">
+                <a16:creationId xmlns:a16="http://schemas.microsoft.com/office/drawing/2014/main" id="{CB36D8ED-81E7-4EBF-A612-6641155ADD16}"/>
+              </a:ext>
+            </a:extLst>
+          </p:cNvPr>
+          <p:cNvSpPr txBox="1">
+            <a:spLocks noChangeArrowheads="1"/>
+          </p:cNvSpPr>
+          <p:nvPr/>
+        </p:nvSpPr>
+        <p:spPr bwMode="auto">
+          <a:xfrm>
+            <a:off x="520552" y="2339934"/>
+            <a:ext cx="1354847" cy="430887"/>
+          </a:xfrm>
+          <a:prstGeom prst="rect">
+            <a:avLst/>
+          </a:prstGeom>
+          <a:noFill/>
+          <a:ln>
+            <a:noFill/>
+          </a:ln>
+          <a:extLst>
+            <a:ext uri="{909E8E84-426E-40DD-AFC4-6F175D3DCCD1}">
+              <a14:hiddenFill xmlns:a14="http://schemas.microsoft.com/office/drawing/2010/main">
+                <a:solidFill>
+                  <a:srgbClr val="FFFFFF"/>
+                </a:solidFill>
+              </a14:hiddenFill>
+            </a:ext>
+            <a:ext uri="{91240B29-F687-4F45-9708-019B960494DF}">
+              <a14:hiddenLine xmlns:a14="http://schemas.microsoft.com/office/drawing/2010/main" w="9525">
+                <a:solidFill>
+                  <a:srgbClr val="000000"/>
+                </a:solidFill>
+                <a:miter lim="800000"/>
+                <a:headEnd/>
+                <a:tailEnd/>
+              </a14:hiddenLine>
+            </a:ext>
+          </a:extLst>
+        </p:spPr>
+        <p:txBody>
+          <a:bodyPr wrap="square">
+            <a:spAutoFit/>
+          </a:bodyPr>
+          <a:lstStyle>
+            <a:lvl1pPr>
+              <a:defRPr>
+                <a:solidFill>
+                  <a:schemeClr val="tx1"/>
+                </a:solidFill>
+                <a:latin typeface="Calibri" panose="020F0502020204030204" pitchFamily="34" charset="0"/>
+              </a:defRPr>
+            </a:lvl1pPr>
+            <a:lvl2pPr marL="742950" indent="-285750">
+              <a:defRPr>
+                <a:solidFill>
+                  <a:schemeClr val="tx1"/>
+                </a:solidFill>
+                <a:latin typeface="Calibri" panose="020F0502020204030204" pitchFamily="34" charset="0"/>
+              </a:defRPr>
+            </a:lvl2pPr>
+            <a:lvl3pPr marL="1143000" indent="-228600">
+              <a:defRPr>
+                <a:solidFill>
+                  <a:schemeClr val="tx1"/>
+                </a:solidFill>
+                <a:latin typeface="Calibri" panose="020F0502020204030204" pitchFamily="34" charset="0"/>
+              </a:defRPr>
+            </a:lvl3pPr>
+            <a:lvl4pPr marL="1600200" indent="-228600">
+              <a:defRPr>
+                <a:solidFill>
+                  <a:schemeClr val="tx1"/>
+                </a:solidFill>
+                <a:latin typeface="Calibri" panose="020F0502020204030204" pitchFamily="34" charset="0"/>
+              </a:defRPr>
+            </a:lvl4pPr>
+            <a:lvl5pPr marL="2057400" indent="-228600">
+              <a:defRPr>
+                <a:solidFill>
+                  <a:schemeClr val="tx1"/>
+                </a:solidFill>
+                <a:latin typeface="Calibri" panose="020F0502020204030204" pitchFamily="34" charset="0"/>
+              </a:defRPr>
+            </a:lvl5pPr>
+            <a:lvl6pPr marL="2514600" indent="-228600" eaLnBrk="0" fontAlgn="base" hangingPunct="0">
+              <a:spcBef>
+                <a:spcPct val="0"/>
+              </a:spcBef>
+              <a:spcAft>
+                <a:spcPct val="0"/>
+              </a:spcAft>
+              <a:defRPr>
+                <a:solidFill>
+                  <a:schemeClr val="tx1"/>
+                </a:solidFill>
+                <a:latin typeface="Calibri" panose="020F0502020204030204" pitchFamily="34" charset="0"/>
+              </a:defRPr>
+            </a:lvl6pPr>
+            <a:lvl7pPr marL="2971800" indent="-228600" eaLnBrk="0" fontAlgn="base" hangingPunct="0">
+              <a:spcBef>
+                <a:spcPct val="0"/>
+              </a:spcBef>
+              <a:spcAft>
+                <a:spcPct val="0"/>
+              </a:spcAft>
+              <a:defRPr>
+                <a:solidFill>
+                  <a:schemeClr val="tx1"/>
+                </a:solidFill>
+                <a:latin typeface="Calibri" panose="020F0502020204030204" pitchFamily="34" charset="0"/>
+              </a:defRPr>
+            </a:lvl7pPr>
+            <a:lvl8pPr marL="3429000" indent="-228600" eaLnBrk="0" fontAlgn="base" hangingPunct="0">
+              <a:spcBef>
+                <a:spcPct val="0"/>
+              </a:spcBef>
+              <a:spcAft>
+                <a:spcPct val="0"/>
+              </a:spcAft>
+              <a:defRPr>
+                <a:solidFill>
+                  <a:schemeClr val="tx1"/>
+                </a:solidFill>
+                <a:latin typeface="Calibri" panose="020F0502020204030204" pitchFamily="34" charset="0"/>
+              </a:defRPr>
+            </a:lvl8pPr>
+            <a:lvl9pPr marL="3886200" indent="-228600" eaLnBrk="0" fontAlgn="base" hangingPunct="0">
+              <a:spcBef>
+                <a:spcPct val="0"/>
+              </a:spcBef>
+              <a:spcAft>
+                <a:spcPct val="0"/>
+              </a:spcAft>
+              <a:defRPr>
+                <a:solidFill>
+                  <a:schemeClr val="tx1"/>
+                </a:solidFill>
+                <a:latin typeface="Calibri" panose="020F0502020204030204" pitchFamily="34" charset="0"/>
+              </a:defRPr>
+            </a:lvl9pPr>
+          </a:lstStyle>
+          <a:p>
+            <a:pPr algn="ctr" eaLnBrk="1" hangingPunct="1"/>
+            <a:r>
+              <a:rPr lang="en-US" altLang="en-US" sz="1100" dirty="0">
+                <a:latin typeface="+mj-lt"/>
+                <a:ea typeface="Amazon Ember" panose="020B0603020204020204" pitchFamily="34" charset="0"/>
+                <a:cs typeface="Arial" panose="020B0604020202020204" pitchFamily="34" charset="0"/>
+              </a:rPr>
+              <a:t>NVD JSON Feeds (Yearly)</a:t>
+            </a:r>
+          </a:p>
+        </p:txBody>
+      </p:sp>
+      <p:sp>
+        <p:nvSpPr>
+          <p:cNvPr id="36" name="TextBox 12">
+            <a:extLst>
+              <a:ext uri="{FF2B5EF4-FFF2-40B4-BE49-F238E27FC236}">
+                <a16:creationId xmlns:a16="http://schemas.microsoft.com/office/drawing/2014/main" id="{E775820F-8E9A-439B-8BD8-B8CB1FEF4A5C}"/>
+              </a:ext>
+            </a:extLst>
+          </p:cNvPr>
+          <p:cNvSpPr txBox="1">
+            <a:spLocks noChangeArrowheads="1"/>
+          </p:cNvSpPr>
+          <p:nvPr/>
+        </p:nvSpPr>
+        <p:spPr bwMode="auto">
+          <a:xfrm>
+            <a:off x="520552" y="4410859"/>
+            <a:ext cx="1354847" cy="430887"/>
+          </a:xfrm>
+          <a:prstGeom prst="rect">
+            <a:avLst/>
+          </a:prstGeom>
+          <a:noFill/>
+          <a:ln>
+            <a:noFill/>
+          </a:ln>
+          <a:extLst>
+            <a:ext uri="{909E8E84-426E-40DD-AFC4-6F175D3DCCD1}">
+              <a14:hiddenFill xmlns:a14="http://schemas.microsoft.com/office/drawing/2010/main">
+                <a:solidFill>
+                  <a:srgbClr val="FFFFFF"/>
+                </a:solidFill>
+              </a14:hiddenFill>
+            </a:ext>
+            <a:ext uri="{91240B29-F687-4F45-9708-019B960494DF}">
+              <a14:hiddenLine xmlns:a14="http://schemas.microsoft.com/office/drawing/2010/main" w="9525">
+                <a:solidFill>
+                  <a:srgbClr val="000000"/>
+                </a:solidFill>
+                <a:miter lim="800000"/>
+                <a:headEnd/>
+                <a:tailEnd/>
+              </a14:hiddenLine>
+            </a:ext>
+          </a:extLst>
+        </p:spPr>
+        <p:txBody>
+          <a:bodyPr wrap="square">
+            <a:spAutoFit/>
+          </a:bodyPr>
+          <a:lstStyle>
+            <a:lvl1pPr>
+              <a:defRPr>
+                <a:solidFill>
+                  <a:schemeClr val="tx1"/>
+                </a:solidFill>
+                <a:latin typeface="Calibri" panose="020F0502020204030204" pitchFamily="34" charset="0"/>
+              </a:defRPr>
+            </a:lvl1pPr>
+            <a:lvl2pPr marL="742950" indent="-285750">
+              <a:defRPr>
+                <a:solidFill>
+                  <a:schemeClr val="tx1"/>
+                </a:solidFill>
+                <a:latin typeface="Calibri" panose="020F0502020204030204" pitchFamily="34" charset="0"/>
+              </a:defRPr>
+            </a:lvl2pPr>
+            <a:lvl3pPr marL="1143000" indent="-228600">
+              <a:defRPr>
+                <a:solidFill>
+                  <a:schemeClr val="tx1"/>
+                </a:solidFill>
+                <a:latin typeface="Calibri" panose="020F0502020204030204" pitchFamily="34" charset="0"/>
+              </a:defRPr>
+            </a:lvl3pPr>
+            <a:lvl4pPr marL="1600200" indent="-228600">
+              <a:defRPr>
+                <a:solidFill>
+                  <a:schemeClr val="tx1"/>
+                </a:solidFill>
+                <a:latin typeface="Calibri" panose="020F0502020204030204" pitchFamily="34" charset="0"/>
+              </a:defRPr>
+            </a:lvl4pPr>
+            <a:lvl5pPr marL="2057400" indent="-228600">
+              <a:defRPr>
+                <a:solidFill>
+                  <a:schemeClr val="tx1"/>
+                </a:solidFill>
+                <a:latin typeface="Calibri" panose="020F0502020204030204" pitchFamily="34" charset="0"/>
+              </a:defRPr>
+            </a:lvl5pPr>
+            <a:lvl6pPr marL="2514600" indent="-228600" eaLnBrk="0" fontAlgn="base" hangingPunct="0">
+              <a:spcBef>
+                <a:spcPct val="0"/>
+              </a:spcBef>
+              <a:spcAft>
+                <a:spcPct val="0"/>
+              </a:spcAft>
+              <a:defRPr>
+                <a:solidFill>
+                  <a:schemeClr val="tx1"/>
+                </a:solidFill>
+                <a:latin typeface="Calibri" panose="020F0502020204030204" pitchFamily="34" charset="0"/>
+              </a:defRPr>
+            </a:lvl6pPr>
+            <a:lvl7pPr marL="2971800" indent="-228600" eaLnBrk="0" fontAlgn="base" hangingPunct="0">
+              <a:spcBef>
+                <a:spcPct val="0"/>
+              </a:spcBef>
+              <a:spcAft>
+                <a:spcPct val="0"/>
+              </a:spcAft>
+              <a:defRPr>
+                <a:solidFill>
+                  <a:schemeClr val="tx1"/>
+                </a:solidFill>
+                <a:latin typeface="Calibri" panose="020F0502020204030204" pitchFamily="34" charset="0"/>
+              </a:defRPr>
+            </a:lvl7pPr>
+            <a:lvl8pPr marL="3429000" indent="-228600" eaLnBrk="0" fontAlgn="base" hangingPunct="0">
+              <a:spcBef>
+                <a:spcPct val="0"/>
+              </a:spcBef>
+              <a:spcAft>
+                <a:spcPct val="0"/>
+              </a:spcAft>
+              <a:defRPr>
+                <a:solidFill>
+                  <a:schemeClr val="tx1"/>
+                </a:solidFill>
+                <a:latin typeface="Calibri" panose="020F0502020204030204" pitchFamily="34" charset="0"/>
+              </a:defRPr>
+            </a:lvl8pPr>
+            <a:lvl9pPr marL="3886200" indent="-228600" eaLnBrk="0" fontAlgn="base" hangingPunct="0">
+              <a:spcBef>
+                <a:spcPct val="0"/>
+              </a:spcBef>
+              <a:spcAft>
+                <a:spcPct val="0"/>
+              </a:spcAft>
+              <a:defRPr>
+                <a:solidFill>
+                  <a:schemeClr val="tx1"/>
+                </a:solidFill>
+                <a:latin typeface="Calibri" panose="020F0502020204030204" pitchFamily="34" charset="0"/>
+              </a:defRPr>
+            </a:lvl9pPr>
+          </a:lstStyle>
+          <a:p>
+            <a:pPr algn="ctr" eaLnBrk="1" hangingPunct="1"/>
+            <a:r>
+              <a:rPr lang="en-US" altLang="en-US" sz="1100" dirty="0">
+                <a:latin typeface="+mj-lt"/>
+                <a:ea typeface="Amazon Ember" panose="020B0603020204020204" pitchFamily="34" charset="0"/>
+                <a:cs typeface="Arial" panose="020B0604020202020204" pitchFamily="34" charset="0"/>
+              </a:rPr>
+              <a:t>NVD JSON Feeds (Modified)</a:t>
+            </a:r>
+          </a:p>
+        </p:txBody>
+      </p:sp>
+      <p:sp>
+        <p:nvSpPr>
+          <p:cNvPr id="30" name="TextBox 29">
+            <a:extLst>
+              <a:ext uri="{FF2B5EF4-FFF2-40B4-BE49-F238E27FC236}">
+                <a16:creationId xmlns:a16="http://schemas.microsoft.com/office/drawing/2014/main" id="{F29C4375-F736-4CC1-8F07-B5EA318CEC8F}"/>
+              </a:ext>
+            </a:extLst>
+          </p:cNvPr>
+          <p:cNvSpPr txBox="1"/>
+          <p:nvPr/>
+        </p:nvSpPr>
+        <p:spPr>
+          <a:xfrm>
+            <a:off x="73283" y="5598446"/>
+            <a:ext cx="2249384" cy="1015663"/>
+          </a:xfrm>
+          <a:prstGeom prst="rect">
+            <a:avLst/>
+          </a:prstGeom>
+          <a:noFill/>
+        </p:spPr>
+        <p:txBody>
+          <a:bodyPr wrap="square" rtlCol="0">
+            <a:spAutoFit/>
+          </a:bodyPr>
+          <a:lstStyle/>
+          <a:p>
+            <a:pPr algn="ctr"/>
+            <a:r>
+              <a:rPr lang="en-US" sz="1200" i="1" dirty="0">
+                <a:latin typeface="+mj-lt"/>
+              </a:rPr>
+              <a:t>**NIST will update the “Modified” JSON Feed every 2 hours as any downstream CVEs (and their related CPE/CVSS/CWE information changes)</a:t>
+            </a:r>
+          </a:p>
+        </p:txBody>
+      </p:sp>
+      <p:cxnSp>
+        <p:nvCxnSpPr>
+          <p:cNvPr id="41" name="Straight Arrow Connector 40">
+            <a:extLst>
+              <a:ext uri="{FF2B5EF4-FFF2-40B4-BE49-F238E27FC236}">
+                <a16:creationId xmlns:a16="http://schemas.microsoft.com/office/drawing/2014/main" id="{50E4A89B-9B63-4600-9A60-5593A3B88569}"/>
+              </a:ext>
+            </a:extLst>
+          </p:cNvPr>
+          <p:cNvCxnSpPr>
+            <a:stCxn id="32" idx="3"/>
+            <a:endCxn id="10" idx="1"/>
+          </p:cNvCxnSpPr>
+          <p:nvPr/>
+        </p:nvCxnSpPr>
+        <p:spPr>
+          <a:xfrm>
+            <a:off x="1814416" y="1960458"/>
+            <a:ext cx="1105053" cy="675"/>
+          </a:xfrm>
+          <a:prstGeom prst="straightConnector1">
+            <a:avLst/>
+          </a:prstGeom>
+          <a:ln>
+            <a:solidFill>
+              <a:schemeClr val="tx1"/>
+            </a:solidFill>
+            <a:headEnd type="triangle"/>
+            <a:tailEnd type="triangle"/>
+          </a:ln>
+        </p:spPr>
+        <p:style>
+          <a:lnRef idx="1">
+            <a:schemeClr val="accent1"/>
+          </a:lnRef>
+          <a:fillRef idx="0">
+            <a:schemeClr val="accent1"/>
+          </a:fillRef>
+          <a:effectRef idx="0">
+            <a:schemeClr val="accent1"/>
+          </a:effectRef>
+          <a:fontRef idx="minor">
+            <a:schemeClr val="tx1"/>
+          </a:fontRef>
+        </p:style>
+      </p:cxnSp>
+      <p:cxnSp>
+        <p:nvCxnSpPr>
+          <p:cNvPr id="45" name="Straight Arrow Connector 44">
+            <a:extLst>
+              <a:ext uri="{FF2B5EF4-FFF2-40B4-BE49-F238E27FC236}">
+                <a16:creationId xmlns:a16="http://schemas.microsoft.com/office/drawing/2014/main" id="{4F9AC277-B274-41DE-9196-7BA8ADC27665}"/>
+              </a:ext>
+            </a:extLst>
+          </p:cNvPr>
+          <p:cNvCxnSpPr>
+            <a:stCxn id="10" idx="3"/>
+            <a:endCxn id="14" idx="1"/>
+          </p:cNvCxnSpPr>
+          <p:nvPr/>
+        </p:nvCxnSpPr>
+        <p:spPr>
+          <a:xfrm>
+            <a:off x="3681469" y="1961133"/>
+            <a:ext cx="1366763" cy="2199"/>
+          </a:xfrm>
+          <a:prstGeom prst="straightConnector1">
+            <a:avLst/>
+          </a:prstGeom>
+          <a:ln>
+            <a:solidFill>
+              <a:schemeClr val="tx1"/>
+            </a:solidFill>
+            <a:tailEnd type="triangle"/>
+          </a:ln>
+        </p:spPr>
+        <p:style>
+          <a:lnRef idx="1">
+            <a:schemeClr val="accent1"/>
+          </a:lnRef>
+          <a:fillRef idx="0">
+            <a:schemeClr val="accent1"/>
+          </a:fillRef>
+          <a:effectRef idx="0">
+            <a:schemeClr val="accent1"/>
+          </a:effectRef>
+          <a:fontRef idx="minor">
+            <a:schemeClr val="tx1"/>
+          </a:fontRef>
+        </p:style>
+      </p:cxnSp>
+      <p:cxnSp>
+        <p:nvCxnSpPr>
+          <p:cNvPr id="47" name="Straight Arrow Connector 46">
+            <a:extLst>
+              <a:ext uri="{FF2B5EF4-FFF2-40B4-BE49-F238E27FC236}">
+                <a16:creationId xmlns:a16="http://schemas.microsoft.com/office/drawing/2014/main" id="{D190AC5E-2D2C-4B8B-8E6E-FDFAEA1CF2DE}"/>
+              </a:ext>
+            </a:extLst>
+          </p:cNvPr>
+          <p:cNvCxnSpPr>
+            <a:endCxn id="15" idx="2"/>
+          </p:cNvCxnSpPr>
+          <p:nvPr/>
+        </p:nvCxnSpPr>
+        <p:spPr>
+          <a:xfrm flipV="1">
+            <a:off x="5429232" y="2608142"/>
+            <a:ext cx="0" cy="1039788"/>
+          </a:xfrm>
+          <a:prstGeom prst="straightConnector1">
+            <a:avLst/>
+          </a:prstGeom>
+          <a:ln>
+            <a:solidFill>
+              <a:schemeClr val="tx1"/>
+            </a:solidFill>
+            <a:headEnd type="triangle"/>
+            <a:tailEnd type="triangle"/>
+          </a:ln>
+        </p:spPr>
+        <p:style>
+          <a:lnRef idx="1">
+            <a:schemeClr val="accent1"/>
+          </a:lnRef>
+          <a:fillRef idx="0">
+            <a:schemeClr val="accent1"/>
+          </a:fillRef>
+          <a:effectRef idx="0">
+            <a:schemeClr val="accent1"/>
+          </a:effectRef>
+          <a:fontRef idx="minor">
+            <a:schemeClr val="tx1"/>
+          </a:fontRef>
+        </p:style>
+      </p:cxnSp>
+      <p:cxnSp>
+        <p:nvCxnSpPr>
+          <p:cNvPr id="49" name="Straight Arrow Connector 48">
+            <a:extLst>
+              <a:ext uri="{FF2B5EF4-FFF2-40B4-BE49-F238E27FC236}">
+                <a16:creationId xmlns:a16="http://schemas.microsoft.com/office/drawing/2014/main" id="{4D0417A1-31ED-4A3E-99C3-1F7D67B56680}"/>
+              </a:ext>
+            </a:extLst>
+          </p:cNvPr>
+          <p:cNvCxnSpPr>
+            <a:stCxn id="33" idx="3"/>
+            <a:endCxn id="16" idx="1"/>
+          </p:cNvCxnSpPr>
+          <p:nvPr/>
+        </p:nvCxnSpPr>
+        <p:spPr>
+          <a:xfrm flipV="1">
+            <a:off x="1814416" y="4028930"/>
+            <a:ext cx="1105053" cy="1524"/>
+          </a:xfrm>
+          <a:prstGeom prst="straightConnector1">
+            <a:avLst/>
+          </a:prstGeom>
+          <a:ln>
+            <a:solidFill>
+              <a:schemeClr val="tx1"/>
+            </a:solidFill>
+            <a:headEnd type="triangle"/>
+            <a:tailEnd type="triangle"/>
+          </a:ln>
+        </p:spPr>
+        <p:style>
+          <a:lnRef idx="1">
+            <a:schemeClr val="accent1"/>
+          </a:lnRef>
+          <a:fillRef idx="0">
+            <a:schemeClr val="accent1"/>
+          </a:fillRef>
+          <a:effectRef idx="0">
+            <a:schemeClr val="accent1"/>
+          </a:effectRef>
+          <a:fontRef idx="minor">
+            <a:schemeClr val="tx1"/>
+          </a:fontRef>
+        </p:style>
+      </p:cxnSp>
+      <p:cxnSp>
+        <p:nvCxnSpPr>
+          <p:cNvPr id="51" name="Straight Arrow Connector 50">
+            <a:extLst>
+              <a:ext uri="{FF2B5EF4-FFF2-40B4-BE49-F238E27FC236}">
+                <a16:creationId xmlns:a16="http://schemas.microsoft.com/office/drawing/2014/main" id="{190FB222-56FF-4E09-ABBA-EEE48D6BDB32}"/>
+              </a:ext>
+            </a:extLst>
+          </p:cNvPr>
+          <p:cNvCxnSpPr>
+            <a:stCxn id="21" idx="0"/>
+            <a:endCxn id="17" idx="2"/>
+          </p:cNvCxnSpPr>
+          <p:nvPr/>
+        </p:nvCxnSpPr>
+        <p:spPr>
+          <a:xfrm flipV="1">
+            <a:off x="3300469" y="4672469"/>
+            <a:ext cx="0" cy="848452"/>
+          </a:xfrm>
+          <a:prstGeom prst="straightConnector1">
+            <a:avLst/>
+          </a:prstGeom>
+          <a:ln>
+            <a:solidFill>
+              <a:schemeClr val="tx1"/>
+            </a:solidFill>
+            <a:tailEnd type="triangle"/>
+          </a:ln>
+        </p:spPr>
+        <p:style>
+          <a:lnRef idx="1">
+            <a:schemeClr val="accent1"/>
+          </a:lnRef>
+          <a:fillRef idx="0">
+            <a:schemeClr val="accent1"/>
+          </a:fillRef>
+          <a:effectRef idx="0">
+            <a:schemeClr val="accent1"/>
+          </a:effectRef>
+          <a:fontRef idx="minor">
+            <a:schemeClr val="tx1"/>
+          </a:fontRef>
+        </p:style>
+      </p:cxnSp>
+      <p:cxnSp>
+        <p:nvCxnSpPr>
+          <p:cNvPr id="53" name="Connector: Elbow 52">
+            <a:extLst>
+              <a:ext uri="{FF2B5EF4-FFF2-40B4-BE49-F238E27FC236}">
+                <a16:creationId xmlns:a16="http://schemas.microsoft.com/office/drawing/2014/main" id="{3FC1FA8F-5A23-4648-BDCE-04D96E4145A7}"/>
+              </a:ext>
+            </a:extLst>
+          </p:cNvPr>
+          <p:cNvCxnSpPr>
+            <a:stCxn id="16" idx="0"/>
+            <a:endCxn id="15" idx="2"/>
+          </p:cNvCxnSpPr>
+          <p:nvPr/>
+        </p:nvCxnSpPr>
+        <p:spPr>
+          <a:xfrm rot="5400000" flipH="1" flipV="1">
+            <a:off x="3844956" y="2063655"/>
+            <a:ext cx="1039788" cy="2128763"/>
+          </a:xfrm>
+          <a:prstGeom prst="bentConnector3">
+            <a:avLst/>
+          </a:prstGeom>
+          <a:ln>
+            <a:solidFill>
+              <a:schemeClr val="tx1"/>
+            </a:solidFill>
+            <a:tailEnd type="triangle"/>
+          </a:ln>
+        </p:spPr>
+        <p:style>
+          <a:lnRef idx="1">
+            <a:schemeClr val="accent1"/>
+          </a:lnRef>
+          <a:fillRef idx="0">
+            <a:schemeClr val="accent1"/>
+          </a:fillRef>
+          <a:effectRef idx="0">
+            <a:schemeClr val="accent1"/>
+          </a:effectRef>
+          <a:fontRef idx="minor">
+            <a:schemeClr val="tx1"/>
+          </a:fontRef>
+        </p:style>
+      </p:cxnSp>
+      <p:cxnSp>
+        <p:nvCxnSpPr>
+          <p:cNvPr id="55" name="Straight Arrow Connector 54">
+            <a:extLst>
+              <a:ext uri="{FF2B5EF4-FFF2-40B4-BE49-F238E27FC236}">
+                <a16:creationId xmlns:a16="http://schemas.microsoft.com/office/drawing/2014/main" id="{83B5EED2-15C1-4B9C-8611-ECDA920AA2C8}"/>
+              </a:ext>
+            </a:extLst>
+          </p:cNvPr>
+          <p:cNvCxnSpPr>
+            <a:stCxn id="18" idx="1"/>
+            <a:endCxn id="21" idx="3"/>
+          </p:cNvCxnSpPr>
+          <p:nvPr/>
+        </p:nvCxnSpPr>
+        <p:spPr>
+          <a:xfrm flipH="1">
+            <a:off x="3529069" y="5749521"/>
+            <a:ext cx="1519163" cy="0"/>
+          </a:xfrm>
+          <a:prstGeom prst="straightConnector1">
+            <a:avLst/>
+          </a:prstGeom>
+          <a:ln>
+            <a:solidFill>
+              <a:schemeClr val="tx1"/>
+            </a:solidFill>
+            <a:tailEnd type="triangle"/>
+          </a:ln>
+        </p:spPr>
+        <p:style>
+          <a:lnRef idx="1">
+            <a:schemeClr val="accent1"/>
+          </a:lnRef>
+          <a:fillRef idx="0">
+            <a:schemeClr val="accent1"/>
+          </a:fillRef>
+          <a:effectRef idx="0">
+            <a:schemeClr val="accent1"/>
+          </a:effectRef>
+          <a:fontRef idx="minor">
+            <a:schemeClr val="tx1"/>
+          </a:fontRef>
+        </p:style>
+      </p:cxnSp>
+      <p:cxnSp>
+        <p:nvCxnSpPr>
+          <p:cNvPr id="57" name="Connector: Elbow 56">
+            <a:extLst>
+              <a:ext uri="{FF2B5EF4-FFF2-40B4-BE49-F238E27FC236}">
+                <a16:creationId xmlns:a16="http://schemas.microsoft.com/office/drawing/2014/main" id="{1CF5FB22-F587-4B5D-94C1-80B339AFBDC3}"/>
+              </a:ext>
+            </a:extLst>
+          </p:cNvPr>
+          <p:cNvCxnSpPr>
+            <a:stCxn id="21" idx="0"/>
+            <a:endCxn id="12" idx="2"/>
+          </p:cNvCxnSpPr>
+          <p:nvPr/>
+        </p:nvCxnSpPr>
+        <p:spPr>
+          <a:xfrm rot="5400000" flipH="1" flipV="1">
+            <a:off x="3941279" y="4031659"/>
+            <a:ext cx="848452" cy="2130073"/>
+          </a:xfrm>
+          <a:prstGeom prst="bentConnector3">
+            <a:avLst/>
+          </a:prstGeom>
+          <a:ln>
+            <a:solidFill>
+              <a:schemeClr val="tx1"/>
+            </a:solidFill>
+            <a:tailEnd type="triangle"/>
+          </a:ln>
+        </p:spPr>
+        <p:style>
+          <a:lnRef idx="1">
+            <a:schemeClr val="accent1"/>
+          </a:lnRef>
+          <a:fillRef idx="0">
+            <a:schemeClr val="accent1"/>
+          </a:fillRef>
+          <a:effectRef idx="0">
+            <a:schemeClr val="accent1"/>
+          </a:effectRef>
+          <a:fontRef idx="minor">
+            <a:schemeClr val="tx1"/>
+          </a:fontRef>
+        </p:style>
+      </p:cxnSp>
+      <p:cxnSp>
+        <p:nvCxnSpPr>
+          <p:cNvPr id="63" name="Connector: Elbow 62">
+            <a:extLst>
+              <a:ext uri="{FF2B5EF4-FFF2-40B4-BE49-F238E27FC236}">
+                <a16:creationId xmlns:a16="http://schemas.microsoft.com/office/drawing/2014/main" id="{0E786CE2-8BCB-4C81-BA7C-D777041AA3A6}"/>
+              </a:ext>
+            </a:extLst>
+          </p:cNvPr>
+          <p:cNvCxnSpPr>
+            <a:cxnSpLocks/>
+            <a:stCxn id="48" idx="0"/>
+            <a:endCxn id="5" idx="2"/>
+          </p:cNvCxnSpPr>
+          <p:nvPr/>
+        </p:nvCxnSpPr>
+        <p:spPr>
+          <a:xfrm rot="5400000" flipH="1" flipV="1">
+            <a:off x="5956718" y="2074058"/>
+            <a:ext cx="1048484" cy="2103456"/>
+          </a:xfrm>
+          <a:prstGeom prst="bentConnector3">
+            <a:avLst/>
+          </a:prstGeom>
+          <a:ln>
+            <a:solidFill>
+              <a:schemeClr val="tx1"/>
+            </a:solidFill>
+            <a:headEnd type="triangle"/>
+            <a:tailEnd type="triangle"/>
+          </a:ln>
+        </p:spPr>
+        <p:style>
+          <a:lnRef idx="1">
+            <a:schemeClr val="accent1"/>
+          </a:lnRef>
+          <a:fillRef idx="0">
+            <a:schemeClr val="accent1"/>
+          </a:fillRef>
+          <a:effectRef idx="0">
+            <a:schemeClr val="accent1"/>
+          </a:effectRef>
+          <a:fontRef idx="minor">
+            <a:schemeClr val="tx1"/>
+          </a:fontRef>
+        </p:style>
+      </p:cxnSp>
+      <p:cxnSp>
+        <p:nvCxnSpPr>
+          <p:cNvPr id="1028" name="Connector: Elbow 1027">
+            <a:extLst>
+              <a:ext uri="{FF2B5EF4-FFF2-40B4-BE49-F238E27FC236}">
+                <a16:creationId xmlns:a16="http://schemas.microsoft.com/office/drawing/2014/main" id="{19AF3150-3C7C-4637-BBE8-6963EE54B150}"/>
+              </a:ext>
+            </a:extLst>
+          </p:cNvPr>
+          <p:cNvCxnSpPr>
+            <a:cxnSpLocks/>
+            <a:stCxn id="48" idx="0"/>
+            <a:endCxn id="25" idx="2"/>
+          </p:cNvCxnSpPr>
+          <p:nvPr/>
+        </p:nvCxnSpPr>
+        <p:spPr>
+          <a:xfrm rot="5400000" flipH="1" flipV="1">
+            <a:off x="7121691" y="1084961"/>
+            <a:ext cx="872609" cy="4257527"/>
+          </a:xfrm>
+          <a:prstGeom prst="bentConnector3">
+            <a:avLst>
+              <a:gd name="adj1" fmla="val 50000"/>
+            </a:avLst>
+          </a:prstGeom>
+          <a:ln>
+            <a:solidFill>
+              <a:schemeClr val="tx1"/>
+            </a:solidFill>
+            <a:tailEnd type="triangle"/>
+          </a:ln>
+        </p:spPr>
+        <p:style>
+          <a:lnRef idx="1">
+            <a:schemeClr val="accent1"/>
+          </a:lnRef>
+          <a:fillRef idx="0">
+            <a:schemeClr val="accent1"/>
+          </a:fillRef>
+          <a:effectRef idx="0">
+            <a:schemeClr val="accent1"/>
+          </a:effectRef>
+          <a:fontRef idx="minor">
+            <a:schemeClr val="tx1"/>
+          </a:fontRef>
+        </p:style>
+      </p:cxnSp>
+      <p:pic>
+        <p:nvPicPr>
+          <p:cNvPr id="1029" name="Picture 4" descr="Python Package Index - Wikipedia">
+            <a:extLst>
+              <a:ext uri="{FF2B5EF4-FFF2-40B4-BE49-F238E27FC236}">
+                <a16:creationId xmlns:a16="http://schemas.microsoft.com/office/drawing/2014/main" id="{890CD07B-C4AA-442B-9FD6-4F588686300D}"/>
+              </a:ext>
+            </a:extLst>
+          </p:cNvPr>
+          <p:cNvPicPr>
+            <a:picLocks noChangeAspect="1" noChangeArrowheads="1"/>
+          </p:cNvPicPr>
+          <p:nvPr/>
+        </p:nvPicPr>
+        <p:blipFill>
+          <a:blip r:embed="rId11">
+            <a:extLst>
+              <a:ext uri="{28A0092B-C50C-407E-A947-70E740481C1C}">
+                <a14:useLocalDpi xmlns:a14="http://schemas.microsoft.com/office/drawing/2010/main" val="0"/>
+              </a:ext>
+            </a:extLst>
+          </a:blip>
+          <a:srcRect/>
+          <a:stretch>
+            <a:fillRect/>
+          </a:stretch>
+        </p:blipFill>
+        <p:spPr bwMode="auto">
+          <a:xfrm>
+            <a:off x="7227114" y="975874"/>
+            <a:ext cx="611143" cy="458357"/>
+          </a:xfrm>
+          <a:prstGeom prst="rect">
+            <a:avLst/>
+          </a:prstGeom>
+          <a:noFill/>
+          <a:extLst>
+            <a:ext uri="{909E8E84-426E-40DD-AFC4-6F175D3DCCD1}">
+              <a14:hiddenFill xmlns:a14="http://schemas.microsoft.com/office/drawing/2010/main">
+                <a:solidFill>
+                  <a:srgbClr val="FFFFFF"/>
+                </a:solidFill>
+              </a14:hiddenFill>
+            </a:ext>
+          </a:extLst>
+        </p:spPr>
+      </p:pic>
+      <p:sp>
+        <p:nvSpPr>
+          <p:cNvPr id="1030" name="Oval 1029">
+            <a:extLst>
+              <a:ext uri="{FF2B5EF4-FFF2-40B4-BE49-F238E27FC236}">
+                <a16:creationId xmlns:a16="http://schemas.microsoft.com/office/drawing/2014/main" id="{C155848E-DAC4-49D9-AE50-3B33DCD49F5B}"/>
+              </a:ext>
+            </a:extLst>
+          </p:cNvPr>
+          <p:cNvSpPr/>
+          <p:nvPr/>
+        </p:nvSpPr>
+        <p:spPr>
+          <a:xfrm>
+            <a:off x="3117588" y="978731"/>
+            <a:ext cx="365760" cy="365760"/>
+          </a:xfrm>
+          <a:prstGeom prst="ellipse">
+            <a:avLst/>
+          </a:prstGeom>
+          <a:solidFill>
+            <a:schemeClr val="tx1"/>
+          </a:solidFill>
+          <a:ln>
+            <a:noFill/>
+          </a:ln>
+        </p:spPr>
+        <p:style>
+          <a:lnRef idx="2">
+            <a:schemeClr val="accent1">
+              <a:shade val="50000"/>
+            </a:schemeClr>
+          </a:lnRef>
+          <a:fillRef idx="1">
+            <a:schemeClr val="accent1"/>
+          </a:fillRef>
+          <a:effectRef idx="0">
+            <a:schemeClr val="accent1"/>
+          </a:effectRef>
+          <a:fontRef idx="minor">
+            <a:schemeClr val="lt1"/>
+          </a:fontRef>
+        </p:style>
+        <p:txBody>
+          <a:bodyPr rtlCol="0" anchor="ctr"/>
+          <a:lstStyle/>
+          <a:p>
+            <a:pPr algn="ctr"/>
+            <a:r>
+              <a:rPr lang="en-US" sz="1600" dirty="0">
+                <a:latin typeface="+mj-lt"/>
+              </a:rPr>
+              <a:t>1</a:t>
+            </a:r>
+          </a:p>
+        </p:txBody>
+      </p:sp>
+      <p:sp>
+        <p:nvSpPr>
+          <p:cNvPr id="71" name="Oval 70">
+            <a:extLst>
+              <a:ext uri="{FF2B5EF4-FFF2-40B4-BE49-F238E27FC236}">
+                <a16:creationId xmlns:a16="http://schemas.microsoft.com/office/drawing/2014/main" id="{8CCBD141-ADEB-4041-B9AC-42E5FBFC9677}"/>
+              </a:ext>
+            </a:extLst>
+          </p:cNvPr>
+          <p:cNvSpPr/>
+          <p:nvPr/>
+        </p:nvSpPr>
+        <p:spPr>
+          <a:xfrm>
+            <a:off x="2619787" y="4885305"/>
+            <a:ext cx="365760" cy="365760"/>
+          </a:xfrm>
+          <a:prstGeom prst="ellipse">
+            <a:avLst/>
+          </a:prstGeom>
+          <a:solidFill>
+            <a:schemeClr val="tx1"/>
+          </a:solidFill>
+          <a:ln>
+            <a:noFill/>
+          </a:ln>
+        </p:spPr>
+        <p:style>
+          <a:lnRef idx="2">
+            <a:schemeClr val="accent1">
+              <a:shade val="50000"/>
+            </a:schemeClr>
+          </a:lnRef>
+          <a:fillRef idx="1">
+            <a:schemeClr val="accent1"/>
+          </a:fillRef>
+          <a:effectRef idx="0">
+            <a:schemeClr val="accent1"/>
+          </a:effectRef>
+          <a:fontRef idx="minor">
+            <a:schemeClr val="lt1"/>
+          </a:fontRef>
+        </p:style>
+        <p:txBody>
+          <a:bodyPr rtlCol="0" anchor="ctr"/>
+          <a:lstStyle/>
+          <a:p>
+            <a:pPr algn="ctr"/>
+            <a:r>
+              <a:rPr lang="en-US" sz="1600" dirty="0">
+                <a:latin typeface="+mj-lt"/>
+              </a:rPr>
+              <a:t>2</a:t>
+            </a:r>
+          </a:p>
+        </p:txBody>
+      </p:sp>
+      <p:sp>
+        <p:nvSpPr>
+          <p:cNvPr id="72" name="Oval 71">
+            <a:extLst>
+              <a:ext uri="{FF2B5EF4-FFF2-40B4-BE49-F238E27FC236}">
+                <a16:creationId xmlns:a16="http://schemas.microsoft.com/office/drawing/2014/main" id="{DA87BC38-7070-46B1-98AD-ADBC43435570}"/>
+              </a:ext>
+            </a:extLst>
+          </p:cNvPr>
+          <p:cNvSpPr/>
+          <p:nvPr/>
+        </p:nvSpPr>
+        <p:spPr>
+          <a:xfrm>
+            <a:off x="6287407" y="4885305"/>
+            <a:ext cx="365760" cy="365760"/>
+          </a:xfrm>
+          <a:prstGeom prst="ellipse">
+            <a:avLst/>
+          </a:prstGeom>
+          <a:solidFill>
+            <a:schemeClr val="tx1"/>
+          </a:solidFill>
+          <a:ln>
+            <a:noFill/>
+          </a:ln>
+        </p:spPr>
+        <p:style>
+          <a:lnRef idx="2">
+            <a:schemeClr val="accent1">
+              <a:shade val="50000"/>
+            </a:schemeClr>
+          </a:lnRef>
+          <a:fillRef idx="1">
+            <a:schemeClr val="accent1"/>
+          </a:fillRef>
+          <a:effectRef idx="0">
+            <a:schemeClr val="accent1"/>
+          </a:effectRef>
+          <a:fontRef idx="minor">
+            <a:schemeClr val="lt1"/>
+          </a:fontRef>
+        </p:style>
+        <p:txBody>
+          <a:bodyPr rtlCol="0" anchor="ctr"/>
+          <a:lstStyle/>
+          <a:p>
+            <a:pPr algn="ctr"/>
+            <a:r>
+              <a:rPr lang="en-US" sz="1600" dirty="0">
+                <a:latin typeface="+mj-lt"/>
+              </a:rPr>
+              <a:t>3</a:t>
+            </a:r>
+          </a:p>
+        </p:txBody>
+      </p:sp>
+      <p:sp>
+        <p:nvSpPr>
+          <p:cNvPr id="73" name="Oval 72">
+            <a:extLst>
+              <a:ext uri="{FF2B5EF4-FFF2-40B4-BE49-F238E27FC236}">
+                <a16:creationId xmlns:a16="http://schemas.microsoft.com/office/drawing/2014/main" id="{840AFA2B-88E5-4EC0-A7F5-F5DC65002CB7}"/>
+              </a:ext>
+            </a:extLst>
+          </p:cNvPr>
+          <p:cNvSpPr/>
+          <p:nvPr/>
+        </p:nvSpPr>
+        <p:spPr>
+          <a:xfrm>
+            <a:off x="6695106" y="1773798"/>
+            <a:ext cx="365760" cy="365760"/>
+          </a:xfrm>
+          <a:prstGeom prst="ellipse">
+            <a:avLst/>
+          </a:prstGeom>
+          <a:solidFill>
+            <a:schemeClr val="tx1"/>
+          </a:solidFill>
+          <a:ln>
+            <a:noFill/>
+          </a:ln>
+        </p:spPr>
+        <p:style>
+          <a:lnRef idx="2">
+            <a:schemeClr val="accent1">
+              <a:shade val="50000"/>
+            </a:schemeClr>
+          </a:lnRef>
+          <a:fillRef idx="1">
+            <a:schemeClr val="accent1"/>
+          </a:fillRef>
+          <a:effectRef idx="0">
+            <a:schemeClr val="accent1"/>
+          </a:effectRef>
+          <a:fontRef idx="minor">
+            <a:schemeClr val="lt1"/>
+          </a:fontRef>
+        </p:style>
+        <p:txBody>
+          <a:bodyPr rtlCol="0" anchor="ctr"/>
+          <a:lstStyle/>
+          <a:p>
+            <a:pPr algn="ctr"/>
+            <a:r>
+              <a:rPr lang="en-US" sz="1600" dirty="0">
+                <a:latin typeface="+mj-lt"/>
+              </a:rPr>
+              <a:t>4</a:t>
+            </a:r>
+          </a:p>
+        </p:txBody>
+      </p:sp>
+      <p:sp>
+        <p:nvSpPr>
+          <p:cNvPr id="74" name="Oval 73">
+            <a:extLst>
+              <a:ext uri="{FF2B5EF4-FFF2-40B4-BE49-F238E27FC236}">
+                <a16:creationId xmlns:a16="http://schemas.microsoft.com/office/drawing/2014/main" id="{C192E195-BEBB-4A6B-9EC4-AC61BFAA0E66}"/>
+              </a:ext>
+            </a:extLst>
+          </p:cNvPr>
+          <p:cNvSpPr/>
+          <p:nvPr/>
+        </p:nvSpPr>
+        <p:spPr>
+          <a:xfrm>
+            <a:off x="5926361" y="1780452"/>
+            <a:ext cx="365760" cy="365760"/>
+          </a:xfrm>
+          <a:prstGeom prst="ellipse">
+            <a:avLst/>
+          </a:prstGeom>
+          <a:solidFill>
+            <a:schemeClr val="tx1"/>
+          </a:solidFill>
+          <a:ln>
+            <a:noFill/>
+          </a:ln>
+        </p:spPr>
+        <p:style>
+          <a:lnRef idx="2">
+            <a:schemeClr val="accent1">
+              <a:shade val="50000"/>
+            </a:schemeClr>
+          </a:lnRef>
+          <a:fillRef idx="1">
+            <a:schemeClr val="accent1"/>
+          </a:fillRef>
+          <a:effectRef idx="0">
+            <a:schemeClr val="accent1"/>
+          </a:effectRef>
+          <a:fontRef idx="minor">
+            <a:schemeClr val="lt1"/>
+          </a:fontRef>
+        </p:style>
+        <p:txBody>
+          <a:bodyPr rtlCol="0" anchor="ctr"/>
+          <a:lstStyle/>
+          <a:p>
+            <a:pPr algn="ctr"/>
+            <a:r>
+              <a:rPr lang="en-US" sz="1600" dirty="0">
+                <a:latin typeface="+mj-lt"/>
+              </a:rPr>
+              <a:t>5</a:t>
+            </a:r>
+          </a:p>
+        </p:txBody>
+      </p:sp>
+      <p:sp>
+        <p:nvSpPr>
+          <p:cNvPr id="75" name="Oval 74">
+            <a:extLst>
+              <a:ext uri="{FF2B5EF4-FFF2-40B4-BE49-F238E27FC236}">
+                <a16:creationId xmlns:a16="http://schemas.microsoft.com/office/drawing/2014/main" id="{F7427984-37C3-40EA-AAA4-83A611D0352B}"/>
+              </a:ext>
+            </a:extLst>
+          </p:cNvPr>
+          <p:cNvSpPr/>
+          <p:nvPr/>
+        </p:nvSpPr>
+        <p:spPr>
+          <a:xfrm>
+            <a:off x="7689075" y="2727189"/>
+            <a:ext cx="365760" cy="365760"/>
+          </a:xfrm>
+          <a:prstGeom prst="ellipse">
+            <a:avLst/>
+          </a:prstGeom>
+          <a:solidFill>
+            <a:schemeClr val="tx1"/>
+          </a:solidFill>
+          <a:ln>
+            <a:noFill/>
+          </a:ln>
+        </p:spPr>
+        <p:style>
+          <a:lnRef idx="2">
+            <a:schemeClr val="accent1">
+              <a:shade val="50000"/>
+            </a:schemeClr>
+          </a:lnRef>
+          <a:fillRef idx="1">
+            <a:schemeClr val="accent1"/>
+          </a:fillRef>
+          <a:effectRef idx="0">
+            <a:schemeClr val="accent1"/>
+          </a:effectRef>
+          <a:fontRef idx="minor">
+            <a:schemeClr val="lt1"/>
+          </a:fontRef>
+        </p:style>
+        <p:txBody>
+          <a:bodyPr rtlCol="0" anchor="ctr"/>
+          <a:lstStyle/>
+          <a:p>
+            <a:pPr algn="ctr"/>
+            <a:r>
+              <a:rPr lang="en-US" sz="1600" dirty="0">
+                <a:latin typeface="+mj-lt"/>
+              </a:rPr>
+              <a:t>6</a:t>
+            </a:r>
+          </a:p>
+        </p:txBody>
+      </p:sp>
+      <p:sp>
+        <p:nvSpPr>
+          <p:cNvPr id="76" name="Oval 75">
+            <a:extLst>
+              <a:ext uri="{FF2B5EF4-FFF2-40B4-BE49-F238E27FC236}">
+                <a16:creationId xmlns:a16="http://schemas.microsoft.com/office/drawing/2014/main" id="{B9EE5504-7FD7-4E8E-9210-021075705060}"/>
+              </a:ext>
+            </a:extLst>
+          </p:cNvPr>
+          <p:cNvSpPr/>
+          <p:nvPr/>
+        </p:nvSpPr>
+        <p:spPr>
+          <a:xfrm>
+            <a:off x="9151699" y="2727189"/>
+            <a:ext cx="365760" cy="365760"/>
+          </a:xfrm>
+          <a:prstGeom prst="ellipse">
+            <a:avLst/>
+          </a:prstGeom>
+          <a:solidFill>
+            <a:schemeClr val="tx1"/>
+          </a:solidFill>
+          <a:ln>
+            <a:noFill/>
+          </a:ln>
+        </p:spPr>
+        <p:style>
+          <a:lnRef idx="2">
+            <a:schemeClr val="accent1">
+              <a:shade val="50000"/>
+            </a:schemeClr>
+          </a:lnRef>
+          <a:fillRef idx="1">
+            <a:schemeClr val="accent1"/>
+          </a:fillRef>
+          <a:effectRef idx="0">
+            <a:schemeClr val="accent1"/>
+          </a:effectRef>
+          <a:fontRef idx="minor">
+            <a:schemeClr val="lt1"/>
+          </a:fontRef>
+        </p:style>
+        <p:txBody>
+          <a:bodyPr rtlCol="0" anchor="ctr"/>
+          <a:lstStyle/>
+          <a:p>
+            <a:pPr algn="ctr"/>
+            <a:r>
+              <a:rPr lang="en-US" sz="1600" dirty="0">
+                <a:latin typeface="+mj-lt"/>
+              </a:rPr>
+              <a:t>7</a:t>
+            </a:r>
+          </a:p>
+        </p:txBody>
+      </p:sp>
+      <p:pic>
+        <p:nvPicPr>
+          <p:cNvPr id="48" name="Graphic 10">
+            <a:extLst>
+              <a:ext uri="{FF2B5EF4-FFF2-40B4-BE49-F238E27FC236}">
+                <a16:creationId xmlns:a16="http://schemas.microsoft.com/office/drawing/2014/main" id="{420AF952-7AF9-4F8B-915E-FB6F9E7ADFD4}"/>
+              </a:ext>
+            </a:extLst>
+          </p:cNvPr>
+          <p:cNvPicPr>
+            <a:picLocks noChangeAspect="1" noChangeArrowheads="1"/>
+          </p:cNvPicPr>
+          <p:nvPr/>
+        </p:nvPicPr>
+        <p:blipFill>
+          <a:blip r:embed="rId6">
+            <a:extLst>
+              <a:ext uri="{28A0092B-C50C-407E-A947-70E740481C1C}">
+                <a14:useLocalDpi xmlns:a14="http://schemas.microsoft.com/office/drawing/2010/main" val="0"/>
+              </a:ext>
+            </a:extLst>
+          </a:blip>
+          <a:srcRect/>
+          <a:stretch>
+            <a:fillRect/>
+          </a:stretch>
+        </p:blipFill>
+        <p:spPr bwMode="auto">
+          <a:xfrm>
+            <a:off x="5048232" y="3650028"/>
+            <a:ext cx="762000" cy="762000"/>
+          </a:xfrm>
+          <a:prstGeom prst="rect">
+            <a:avLst/>
+          </a:prstGeom>
+          <a:noFill/>
+          <a:ln>
+            <a:noFill/>
+          </a:ln>
+          <a:extLst>
+            <a:ext uri="{909E8E84-426E-40DD-AFC4-6F175D3DCCD1}">
+              <a14:hiddenFill xmlns:a14="http://schemas.microsoft.com/office/drawing/2010/main">
+                <a:solidFill>
+                  <a:srgbClr val="FFFFFF"/>
+                </a:solidFill>
+              </a14:hiddenFill>
+            </a:ext>
+            <a:ext uri="{91240B29-F687-4F45-9708-019B960494DF}">
+              <a14:hiddenLine xmlns:a14="http://schemas.microsoft.com/office/drawing/2010/main" w="9525">
+                <a:solidFill>
+                  <a:srgbClr val="000000"/>
+                </a:solidFill>
+                <a:miter lim="800000"/>
+                <a:headEnd/>
+                <a:tailEnd/>
+              </a14:hiddenLine>
+            </a:ext>
+          </a:extLst>
+        </p:spPr>
+      </p:pic>
+      <p:sp>
+        <p:nvSpPr>
+          <p:cNvPr id="58" name="TextBox 18">
+            <a:extLst>
+              <a:ext uri="{FF2B5EF4-FFF2-40B4-BE49-F238E27FC236}">
+                <a16:creationId xmlns:a16="http://schemas.microsoft.com/office/drawing/2014/main" id="{524E7DA5-56DF-47B6-BB65-8D08FA961611}"/>
+              </a:ext>
+            </a:extLst>
+          </p:cNvPr>
+          <p:cNvSpPr txBox="1">
+            <a:spLocks noChangeArrowheads="1"/>
+          </p:cNvSpPr>
+          <p:nvPr/>
+        </p:nvSpPr>
+        <p:spPr bwMode="auto">
+          <a:xfrm>
+            <a:off x="7151538" y="4407831"/>
+            <a:ext cx="762297" cy="261610"/>
+          </a:xfrm>
+          <a:prstGeom prst="rect">
+            <a:avLst/>
+          </a:prstGeom>
+          <a:noFill/>
+          <a:ln>
+            <a:noFill/>
+          </a:ln>
+          <a:extLst>
+            <a:ext uri="{909E8E84-426E-40DD-AFC4-6F175D3DCCD1}">
+              <a14:hiddenFill xmlns:a14="http://schemas.microsoft.com/office/drawing/2010/main">
+                <a:solidFill>
+                  <a:srgbClr val="FFFFFF"/>
+                </a:solidFill>
+              </a14:hiddenFill>
+            </a:ext>
+            <a:ext uri="{91240B29-F687-4F45-9708-019B960494DF}">
+              <a14:hiddenLine xmlns:a14="http://schemas.microsoft.com/office/drawing/2010/main" w="9525">
+                <a:solidFill>
+                  <a:srgbClr val="000000"/>
+                </a:solidFill>
+                <a:miter lim="800000"/>
+                <a:headEnd/>
+                <a:tailEnd/>
+              </a14:hiddenLine>
+            </a:ext>
+          </a:extLst>
+        </p:spPr>
+        <p:txBody>
+          <a:bodyPr wrap="square">
+            <a:spAutoFit/>
+          </a:bodyPr>
+          <a:lstStyle>
+            <a:lvl1pPr>
+              <a:defRPr>
+                <a:solidFill>
+                  <a:schemeClr val="tx1"/>
+                </a:solidFill>
+                <a:latin typeface="Calibri" panose="020F0502020204030204" pitchFamily="34" charset="0"/>
+              </a:defRPr>
+            </a:lvl1pPr>
+            <a:lvl2pPr marL="742950" indent="-285750">
+              <a:defRPr>
+                <a:solidFill>
+                  <a:schemeClr val="tx1"/>
+                </a:solidFill>
+                <a:latin typeface="Calibri" panose="020F0502020204030204" pitchFamily="34" charset="0"/>
+              </a:defRPr>
+            </a:lvl2pPr>
+            <a:lvl3pPr marL="1143000" indent="-228600">
+              <a:defRPr>
+                <a:solidFill>
+                  <a:schemeClr val="tx1"/>
+                </a:solidFill>
+                <a:latin typeface="Calibri" panose="020F0502020204030204" pitchFamily="34" charset="0"/>
+              </a:defRPr>
+            </a:lvl3pPr>
+            <a:lvl4pPr marL="1600200" indent="-228600">
+              <a:defRPr>
+                <a:solidFill>
+                  <a:schemeClr val="tx1"/>
+                </a:solidFill>
+                <a:latin typeface="Calibri" panose="020F0502020204030204" pitchFamily="34" charset="0"/>
+              </a:defRPr>
+            </a:lvl4pPr>
+            <a:lvl5pPr marL="2057400" indent="-228600">
+              <a:defRPr>
+                <a:solidFill>
+                  <a:schemeClr val="tx1"/>
+                </a:solidFill>
+                <a:latin typeface="Calibri" panose="020F0502020204030204" pitchFamily="34" charset="0"/>
+              </a:defRPr>
+            </a:lvl5pPr>
+            <a:lvl6pPr marL="2514600" indent="-228600" eaLnBrk="0" fontAlgn="base" hangingPunct="0">
+              <a:spcBef>
+                <a:spcPct val="0"/>
+              </a:spcBef>
+              <a:spcAft>
+                <a:spcPct val="0"/>
+              </a:spcAft>
+              <a:defRPr>
+                <a:solidFill>
+                  <a:schemeClr val="tx1"/>
+                </a:solidFill>
+                <a:latin typeface="Calibri" panose="020F0502020204030204" pitchFamily="34" charset="0"/>
+              </a:defRPr>
+            </a:lvl6pPr>
+            <a:lvl7pPr marL="2971800" indent="-228600" eaLnBrk="0" fontAlgn="base" hangingPunct="0">
+              <a:spcBef>
+                <a:spcPct val="0"/>
+              </a:spcBef>
+              <a:spcAft>
+                <a:spcPct val="0"/>
+              </a:spcAft>
+              <a:defRPr>
+                <a:solidFill>
+                  <a:schemeClr val="tx1"/>
+                </a:solidFill>
+                <a:latin typeface="Calibri" panose="020F0502020204030204" pitchFamily="34" charset="0"/>
+              </a:defRPr>
+            </a:lvl7pPr>
+            <a:lvl8pPr marL="3429000" indent="-228600" eaLnBrk="0" fontAlgn="base" hangingPunct="0">
+              <a:spcBef>
+                <a:spcPct val="0"/>
+              </a:spcBef>
+              <a:spcAft>
+                <a:spcPct val="0"/>
+              </a:spcAft>
+              <a:defRPr>
+                <a:solidFill>
+                  <a:schemeClr val="tx1"/>
+                </a:solidFill>
+                <a:latin typeface="Calibri" panose="020F0502020204030204" pitchFamily="34" charset="0"/>
+              </a:defRPr>
+            </a:lvl8pPr>
+            <a:lvl9pPr marL="3886200" indent="-228600" eaLnBrk="0" fontAlgn="base" hangingPunct="0">
+              <a:spcBef>
+                <a:spcPct val="0"/>
+              </a:spcBef>
+              <a:spcAft>
+                <a:spcPct val="0"/>
+              </a:spcAft>
+              <a:defRPr>
+                <a:solidFill>
+                  <a:schemeClr val="tx1"/>
+                </a:solidFill>
+                <a:latin typeface="Calibri" panose="020F0502020204030204" pitchFamily="34" charset="0"/>
+              </a:defRPr>
+            </a:lvl9pPr>
+          </a:lstStyle>
+          <a:p>
+            <a:pPr algn="ctr" eaLnBrk="1" hangingPunct="1"/>
+            <a:r>
+              <a:rPr lang="en-US" altLang="en-US" sz="1100" dirty="0">
+                <a:latin typeface="+mj-lt"/>
+                <a:ea typeface="Amazon Ember" panose="020B0603020204020204" pitchFamily="34" charset="0"/>
+                <a:cs typeface="Arial" panose="020B0604020202020204" pitchFamily="34" charset="0"/>
+              </a:rPr>
+              <a:t>Event</a:t>
+            </a:r>
+          </a:p>
+        </p:txBody>
+      </p:sp>
+      <p:pic>
+        <p:nvPicPr>
+          <p:cNvPr id="59" name="Graphic 8">
+            <a:extLst>
+              <a:ext uri="{FF2B5EF4-FFF2-40B4-BE49-F238E27FC236}">
+                <a16:creationId xmlns:a16="http://schemas.microsoft.com/office/drawing/2014/main" id="{F18F294E-C1AC-486D-A183-8BFA9D7B634D}"/>
+              </a:ext>
+            </a:extLst>
+          </p:cNvPr>
+          <p:cNvPicPr>
+            <a:picLocks noChangeAspect="1" noChangeArrowheads="1"/>
+          </p:cNvPicPr>
+          <p:nvPr/>
+        </p:nvPicPr>
+        <p:blipFill>
+          <a:blip r:embed="rId8">
+            <a:extLst>
+              <a:ext uri="{28A0092B-C50C-407E-A947-70E740481C1C}">
+                <a14:useLocalDpi xmlns:a14="http://schemas.microsoft.com/office/drawing/2010/main" val="0"/>
+              </a:ext>
+            </a:extLst>
+          </a:blip>
+          <a:srcRect/>
+          <a:stretch>
+            <a:fillRect/>
+          </a:stretch>
+        </p:blipFill>
+        <p:spPr bwMode="auto">
+          <a:xfrm>
+            <a:off x="7304087" y="3800330"/>
+            <a:ext cx="457200" cy="457200"/>
+          </a:xfrm>
+          <a:prstGeom prst="rect">
+            <a:avLst/>
+          </a:prstGeom>
+          <a:noFill/>
+          <a:ln>
+            <a:noFill/>
+          </a:ln>
+          <a:extLst>
+            <a:ext uri="{909E8E84-426E-40DD-AFC4-6F175D3DCCD1}">
+              <a14:hiddenFill xmlns:a14="http://schemas.microsoft.com/office/drawing/2010/main">
+                <a:solidFill>
+                  <a:srgbClr val="FFFFFF"/>
+                </a:solidFill>
+              </a14:hiddenFill>
+            </a:ext>
+            <a:ext uri="{91240B29-F687-4F45-9708-019B960494DF}">
+              <a14:hiddenLine xmlns:a14="http://schemas.microsoft.com/office/drawing/2010/main" w="9525">
+                <a:solidFill>
+                  <a:srgbClr val="000000"/>
+                </a:solidFill>
+                <a:miter lim="800000"/>
+                <a:headEnd/>
+                <a:tailEnd/>
+              </a14:hiddenLine>
+            </a:ext>
+          </a:extLst>
+        </p:spPr>
+      </p:pic>
+      <p:cxnSp>
+        <p:nvCxnSpPr>
+          <p:cNvPr id="29" name="Straight Arrow Connector 28">
+            <a:extLst>
+              <a:ext uri="{FF2B5EF4-FFF2-40B4-BE49-F238E27FC236}">
+                <a16:creationId xmlns:a16="http://schemas.microsoft.com/office/drawing/2014/main" id="{1ADA79C9-7BD5-4D02-82F5-504575E357C5}"/>
+              </a:ext>
+            </a:extLst>
+          </p:cNvPr>
+          <p:cNvCxnSpPr>
+            <a:stCxn id="5" idx="2"/>
+            <a:endCxn id="59" idx="0"/>
+          </p:cNvCxnSpPr>
+          <p:nvPr/>
+        </p:nvCxnSpPr>
+        <p:spPr>
+          <a:xfrm flipH="1">
+            <a:off x="7532687" y="2601544"/>
+            <a:ext cx="1" cy="1198786"/>
+          </a:xfrm>
+          <a:prstGeom prst="straightConnector1">
+            <a:avLst/>
+          </a:prstGeom>
+          <a:ln>
+            <a:solidFill>
+              <a:schemeClr val="tx1"/>
+            </a:solidFill>
+            <a:tailEnd type="triangle"/>
+          </a:ln>
+        </p:spPr>
+        <p:style>
+          <a:lnRef idx="1">
+            <a:schemeClr val="accent1"/>
+          </a:lnRef>
+          <a:fillRef idx="0">
+            <a:schemeClr val="accent1"/>
+          </a:fillRef>
+          <a:effectRef idx="0">
+            <a:schemeClr val="accent1"/>
+          </a:effectRef>
+          <a:fontRef idx="minor">
+            <a:schemeClr val="tx1"/>
+          </a:fontRef>
+        </p:style>
+      </p:cxnSp>
+      <p:cxnSp>
+        <p:nvCxnSpPr>
+          <p:cNvPr id="37" name="Straight Arrow Connector 36">
+            <a:extLst>
+              <a:ext uri="{FF2B5EF4-FFF2-40B4-BE49-F238E27FC236}">
+                <a16:creationId xmlns:a16="http://schemas.microsoft.com/office/drawing/2014/main" id="{3BA27AFF-E68B-4EAE-870A-06474DBD9092}"/>
+              </a:ext>
+            </a:extLst>
+          </p:cNvPr>
+          <p:cNvCxnSpPr>
+            <a:stCxn id="59" idx="1"/>
+            <a:endCxn id="48" idx="3"/>
+          </p:cNvCxnSpPr>
+          <p:nvPr/>
+        </p:nvCxnSpPr>
+        <p:spPr>
+          <a:xfrm flipH="1">
+            <a:off x="5810232" y="4028930"/>
+            <a:ext cx="1493855" cy="2098"/>
+          </a:xfrm>
+          <a:prstGeom prst="straightConnector1">
+            <a:avLst/>
+          </a:prstGeom>
+          <a:ln>
+            <a:solidFill>
+              <a:schemeClr val="tx1"/>
+            </a:solidFill>
+            <a:tailEnd type="triangle"/>
+          </a:ln>
+        </p:spPr>
+        <p:style>
+          <a:lnRef idx="1">
+            <a:schemeClr val="accent1"/>
+          </a:lnRef>
+          <a:fillRef idx="0">
+            <a:schemeClr val="accent1"/>
+          </a:fillRef>
+          <a:effectRef idx="0">
+            <a:schemeClr val="accent1"/>
+          </a:effectRef>
+          <a:fontRef idx="minor">
+            <a:schemeClr val="tx1"/>
+          </a:fontRef>
+        </p:style>
+      </p:cxnSp>
+    </p:spTree>
+    <p:extLst>
+      <p:ext uri="{BB962C8B-B14F-4D97-AF65-F5344CB8AC3E}">
+        <p14:creationId xmlns:p14="http://schemas.microsoft.com/office/powerpoint/2010/main" val="109496175"/>
+      </p:ext>
+    </p:extLst>
+  </p:cSld>
+  <p:clrMapOvr>
+    <a:masterClrMapping/>
+  </p:clrMapOvr>
+</p:sld>
+</file>
+
+<file path=ppt/slides/slide3.xml><?xml version="1.0" encoding="utf-8"?>
+<p:sld xmlns:a="http://schemas.openxmlformats.org/drawingml/2006/main" xmlns:r="http://schemas.openxmlformats.org/officeDocument/2006/relationships" xmlns:p="http://schemas.openxmlformats.org/presentationml/2006/main">
+  <p:cSld>
+    <p:spTree>
+      <p:nvGrpSpPr>
+        <p:cNvPr id="1" name=""/>
+        <p:cNvGrpSpPr/>
+        <p:nvPr/>
+      </p:nvGrpSpPr>
+      <p:grpSpPr>
+        <a:xfrm>
+          <a:off x="0" y="0"/>
+          <a:ext cx="0" cy="0"/>
+          <a:chOff x="0" y="0"/>
+          <a:chExt cx="0" cy="0"/>
+        </a:xfrm>
+      </p:grpSpPr>
+      <p:cxnSp>
+        <p:nvCxnSpPr>
+          <p:cNvPr id="30" name="Straight Arrow Connector 29">
+            <a:extLst>
+              <a:ext uri="{FF2B5EF4-FFF2-40B4-BE49-F238E27FC236}">
+                <a16:creationId xmlns:a16="http://schemas.microsoft.com/office/drawing/2014/main" id="{8B255964-E418-4460-AABB-47BD54C7E674}"/>
+              </a:ext>
+            </a:extLst>
+          </p:cNvPr>
+          <p:cNvCxnSpPr>
+            <a:stCxn id="5" idx="2"/>
+            <a:endCxn id="13" idx="0"/>
+          </p:cNvCxnSpPr>
+          <p:nvPr/>
+        </p:nvCxnSpPr>
+        <p:spPr>
+          <a:xfrm flipH="1">
+            <a:off x="2070510" y="1267723"/>
+            <a:ext cx="1" cy="1134531"/>
+          </a:xfrm>
+          <a:prstGeom prst="straightConnector1">
+            <a:avLst/>
+          </a:prstGeom>
+          <a:ln>
+            <a:solidFill>
+              <a:schemeClr val="tx1"/>
+            </a:solidFill>
+            <a:headEnd type="triangle"/>
+            <a:tailEnd type="triangle"/>
+          </a:ln>
+        </p:spPr>
+        <p:style>
+          <a:lnRef idx="1">
+            <a:schemeClr val="accent1"/>
+          </a:lnRef>
+          <a:fillRef idx="0">
+            <a:schemeClr val="accent1"/>
+          </a:fillRef>
+          <a:effectRef idx="0">
+            <a:schemeClr val="accent1"/>
+          </a:effectRef>
+          <a:fontRef idx="minor">
+            <a:schemeClr val="tx1"/>
+          </a:fontRef>
+        </p:style>
+      </p:cxnSp>
+      <p:sp>
+        <p:nvSpPr>
+          <p:cNvPr id="2" name="Rectangle 1">
+            <a:extLst>
+              <a:ext uri="{FF2B5EF4-FFF2-40B4-BE49-F238E27FC236}">
+                <a16:creationId xmlns:a16="http://schemas.microsoft.com/office/drawing/2014/main" id="{088520F2-F440-4946-A657-061EAC720D74}"/>
+              </a:ext>
+            </a:extLst>
+          </p:cNvPr>
+          <p:cNvSpPr/>
+          <p:nvPr/>
+        </p:nvSpPr>
+        <p:spPr>
+          <a:xfrm>
+            <a:off x="321259" y="1267722"/>
+            <a:ext cx="11549482" cy="5512393"/>
+          </a:xfrm>
+          <a:prstGeom prst="rect">
+            <a:avLst/>
+          </a:prstGeom>
+          <a:noFill/>
+          <a:ln w="12700">
+            <a:solidFill>
+              <a:schemeClr val="tx1"/>
+            </a:solidFill>
+          </a:ln>
+        </p:spPr>
+        <p:style>
+          <a:lnRef idx="2">
+            <a:schemeClr val="accent1">
+              <a:shade val="50000"/>
+            </a:schemeClr>
+          </a:lnRef>
+          <a:fillRef idx="1">
+            <a:schemeClr val="accent1"/>
+          </a:fillRef>
+          <a:effectRef idx="0">
+            <a:schemeClr val="accent1"/>
+          </a:effectRef>
+          <a:fontRef idx="minor">
+            <a:schemeClr val="lt1"/>
+          </a:fontRef>
+        </p:style>
+        <p:txBody>
+          <a:bodyPr rot="0" spcFirstLastPara="0" vertOverflow="overflow" horzOverflow="overflow" vert="horz" wrap="square" lIns="457200" tIns="91440" rIns="91440" bIns="45720" numCol="1" spcCol="0" rtlCol="0" fromWordArt="0" anchor="t" anchorCtr="0" forceAA="0" compatLnSpc="1">
+            <a:prstTxWarp prst="textNoShape">
+              <a:avLst/>
+            </a:prstTxWarp>
+            <a:noAutofit/>
+          </a:bodyPr>
+          <a:lstStyle/>
+          <a:p>
+            <a:pPr algn="l"/>
+            <a:r>
+              <a:rPr lang="en-US" sz="1200" dirty="0">
+                <a:solidFill>
+                  <a:sysClr val="windowText" lastClr="000000"/>
+                </a:solidFill>
+                <a:latin typeface="+mj-lt"/>
+              </a:rPr>
+              <a:t>AWS Cloud</a:t>
+            </a:r>
+          </a:p>
+        </p:txBody>
+      </p:sp>
+      <p:pic>
+        <p:nvPicPr>
+          <p:cNvPr id="3" name="Graphic 2">
+            <a:extLst>
+              <a:ext uri="{FF2B5EF4-FFF2-40B4-BE49-F238E27FC236}">
+                <a16:creationId xmlns:a16="http://schemas.microsoft.com/office/drawing/2014/main" id="{4AA1AD43-6423-4C9C-81CC-79A5300FCBAE}"/>
+              </a:ext>
+            </a:extLst>
+          </p:cNvPr>
+          <p:cNvPicPr>
+            <a:picLocks noChangeAspect="1"/>
+          </p:cNvPicPr>
+          <p:nvPr/>
+        </p:nvPicPr>
+        <p:blipFill>
+          <a:blip r:embed="rId2">
+            <a:extLst>
+              <a:ext uri="{96DAC541-7B7A-43D3-8B79-37D633B846F1}">
+                <asvg:svgBlip xmlns:asvg="http://schemas.microsoft.com/office/drawing/2016/SVG/main" r:embed="rId3"/>
+              </a:ext>
+            </a:extLst>
+          </a:blip>
+          <a:stretch>
+            <a:fillRect/>
+          </a:stretch>
+        </p:blipFill>
+        <p:spPr>
+          <a:xfrm>
+            <a:off x="321259" y="1267723"/>
+            <a:ext cx="330200" cy="330200"/>
+          </a:xfrm>
+          <a:prstGeom prst="rect">
+            <a:avLst/>
+          </a:prstGeom>
+        </p:spPr>
+      </p:pic>
+      <p:pic>
+        <p:nvPicPr>
+          <p:cNvPr id="4" name="Picture 2" descr="NVD based problem detection | versio.io">
+            <a:extLst>
+              <a:ext uri="{FF2B5EF4-FFF2-40B4-BE49-F238E27FC236}">
+                <a16:creationId xmlns:a16="http://schemas.microsoft.com/office/drawing/2014/main" id="{52C623D0-ED4F-4B54-B753-4794C892BE55}"/>
+              </a:ext>
+            </a:extLst>
+          </p:cNvPr>
+          <p:cNvPicPr>
+            <a:picLocks noChangeAspect="1" noChangeArrowheads="1"/>
+          </p:cNvPicPr>
+          <p:nvPr/>
+        </p:nvPicPr>
+        <p:blipFill>
+          <a:blip r:embed="rId4">
+            <a:extLst>
+              <a:ext uri="{28A0092B-C50C-407E-A947-70E740481C1C}">
+                <a14:useLocalDpi xmlns:a14="http://schemas.microsoft.com/office/drawing/2010/main" val="0"/>
+              </a:ext>
+            </a:extLst>
+          </a:blip>
+          <a:srcRect/>
+          <a:stretch>
+            <a:fillRect/>
+          </a:stretch>
+        </p:blipFill>
+        <p:spPr bwMode="auto">
+          <a:xfrm>
+            <a:off x="1454069" y="77884"/>
+            <a:ext cx="1232883" cy="758952"/>
+          </a:xfrm>
+          <a:prstGeom prst="rect">
+            <a:avLst/>
+          </a:prstGeom>
+          <a:noFill/>
+          <a:extLst>
+            <a:ext uri="{909E8E84-426E-40DD-AFC4-6F175D3DCCD1}">
+              <a14:hiddenFill xmlns:a14="http://schemas.microsoft.com/office/drawing/2010/main">
+                <a:solidFill>
+                  <a:srgbClr val="FFFFFF"/>
+                </a:solidFill>
+              </a14:hiddenFill>
+            </a:ext>
+          </a:extLst>
+        </p:spPr>
+      </p:pic>
+      <p:sp>
+        <p:nvSpPr>
+          <p:cNvPr id="5" name="TextBox 12">
+            <a:extLst>
+              <a:ext uri="{FF2B5EF4-FFF2-40B4-BE49-F238E27FC236}">
+                <a16:creationId xmlns:a16="http://schemas.microsoft.com/office/drawing/2014/main" id="{CB8CF7EF-E2A4-4CCD-A920-8CCCE7003589}"/>
+              </a:ext>
+            </a:extLst>
+          </p:cNvPr>
+          <p:cNvSpPr txBox="1">
+            <a:spLocks noChangeArrowheads="1"/>
+          </p:cNvSpPr>
+          <p:nvPr/>
+        </p:nvSpPr>
+        <p:spPr bwMode="auto">
+          <a:xfrm>
+            <a:off x="1393087" y="836836"/>
+            <a:ext cx="1354847" cy="430887"/>
+          </a:xfrm>
+          <a:prstGeom prst="rect">
+            <a:avLst/>
+          </a:prstGeom>
+          <a:noFill/>
+          <a:ln>
+            <a:noFill/>
+          </a:ln>
+          <a:extLst>
+            <a:ext uri="{909E8E84-426E-40DD-AFC4-6F175D3DCCD1}">
+              <a14:hiddenFill xmlns:a14="http://schemas.microsoft.com/office/drawing/2010/main">
+                <a:solidFill>
+                  <a:srgbClr val="FFFFFF"/>
+                </a:solidFill>
+              </a14:hiddenFill>
+            </a:ext>
+            <a:ext uri="{91240B29-F687-4F45-9708-019B960494DF}">
+              <a14:hiddenLine xmlns:a14="http://schemas.microsoft.com/office/drawing/2010/main" w="9525">
+                <a:solidFill>
+                  <a:srgbClr val="000000"/>
+                </a:solidFill>
+                <a:miter lim="800000"/>
+                <a:headEnd/>
+                <a:tailEnd/>
+              </a14:hiddenLine>
+            </a:ext>
+          </a:extLst>
+        </p:spPr>
+        <p:txBody>
+          <a:bodyPr wrap="square">
+            <a:spAutoFit/>
+          </a:bodyPr>
+          <a:lstStyle>
+            <a:lvl1pPr>
+              <a:defRPr>
+                <a:solidFill>
+                  <a:schemeClr val="tx1"/>
+                </a:solidFill>
+                <a:latin typeface="Calibri" panose="020F0502020204030204" pitchFamily="34" charset="0"/>
+              </a:defRPr>
+            </a:lvl1pPr>
+            <a:lvl2pPr marL="742950" indent="-285750">
+              <a:defRPr>
+                <a:solidFill>
+                  <a:schemeClr val="tx1"/>
+                </a:solidFill>
+                <a:latin typeface="Calibri" panose="020F0502020204030204" pitchFamily="34" charset="0"/>
+              </a:defRPr>
+            </a:lvl2pPr>
+            <a:lvl3pPr marL="1143000" indent="-228600">
+              <a:defRPr>
+                <a:solidFill>
+                  <a:schemeClr val="tx1"/>
+                </a:solidFill>
+                <a:latin typeface="Calibri" panose="020F0502020204030204" pitchFamily="34" charset="0"/>
+              </a:defRPr>
+            </a:lvl3pPr>
+            <a:lvl4pPr marL="1600200" indent="-228600">
+              <a:defRPr>
+                <a:solidFill>
+                  <a:schemeClr val="tx1"/>
+                </a:solidFill>
+                <a:latin typeface="Calibri" panose="020F0502020204030204" pitchFamily="34" charset="0"/>
+              </a:defRPr>
+            </a:lvl4pPr>
+            <a:lvl5pPr marL="2057400" indent="-228600">
+              <a:defRPr>
+                <a:solidFill>
+                  <a:schemeClr val="tx1"/>
+                </a:solidFill>
+                <a:latin typeface="Calibri" panose="020F0502020204030204" pitchFamily="34" charset="0"/>
+              </a:defRPr>
+            </a:lvl5pPr>
+            <a:lvl6pPr marL="2514600" indent="-228600" eaLnBrk="0" fontAlgn="base" hangingPunct="0">
+              <a:spcBef>
+                <a:spcPct val="0"/>
+              </a:spcBef>
+              <a:spcAft>
+                <a:spcPct val="0"/>
+              </a:spcAft>
+              <a:defRPr>
+                <a:solidFill>
+                  <a:schemeClr val="tx1"/>
+                </a:solidFill>
+                <a:latin typeface="Calibri" panose="020F0502020204030204" pitchFamily="34" charset="0"/>
+              </a:defRPr>
+            </a:lvl6pPr>
+            <a:lvl7pPr marL="2971800" indent="-228600" eaLnBrk="0" fontAlgn="base" hangingPunct="0">
+              <a:spcBef>
+                <a:spcPct val="0"/>
+              </a:spcBef>
+              <a:spcAft>
+                <a:spcPct val="0"/>
+              </a:spcAft>
+              <a:defRPr>
+                <a:solidFill>
+                  <a:schemeClr val="tx1"/>
+                </a:solidFill>
+                <a:latin typeface="Calibri" panose="020F0502020204030204" pitchFamily="34" charset="0"/>
+              </a:defRPr>
+            </a:lvl7pPr>
+            <a:lvl8pPr marL="3429000" indent="-228600" eaLnBrk="0" fontAlgn="base" hangingPunct="0">
+              <a:spcBef>
+                <a:spcPct val="0"/>
+              </a:spcBef>
+              <a:spcAft>
+                <a:spcPct val="0"/>
+              </a:spcAft>
+              <a:defRPr>
+                <a:solidFill>
+                  <a:schemeClr val="tx1"/>
+                </a:solidFill>
+                <a:latin typeface="Calibri" panose="020F0502020204030204" pitchFamily="34" charset="0"/>
+              </a:defRPr>
+            </a:lvl8pPr>
+            <a:lvl9pPr marL="3886200" indent="-228600" eaLnBrk="0" fontAlgn="base" hangingPunct="0">
+              <a:spcBef>
+                <a:spcPct val="0"/>
+              </a:spcBef>
+              <a:spcAft>
+                <a:spcPct val="0"/>
+              </a:spcAft>
+              <a:defRPr>
+                <a:solidFill>
+                  <a:schemeClr val="tx1"/>
+                </a:solidFill>
+                <a:latin typeface="Calibri" panose="020F0502020204030204" pitchFamily="34" charset="0"/>
+              </a:defRPr>
+            </a:lvl9pPr>
+          </a:lstStyle>
+          <a:p>
+            <a:pPr algn="ctr" eaLnBrk="1" hangingPunct="1"/>
+            <a:r>
+              <a:rPr lang="en-US" altLang="en-US" sz="1100" dirty="0">
+                <a:latin typeface="+mj-lt"/>
+                <a:ea typeface="Amazon Ember" panose="020B0603020204020204" pitchFamily="34" charset="0"/>
+                <a:cs typeface="Arial" panose="020B0604020202020204" pitchFamily="34" charset="0"/>
+              </a:rPr>
+              <a:t>NVD JSON Feeds (Yearly)</a:t>
+            </a:r>
+          </a:p>
+        </p:txBody>
+      </p:sp>
+      <p:pic>
+        <p:nvPicPr>
+          <p:cNvPr id="6" name="Picture 2" descr="NVD based problem detection | versio.io">
+            <a:extLst>
+              <a:ext uri="{FF2B5EF4-FFF2-40B4-BE49-F238E27FC236}">
+                <a16:creationId xmlns:a16="http://schemas.microsoft.com/office/drawing/2014/main" id="{7B5CAA7F-744F-4835-9CE9-B3FD8A329CF4}"/>
+              </a:ext>
+            </a:extLst>
+          </p:cNvPr>
+          <p:cNvPicPr>
+            <a:picLocks noChangeAspect="1" noChangeArrowheads="1"/>
+          </p:cNvPicPr>
+          <p:nvPr/>
+        </p:nvPicPr>
+        <p:blipFill>
+          <a:blip r:embed="rId4">
+            <a:extLst>
+              <a:ext uri="{28A0092B-C50C-407E-A947-70E740481C1C}">
+                <a14:useLocalDpi xmlns:a14="http://schemas.microsoft.com/office/drawing/2010/main" val="0"/>
+              </a:ext>
+            </a:extLst>
+          </a:blip>
+          <a:srcRect/>
+          <a:stretch>
+            <a:fillRect/>
+          </a:stretch>
+        </p:blipFill>
+        <p:spPr bwMode="auto">
+          <a:xfrm>
+            <a:off x="3215595" y="77884"/>
+            <a:ext cx="1232883" cy="758952"/>
+          </a:xfrm>
+          <a:prstGeom prst="rect">
+            <a:avLst/>
+          </a:prstGeom>
+          <a:noFill/>
+          <a:extLst>
+            <a:ext uri="{909E8E84-426E-40DD-AFC4-6F175D3DCCD1}">
+              <a14:hiddenFill xmlns:a14="http://schemas.microsoft.com/office/drawing/2010/main">
+                <a:solidFill>
+                  <a:srgbClr val="FFFFFF"/>
+                </a:solidFill>
+              </a14:hiddenFill>
+            </a:ext>
+          </a:extLst>
+        </p:spPr>
+      </p:pic>
+      <p:sp>
+        <p:nvSpPr>
+          <p:cNvPr id="7" name="TextBox 12">
+            <a:extLst>
+              <a:ext uri="{FF2B5EF4-FFF2-40B4-BE49-F238E27FC236}">
+                <a16:creationId xmlns:a16="http://schemas.microsoft.com/office/drawing/2014/main" id="{711993B3-273E-427D-BC6A-043AD827DFEC}"/>
+              </a:ext>
+            </a:extLst>
+          </p:cNvPr>
+          <p:cNvSpPr txBox="1">
+            <a:spLocks noChangeArrowheads="1"/>
+          </p:cNvSpPr>
+          <p:nvPr/>
+        </p:nvSpPr>
+        <p:spPr bwMode="auto">
+          <a:xfrm>
+            <a:off x="3154613" y="837765"/>
+            <a:ext cx="1354847" cy="430887"/>
+          </a:xfrm>
+          <a:prstGeom prst="rect">
+            <a:avLst/>
+          </a:prstGeom>
+          <a:noFill/>
+          <a:ln>
+            <a:noFill/>
+          </a:ln>
+          <a:extLst>
+            <a:ext uri="{909E8E84-426E-40DD-AFC4-6F175D3DCCD1}">
+              <a14:hiddenFill xmlns:a14="http://schemas.microsoft.com/office/drawing/2010/main">
+                <a:solidFill>
+                  <a:srgbClr val="FFFFFF"/>
+                </a:solidFill>
+              </a14:hiddenFill>
+            </a:ext>
+            <a:ext uri="{91240B29-F687-4F45-9708-019B960494DF}">
+              <a14:hiddenLine xmlns:a14="http://schemas.microsoft.com/office/drawing/2010/main" w="9525">
+                <a:solidFill>
+                  <a:srgbClr val="000000"/>
+                </a:solidFill>
+                <a:miter lim="800000"/>
+                <a:headEnd/>
+                <a:tailEnd/>
+              </a14:hiddenLine>
+            </a:ext>
+          </a:extLst>
+        </p:spPr>
+        <p:txBody>
+          <a:bodyPr wrap="square">
+            <a:spAutoFit/>
+          </a:bodyPr>
+          <a:lstStyle>
+            <a:lvl1pPr>
+              <a:defRPr>
+                <a:solidFill>
+                  <a:schemeClr val="tx1"/>
+                </a:solidFill>
+                <a:latin typeface="Calibri" panose="020F0502020204030204" pitchFamily="34" charset="0"/>
+              </a:defRPr>
+            </a:lvl1pPr>
+            <a:lvl2pPr marL="742950" indent="-285750">
+              <a:defRPr>
+                <a:solidFill>
+                  <a:schemeClr val="tx1"/>
+                </a:solidFill>
+                <a:latin typeface="Calibri" panose="020F0502020204030204" pitchFamily="34" charset="0"/>
+              </a:defRPr>
+            </a:lvl2pPr>
+            <a:lvl3pPr marL="1143000" indent="-228600">
+              <a:defRPr>
+                <a:solidFill>
+                  <a:schemeClr val="tx1"/>
+                </a:solidFill>
+                <a:latin typeface="Calibri" panose="020F0502020204030204" pitchFamily="34" charset="0"/>
+              </a:defRPr>
+            </a:lvl3pPr>
+            <a:lvl4pPr marL="1600200" indent="-228600">
+              <a:defRPr>
+                <a:solidFill>
+                  <a:schemeClr val="tx1"/>
+                </a:solidFill>
+                <a:latin typeface="Calibri" panose="020F0502020204030204" pitchFamily="34" charset="0"/>
+              </a:defRPr>
+            </a:lvl4pPr>
+            <a:lvl5pPr marL="2057400" indent="-228600">
+              <a:defRPr>
+                <a:solidFill>
+                  <a:schemeClr val="tx1"/>
+                </a:solidFill>
+                <a:latin typeface="Calibri" panose="020F0502020204030204" pitchFamily="34" charset="0"/>
+              </a:defRPr>
+            </a:lvl5pPr>
+            <a:lvl6pPr marL="2514600" indent="-228600" eaLnBrk="0" fontAlgn="base" hangingPunct="0">
+              <a:spcBef>
+                <a:spcPct val="0"/>
+              </a:spcBef>
+              <a:spcAft>
+                <a:spcPct val="0"/>
+              </a:spcAft>
+              <a:defRPr>
+                <a:solidFill>
+                  <a:schemeClr val="tx1"/>
+                </a:solidFill>
+                <a:latin typeface="Calibri" panose="020F0502020204030204" pitchFamily="34" charset="0"/>
+              </a:defRPr>
+            </a:lvl6pPr>
+            <a:lvl7pPr marL="2971800" indent="-228600" eaLnBrk="0" fontAlgn="base" hangingPunct="0">
+              <a:spcBef>
+                <a:spcPct val="0"/>
+              </a:spcBef>
+              <a:spcAft>
+                <a:spcPct val="0"/>
+              </a:spcAft>
+              <a:defRPr>
+                <a:solidFill>
+                  <a:schemeClr val="tx1"/>
+                </a:solidFill>
+                <a:latin typeface="Calibri" panose="020F0502020204030204" pitchFamily="34" charset="0"/>
+              </a:defRPr>
+            </a:lvl7pPr>
+            <a:lvl8pPr marL="3429000" indent="-228600" eaLnBrk="0" fontAlgn="base" hangingPunct="0">
+              <a:spcBef>
+                <a:spcPct val="0"/>
+              </a:spcBef>
+              <a:spcAft>
+                <a:spcPct val="0"/>
+              </a:spcAft>
+              <a:defRPr>
+                <a:solidFill>
+                  <a:schemeClr val="tx1"/>
+                </a:solidFill>
+                <a:latin typeface="Calibri" panose="020F0502020204030204" pitchFamily="34" charset="0"/>
+              </a:defRPr>
+            </a:lvl8pPr>
+            <a:lvl9pPr marL="3886200" indent="-228600" eaLnBrk="0" fontAlgn="base" hangingPunct="0">
+              <a:spcBef>
+                <a:spcPct val="0"/>
+              </a:spcBef>
+              <a:spcAft>
+                <a:spcPct val="0"/>
+              </a:spcAft>
+              <a:defRPr>
+                <a:solidFill>
+                  <a:schemeClr val="tx1"/>
+                </a:solidFill>
+                <a:latin typeface="Calibri" panose="020F0502020204030204" pitchFamily="34" charset="0"/>
+              </a:defRPr>
+            </a:lvl9pPr>
+          </a:lstStyle>
+          <a:p>
+            <a:pPr algn="ctr" eaLnBrk="1" hangingPunct="1"/>
+            <a:r>
+              <a:rPr lang="en-US" altLang="en-US" sz="1100" dirty="0">
+                <a:latin typeface="+mj-lt"/>
+                <a:ea typeface="Amazon Ember" panose="020B0603020204020204" pitchFamily="34" charset="0"/>
+                <a:cs typeface="Arial" panose="020B0604020202020204" pitchFamily="34" charset="0"/>
+              </a:rPr>
+              <a:t>NVD JSON Feeds (Modified)</a:t>
+            </a:r>
+          </a:p>
+        </p:txBody>
+      </p:sp>
+      <p:sp>
+        <p:nvSpPr>
+          <p:cNvPr id="8" name="Rectangle 7">
+            <a:extLst>
+              <a:ext uri="{FF2B5EF4-FFF2-40B4-BE49-F238E27FC236}">
+                <a16:creationId xmlns:a16="http://schemas.microsoft.com/office/drawing/2014/main" id="{0118FDA4-BD8C-4C1F-94B8-B02BF2D83A2E}"/>
+              </a:ext>
+            </a:extLst>
+          </p:cNvPr>
+          <p:cNvSpPr/>
+          <p:nvPr/>
+        </p:nvSpPr>
+        <p:spPr>
+          <a:xfrm>
+            <a:off x="651458" y="1697679"/>
+            <a:ext cx="5444541" cy="4770677"/>
+          </a:xfrm>
+          <a:prstGeom prst="rect">
+            <a:avLst/>
+          </a:prstGeom>
+          <a:noFill/>
+          <a:ln w="12700">
+            <a:solidFill>
+              <a:srgbClr val="CD2264"/>
+            </a:solidFill>
+          </a:ln>
+        </p:spPr>
+        <p:style>
+          <a:lnRef idx="2">
+            <a:schemeClr val="accent1">
+              <a:shade val="50000"/>
+            </a:schemeClr>
+          </a:lnRef>
+          <a:fillRef idx="1">
+            <a:schemeClr val="accent1"/>
+          </a:fillRef>
+          <a:effectRef idx="0">
+            <a:schemeClr val="accent1"/>
+          </a:effectRef>
+          <a:fontRef idx="minor">
+            <a:schemeClr val="lt1"/>
+          </a:fontRef>
+        </p:style>
+        <p:txBody>
+          <a:bodyPr rot="0" spcFirstLastPara="0" vertOverflow="overflow" horzOverflow="overflow" vert="horz" wrap="square" lIns="457200" tIns="91440" rIns="91440" bIns="45720" numCol="1" spcCol="0" rtlCol="0" fromWordArt="0" anchor="t" anchorCtr="0" forceAA="0" compatLnSpc="1">
+            <a:prstTxWarp prst="textNoShape">
+              <a:avLst/>
+            </a:prstTxWarp>
+            <a:noAutofit/>
+          </a:bodyPr>
+          <a:lstStyle/>
+          <a:p>
+            <a:pPr algn="l"/>
+            <a:r>
+              <a:rPr lang="en-US" sz="1200" dirty="0">
+                <a:solidFill>
+                  <a:srgbClr val="CD2264"/>
+                </a:solidFill>
+                <a:latin typeface="+mj-lt"/>
+              </a:rPr>
+              <a:t>AWS Security Account</a:t>
+            </a:r>
+          </a:p>
+        </p:txBody>
+      </p:sp>
+      <p:pic>
+        <p:nvPicPr>
+          <p:cNvPr id="10" name="Graphic 9">
+            <a:extLst>
+              <a:ext uri="{FF2B5EF4-FFF2-40B4-BE49-F238E27FC236}">
+                <a16:creationId xmlns:a16="http://schemas.microsoft.com/office/drawing/2014/main" id="{E5347023-6EB3-4F17-9D7F-2F96771DE02E}"/>
+              </a:ext>
+            </a:extLst>
+          </p:cNvPr>
+          <p:cNvPicPr>
+            <a:picLocks noChangeAspect="1"/>
+          </p:cNvPicPr>
+          <p:nvPr/>
+        </p:nvPicPr>
+        <p:blipFill>
+          <a:blip r:embed="rId5">
+            <a:extLst>
+              <a:ext uri="{96DAC541-7B7A-43D3-8B79-37D633B846F1}">
+                <asvg:svgBlip xmlns:asvg="http://schemas.microsoft.com/office/drawing/2016/SVG/main" r:embed="rId6"/>
+              </a:ext>
+            </a:extLst>
+          </a:blip>
+          <a:stretch>
+            <a:fillRect/>
+          </a:stretch>
+        </p:blipFill>
+        <p:spPr>
+          <a:xfrm>
+            <a:off x="657224" y="1697766"/>
+            <a:ext cx="329184" cy="329184"/>
+          </a:xfrm>
+          <a:prstGeom prst="rect">
+            <a:avLst/>
+          </a:prstGeom>
+        </p:spPr>
+      </p:pic>
+      <p:sp>
+        <p:nvSpPr>
+          <p:cNvPr id="11" name="Rectangle 10">
+            <a:extLst>
+              <a:ext uri="{FF2B5EF4-FFF2-40B4-BE49-F238E27FC236}">
+                <a16:creationId xmlns:a16="http://schemas.microsoft.com/office/drawing/2014/main" id="{14D7DB6F-2D82-4AAA-90D6-D65E24C59BCB}"/>
+              </a:ext>
+            </a:extLst>
+          </p:cNvPr>
+          <p:cNvSpPr/>
+          <p:nvPr/>
+        </p:nvSpPr>
+        <p:spPr>
+          <a:xfrm>
+            <a:off x="6261099" y="1697679"/>
+            <a:ext cx="5444541" cy="4770677"/>
+          </a:xfrm>
+          <a:prstGeom prst="rect">
+            <a:avLst/>
+          </a:prstGeom>
+          <a:noFill/>
+          <a:ln w="12700">
+            <a:solidFill>
+              <a:srgbClr val="CD2264"/>
+            </a:solidFill>
+          </a:ln>
+        </p:spPr>
+        <p:style>
+          <a:lnRef idx="2">
+            <a:schemeClr val="accent1">
+              <a:shade val="50000"/>
+            </a:schemeClr>
+          </a:lnRef>
+          <a:fillRef idx="1">
+            <a:schemeClr val="accent1"/>
+          </a:fillRef>
+          <a:effectRef idx="0">
+            <a:schemeClr val="accent1"/>
+          </a:effectRef>
+          <a:fontRef idx="minor">
+            <a:schemeClr val="lt1"/>
+          </a:fontRef>
+        </p:style>
+        <p:txBody>
+          <a:bodyPr rot="0" spcFirstLastPara="0" vertOverflow="overflow" horzOverflow="overflow" vert="horz" wrap="square" lIns="457200" tIns="91440" rIns="91440" bIns="45720" numCol="1" spcCol="0" rtlCol="0" fromWordArt="0" anchor="t" anchorCtr="0" forceAA="0" compatLnSpc="1">
+            <a:prstTxWarp prst="textNoShape">
+              <a:avLst/>
+            </a:prstTxWarp>
+            <a:noAutofit/>
+          </a:bodyPr>
+          <a:lstStyle/>
+          <a:p>
+            <a:pPr algn="l"/>
+            <a:r>
+              <a:rPr lang="en-US" sz="1200" dirty="0">
+                <a:solidFill>
+                  <a:srgbClr val="CD2264"/>
+                </a:solidFill>
+                <a:latin typeface="+mj-lt"/>
+              </a:rPr>
+              <a:t>Member Account </a:t>
+            </a:r>
+            <a:r>
+              <a:rPr lang="en-US" sz="1200" i="1" dirty="0">
+                <a:solidFill>
+                  <a:srgbClr val="CD2264"/>
+                </a:solidFill>
+                <a:latin typeface="+mj-lt"/>
+              </a:rPr>
+              <a:t>n</a:t>
+            </a:r>
+            <a:r>
+              <a:rPr lang="en-US" sz="1200" dirty="0">
+                <a:solidFill>
+                  <a:srgbClr val="CD2264"/>
+                </a:solidFill>
+                <a:latin typeface="+mj-lt"/>
+              </a:rPr>
+              <a:t> + 1</a:t>
+            </a:r>
+          </a:p>
+        </p:txBody>
+      </p:sp>
+      <p:pic>
+        <p:nvPicPr>
+          <p:cNvPr id="12" name="Graphic 11">
+            <a:extLst>
+              <a:ext uri="{FF2B5EF4-FFF2-40B4-BE49-F238E27FC236}">
+                <a16:creationId xmlns:a16="http://schemas.microsoft.com/office/drawing/2014/main" id="{6C96BDAC-B4B1-4321-B0BD-2D7EF5C0C4A1}"/>
+              </a:ext>
+            </a:extLst>
+          </p:cNvPr>
+          <p:cNvPicPr>
+            <a:picLocks noChangeAspect="1"/>
+          </p:cNvPicPr>
+          <p:nvPr/>
+        </p:nvPicPr>
+        <p:blipFill>
+          <a:blip r:embed="rId5">
+            <a:extLst>
+              <a:ext uri="{96DAC541-7B7A-43D3-8B79-37D633B846F1}">
+                <asvg:svgBlip xmlns:asvg="http://schemas.microsoft.com/office/drawing/2016/SVG/main" r:embed="rId6"/>
+              </a:ext>
+            </a:extLst>
+          </a:blip>
+          <a:stretch>
+            <a:fillRect/>
+          </a:stretch>
+        </p:blipFill>
+        <p:spPr>
+          <a:xfrm>
+            <a:off x="6261099" y="1697766"/>
+            <a:ext cx="329184" cy="329184"/>
+          </a:xfrm>
+          <a:prstGeom prst="rect">
+            <a:avLst/>
+          </a:prstGeom>
+        </p:spPr>
+      </p:pic>
+      <p:pic>
+        <p:nvPicPr>
+          <p:cNvPr id="13" name="Graphic 17">
+            <a:extLst>
+              <a:ext uri="{FF2B5EF4-FFF2-40B4-BE49-F238E27FC236}">
+                <a16:creationId xmlns:a16="http://schemas.microsoft.com/office/drawing/2014/main" id="{1363DD8C-942E-49CD-8A2D-99BFFC6500B9}"/>
+              </a:ext>
+            </a:extLst>
+          </p:cNvPr>
+          <p:cNvPicPr>
+            <a:picLocks noChangeAspect="1" noChangeArrowheads="1"/>
+          </p:cNvPicPr>
+          <p:nvPr/>
+        </p:nvPicPr>
+        <p:blipFill>
+          <a:blip r:embed="rId7">
+            <a:extLst>
+              <a:ext uri="{28A0092B-C50C-407E-A947-70E740481C1C}">
+                <a14:useLocalDpi xmlns:a14="http://schemas.microsoft.com/office/drawing/2010/main" val="0"/>
+              </a:ext>
+            </a:extLst>
+          </a:blip>
+          <a:srcRect/>
+          <a:stretch>
+            <a:fillRect/>
+          </a:stretch>
+        </p:blipFill>
+        <p:spPr bwMode="auto">
+          <a:xfrm>
+            <a:off x="1750470" y="2402254"/>
+            <a:ext cx="640080" cy="640080"/>
+          </a:xfrm>
+          <a:prstGeom prst="rect">
+            <a:avLst/>
+          </a:prstGeom>
+          <a:noFill/>
+          <a:ln>
+            <a:noFill/>
+          </a:ln>
+          <a:extLst>
+            <a:ext uri="{909E8E84-426E-40DD-AFC4-6F175D3DCCD1}">
+              <a14:hiddenFill xmlns:a14="http://schemas.microsoft.com/office/drawing/2010/main">
+                <a:solidFill>
+                  <a:srgbClr val="FFFFFF"/>
+                </a:solidFill>
+              </a14:hiddenFill>
+            </a:ext>
+            <a:ext uri="{91240B29-F687-4F45-9708-019B960494DF}">
+              <a14:hiddenLine xmlns:a14="http://schemas.microsoft.com/office/drawing/2010/main" w="9525">
+                <a:solidFill>
+                  <a:srgbClr val="000000"/>
+                </a:solidFill>
+                <a:miter lim="800000"/>
+                <a:headEnd/>
+                <a:tailEnd/>
+              </a14:hiddenLine>
+            </a:ext>
+          </a:extLst>
+        </p:spPr>
+      </p:pic>
+      <p:sp>
+        <p:nvSpPr>
+          <p:cNvPr id="14" name="TextBox 9">
+            <a:extLst>
+              <a:ext uri="{FF2B5EF4-FFF2-40B4-BE49-F238E27FC236}">
+                <a16:creationId xmlns:a16="http://schemas.microsoft.com/office/drawing/2014/main" id="{AC78B5CA-3A87-46B4-9963-4F9282A196B5}"/>
+              </a:ext>
+            </a:extLst>
+          </p:cNvPr>
+          <p:cNvSpPr txBox="1">
+            <a:spLocks noChangeArrowheads="1"/>
+          </p:cNvSpPr>
+          <p:nvPr/>
+        </p:nvSpPr>
+        <p:spPr bwMode="auto">
+          <a:xfrm>
+            <a:off x="1610928" y="3042334"/>
+            <a:ext cx="919164" cy="261610"/>
+          </a:xfrm>
+          <a:prstGeom prst="rect">
+            <a:avLst/>
+          </a:prstGeom>
+          <a:noFill/>
+          <a:ln>
+            <a:noFill/>
+          </a:ln>
+          <a:extLst>
+            <a:ext uri="{909E8E84-426E-40DD-AFC4-6F175D3DCCD1}">
+              <a14:hiddenFill xmlns:a14="http://schemas.microsoft.com/office/drawing/2010/main">
+                <a:solidFill>
+                  <a:srgbClr val="FFFFFF"/>
+                </a:solidFill>
+              </a14:hiddenFill>
+            </a:ext>
+            <a:ext uri="{91240B29-F687-4F45-9708-019B960494DF}">
+              <a14:hiddenLine xmlns:a14="http://schemas.microsoft.com/office/drawing/2010/main" w="9525">
+                <a:solidFill>
+                  <a:srgbClr val="000000"/>
+                </a:solidFill>
+                <a:miter lim="800000"/>
+                <a:headEnd/>
+                <a:tailEnd/>
+              </a14:hiddenLine>
+            </a:ext>
+          </a:extLst>
+        </p:spPr>
+        <p:txBody>
+          <a:bodyPr wrap="square">
+            <a:spAutoFit/>
+          </a:bodyPr>
+          <a:lstStyle>
+            <a:lvl1pPr>
+              <a:defRPr>
+                <a:solidFill>
+                  <a:schemeClr val="tx1"/>
+                </a:solidFill>
+                <a:latin typeface="Calibri" panose="020F0502020204030204" pitchFamily="34" charset="0"/>
+              </a:defRPr>
+            </a:lvl1pPr>
+            <a:lvl2pPr marL="742950" indent="-285750">
+              <a:defRPr>
+                <a:solidFill>
+                  <a:schemeClr val="tx1"/>
+                </a:solidFill>
+                <a:latin typeface="Calibri" panose="020F0502020204030204" pitchFamily="34" charset="0"/>
+              </a:defRPr>
+            </a:lvl2pPr>
+            <a:lvl3pPr marL="1143000" indent="-228600">
+              <a:defRPr>
+                <a:solidFill>
+                  <a:schemeClr val="tx1"/>
+                </a:solidFill>
+                <a:latin typeface="Calibri" panose="020F0502020204030204" pitchFamily="34" charset="0"/>
+              </a:defRPr>
+            </a:lvl3pPr>
+            <a:lvl4pPr marL="1600200" indent="-228600">
+              <a:defRPr>
+                <a:solidFill>
+                  <a:schemeClr val="tx1"/>
+                </a:solidFill>
+                <a:latin typeface="Calibri" panose="020F0502020204030204" pitchFamily="34" charset="0"/>
+              </a:defRPr>
+            </a:lvl4pPr>
+            <a:lvl5pPr marL="2057400" indent="-228600">
+              <a:defRPr>
+                <a:solidFill>
+                  <a:schemeClr val="tx1"/>
+                </a:solidFill>
+                <a:latin typeface="Calibri" panose="020F0502020204030204" pitchFamily="34" charset="0"/>
+              </a:defRPr>
+            </a:lvl5pPr>
+            <a:lvl6pPr marL="2514600" indent="-228600" eaLnBrk="0" fontAlgn="base" hangingPunct="0">
+              <a:spcBef>
+                <a:spcPct val="0"/>
+              </a:spcBef>
+              <a:spcAft>
+                <a:spcPct val="0"/>
+              </a:spcAft>
+              <a:defRPr>
+                <a:solidFill>
+                  <a:schemeClr val="tx1"/>
+                </a:solidFill>
+                <a:latin typeface="Calibri" panose="020F0502020204030204" pitchFamily="34" charset="0"/>
+              </a:defRPr>
+            </a:lvl6pPr>
+            <a:lvl7pPr marL="2971800" indent="-228600" eaLnBrk="0" fontAlgn="base" hangingPunct="0">
+              <a:spcBef>
+                <a:spcPct val="0"/>
+              </a:spcBef>
+              <a:spcAft>
+                <a:spcPct val="0"/>
+              </a:spcAft>
+              <a:defRPr>
+                <a:solidFill>
+                  <a:schemeClr val="tx1"/>
+                </a:solidFill>
+                <a:latin typeface="Calibri" panose="020F0502020204030204" pitchFamily="34" charset="0"/>
+              </a:defRPr>
+            </a:lvl7pPr>
+            <a:lvl8pPr marL="3429000" indent="-228600" eaLnBrk="0" fontAlgn="base" hangingPunct="0">
+              <a:spcBef>
+                <a:spcPct val="0"/>
+              </a:spcBef>
+              <a:spcAft>
+                <a:spcPct val="0"/>
+              </a:spcAft>
+              <a:defRPr>
+                <a:solidFill>
+                  <a:schemeClr val="tx1"/>
+                </a:solidFill>
+                <a:latin typeface="Calibri" panose="020F0502020204030204" pitchFamily="34" charset="0"/>
+              </a:defRPr>
+            </a:lvl8pPr>
+            <a:lvl9pPr marL="3886200" indent="-228600" eaLnBrk="0" fontAlgn="base" hangingPunct="0">
+              <a:spcBef>
+                <a:spcPct val="0"/>
+              </a:spcBef>
+              <a:spcAft>
+                <a:spcPct val="0"/>
+              </a:spcAft>
+              <a:defRPr>
+                <a:solidFill>
+                  <a:schemeClr val="tx1"/>
+                </a:solidFill>
+                <a:latin typeface="Calibri" panose="020F0502020204030204" pitchFamily="34" charset="0"/>
+              </a:defRPr>
+            </a:lvl9pPr>
+          </a:lstStyle>
+          <a:p>
+            <a:pPr algn="ctr" eaLnBrk="1" hangingPunct="1"/>
+            <a:r>
+              <a:rPr lang="en-US" altLang="en-US" sz="1100" dirty="0">
+                <a:latin typeface="+mj-lt"/>
+                <a:ea typeface="Amazon Ember" panose="020B0603020204020204" pitchFamily="34" charset="0"/>
+                <a:cs typeface="Arial" panose="020B0604020202020204" pitchFamily="34" charset="0"/>
+              </a:rPr>
+              <a:t>AWS Cloud9</a:t>
+            </a:r>
+          </a:p>
+        </p:txBody>
+      </p:sp>
+      <p:pic>
+        <p:nvPicPr>
+          <p:cNvPr id="15" name="Graphic 23">
+            <a:extLst>
+              <a:ext uri="{FF2B5EF4-FFF2-40B4-BE49-F238E27FC236}">
+                <a16:creationId xmlns:a16="http://schemas.microsoft.com/office/drawing/2014/main" id="{1E83FAAA-A9F1-48BB-951E-9341249ADF52}"/>
+              </a:ext>
+            </a:extLst>
+          </p:cNvPr>
+          <p:cNvPicPr>
+            <a:picLocks noChangeAspect="1" noChangeArrowheads="1"/>
+          </p:cNvPicPr>
+          <p:nvPr/>
+        </p:nvPicPr>
+        <p:blipFill>
+          <a:blip r:embed="rId8">
+            <a:extLst>
+              <a:ext uri="{28A0092B-C50C-407E-A947-70E740481C1C}">
+                <a14:useLocalDpi xmlns:a14="http://schemas.microsoft.com/office/drawing/2010/main" val="0"/>
+              </a:ext>
+            </a:extLst>
+          </a:blip>
+          <a:srcRect/>
+          <a:stretch>
+            <a:fillRect/>
+          </a:stretch>
+        </p:blipFill>
+        <p:spPr bwMode="auto">
+          <a:xfrm>
+            <a:off x="1750470" y="3988405"/>
+            <a:ext cx="640080" cy="640080"/>
+          </a:xfrm>
+          <a:prstGeom prst="rect">
+            <a:avLst/>
+          </a:prstGeom>
+          <a:noFill/>
+          <a:ln>
+            <a:noFill/>
+          </a:ln>
+          <a:extLst>
+            <a:ext uri="{909E8E84-426E-40DD-AFC4-6F175D3DCCD1}">
+              <a14:hiddenFill xmlns:a14="http://schemas.microsoft.com/office/drawing/2010/main">
+                <a:solidFill>
+                  <a:srgbClr val="FFFFFF"/>
+                </a:solidFill>
+              </a14:hiddenFill>
+            </a:ext>
+            <a:ext uri="{91240B29-F687-4F45-9708-019B960494DF}">
+              <a14:hiddenLine xmlns:a14="http://schemas.microsoft.com/office/drawing/2010/main" w="9525">
+                <a:solidFill>
+                  <a:srgbClr val="000000"/>
+                </a:solidFill>
+                <a:miter lim="800000"/>
+                <a:headEnd/>
+                <a:tailEnd/>
+              </a14:hiddenLine>
+            </a:ext>
+          </a:extLst>
+        </p:spPr>
+      </p:pic>
+      <p:sp>
+        <p:nvSpPr>
+          <p:cNvPr id="16" name="TextBox 12">
+            <a:extLst>
+              <a:ext uri="{FF2B5EF4-FFF2-40B4-BE49-F238E27FC236}">
+                <a16:creationId xmlns:a16="http://schemas.microsoft.com/office/drawing/2014/main" id="{A8FC6333-3D5A-4C95-BF92-7FC8D7248133}"/>
+              </a:ext>
+            </a:extLst>
+          </p:cNvPr>
+          <p:cNvSpPr txBox="1">
+            <a:spLocks noChangeArrowheads="1"/>
+          </p:cNvSpPr>
+          <p:nvPr/>
+        </p:nvSpPr>
+        <p:spPr bwMode="auto">
+          <a:xfrm>
+            <a:off x="1393087" y="4643612"/>
+            <a:ext cx="1354847" cy="261610"/>
+          </a:xfrm>
+          <a:prstGeom prst="rect">
+            <a:avLst/>
+          </a:prstGeom>
+          <a:noFill/>
+          <a:ln>
+            <a:noFill/>
+          </a:ln>
+          <a:extLst>
+            <a:ext uri="{909E8E84-426E-40DD-AFC4-6F175D3DCCD1}">
+              <a14:hiddenFill xmlns:a14="http://schemas.microsoft.com/office/drawing/2010/main">
+                <a:solidFill>
+                  <a:srgbClr val="FFFFFF"/>
+                </a:solidFill>
+              </a14:hiddenFill>
+            </a:ext>
+            <a:ext uri="{91240B29-F687-4F45-9708-019B960494DF}">
+              <a14:hiddenLine xmlns:a14="http://schemas.microsoft.com/office/drawing/2010/main" w="9525">
+                <a:solidFill>
+                  <a:srgbClr val="000000"/>
+                </a:solidFill>
+                <a:miter lim="800000"/>
+                <a:headEnd/>
+                <a:tailEnd/>
+              </a14:hiddenLine>
+            </a:ext>
+          </a:extLst>
+        </p:spPr>
+        <p:txBody>
+          <a:bodyPr wrap="square">
+            <a:spAutoFit/>
+          </a:bodyPr>
+          <a:lstStyle>
+            <a:lvl1pPr>
+              <a:defRPr>
+                <a:solidFill>
+                  <a:schemeClr val="tx1"/>
+                </a:solidFill>
+                <a:latin typeface="Calibri" panose="020F0502020204030204" pitchFamily="34" charset="0"/>
+              </a:defRPr>
+            </a:lvl1pPr>
+            <a:lvl2pPr marL="742950" indent="-285750">
+              <a:defRPr>
+                <a:solidFill>
+                  <a:schemeClr val="tx1"/>
+                </a:solidFill>
+                <a:latin typeface="Calibri" panose="020F0502020204030204" pitchFamily="34" charset="0"/>
+              </a:defRPr>
+            </a:lvl2pPr>
+            <a:lvl3pPr marL="1143000" indent="-228600">
+              <a:defRPr>
+                <a:solidFill>
+                  <a:schemeClr val="tx1"/>
+                </a:solidFill>
+                <a:latin typeface="Calibri" panose="020F0502020204030204" pitchFamily="34" charset="0"/>
+              </a:defRPr>
+            </a:lvl3pPr>
+            <a:lvl4pPr marL="1600200" indent="-228600">
+              <a:defRPr>
+                <a:solidFill>
+                  <a:schemeClr val="tx1"/>
+                </a:solidFill>
+                <a:latin typeface="Calibri" panose="020F0502020204030204" pitchFamily="34" charset="0"/>
+              </a:defRPr>
+            </a:lvl4pPr>
+            <a:lvl5pPr marL="2057400" indent="-228600">
+              <a:defRPr>
+                <a:solidFill>
+                  <a:schemeClr val="tx1"/>
+                </a:solidFill>
+                <a:latin typeface="Calibri" panose="020F0502020204030204" pitchFamily="34" charset="0"/>
+              </a:defRPr>
+            </a:lvl5pPr>
+            <a:lvl6pPr marL="2514600" indent="-228600" eaLnBrk="0" fontAlgn="base" hangingPunct="0">
+              <a:spcBef>
+                <a:spcPct val="0"/>
+              </a:spcBef>
+              <a:spcAft>
+                <a:spcPct val="0"/>
+              </a:spcAft>
+              <a:defRPr>
+                <a:solidFill>
+                  <a:schemeClr val="tx1"/>
+                </a:solidFill>
+                <a:latin typeface="Calibri" panose="020F0502020204030204" pitchFamily="34" charset="0"/>
+              </a:defRPr>
+            </a:lvl6pPr>
+            <a:lvl7pPr marL="2971800" indent="-228600" eaLnBrk="0" fontAlgn="base" hangingPunct="0">
+              <a:spcBef>
+                <a:spcPct val="0"/>
+              </a:spcBef>
+              <a:spcAft>
+                <a:spcPct val="0"/>
+              </a:spcAft>
+              <a:defRPr>
+                <a:solidFill>
+                  <a:schemeClr val="tx1"/>
+                </a:solidFill>
+                <a:latin typeface="Calibri" panose="020F0502020204030204" pitchFamily="34" charset="0"/>
+              </a:defRPr>
+            </a:lvl7pPr>
+            <a:lvl8pPr marL="3429000" indent="-228600" eaLnBrk="0" fontAlgn="base" hangingPunct="0">
+              <a:spcBef>
+                <a:spcPct val="0"/>
+              </a:spcBef>
+              <a:spcAft>
+                <a:spcPct val="0"/>
+              </a:spcAft>
+              <a:defRPr>
+                <a:solidFill>
+                  <a:schemeClr val="tx1"/>
+                </a:solidFill>
+                <a:latin typeface="Calibri" panose="020F0502020204030204" pitchFamily="34" charset="0"/>
+              </a:defRPr>
+            </a:lvl8pPr>
+            <a:lvl9pPr marL="3886200" indent="-228600" eaLnBrk="0" fontAlgn="base" hangingPunct="0">
+              <a:spcBef>
+                <a:spcPct val="0"/>
+              </a:spcBef>
+              <a:spcAft>
+                <a:spcPct val="0"/>
+              </a:spcAft>
+              <a:defRPr>
+                <a:solidFill>
+                  <a:schemeClr val="tx1"/>
+                </a:solidFill>
+                <a:latin typeface="Calibri" panose="020F0502020204030204" pitchFamily="34" charset="0"/>
+              </a:defRPr>
+            </a:lvl9pPr>
+          </a:lstStyle>
+          <a:p>
+            <a:pPr algn="ctr" eaLnBrk="1" hangingPunct="1"/>
+            <a:r>
+              <a:rPr lang="en-US" altLang="en-US" sz="1100" dirty="0">
+                <a:latin typeface="+mj-lt"/>
+                <a:ea typeface="Amazon Ember" panose="020B0603020204020204" pitchFamily="34" charset="0"/>
+                <a:cs typeface="Arial" panose="020B0604020202020204" pitchFamily="34" charset="0"/>
+              </a:rPr>
+              <a:t>Amazon DynamoDB</a:t>
+            </a:r>
+          </a:p>
+        </p:txBody>
+      </p:sp>
+      <p:pic>
+        <p:nvPicPr>
+          <p:cNvPr id="18" name="Graphic 10">
+            <a:extLst>
+              <a:ext uri="{FF2B5EF4-FFF2-40B4-BE49-F238E27FC236}">
+                <a16:creationId xmlns:a16="http://schemas.microsoft.com/office/drawing/2014/main" id="{E18D414B-EAE1-4D78-9160-B7A980F9E7BF}"/>
+              </a:ext>
+            </a:extLst>
+          </p:cNvPr>
+          <p:cNvPicPr>
+            <a:picLocks noChangeAspect="1" noChangeArrowheads="1"/>
+          </p:cNvPicPr>
+          <p:nvPr/>
+        </p:nvPicPr>
+        <p:blipFill>
+          <a:blip r:embed="rId9">
+            <a:extLst>
+              <a:ext uri="{28A0092B-C50C-407E-A947-70E740481C1C}">
+                <a14:useLocalDpi xmlns:a14="http://schemas.microsoft.com/office/drawing/2010/main" val="0"/>
+              </a:ext>
+            </a:extLst>
+          </a:blip>
+          <a:srcRect/>
+          <a:stretch>
+            <a:fillRect/>
+          </a:stretch>
+        </p:blipFill>
+        <p:spPr bwMode="auto">
+          <a:xfrm>
+            <a:off x="3511996" y="2402254"/>
+            <a:ext cx="640080" cy="640080"/>
+          </a:xfrm>
+          <a:prstGeom prst="rect">
+            <a:avLst/>
+          </a:prstGeom>
+          <a:noFill/>
+          <a:ln>
+            <a:noFill/>
+          </a:ln>
+          <a:extLst>
+            <a:ext uri="{909E8E84-426E-40DD-AFC4-6F175D3DCCD1}">
+              <a14:hiddenFill xmlns:a14="http://schemas.microsoft.com/office/drawing/2010/main">
+                <a:solidFill>
+                  <a:srgbClr val="FFFFFF"/>
+                </a:solidFill>
+              </a14:hiddenFill>
+            </a:ext>
+            <a:ext uri="{91240B29-F687-4F45-9708-019B960494DF}">
+              <a14:hiddenLine xmlns:a14="http://schemas.microsoft.com/office/drawing/2010/main" w="9525">
+                <a:solidFill>
+                  <a:srgbClr val="000000"/>
+                </a:solidFill>
+                <a:miter lim="800000"/>
+                <a:headEnd/>
+                <a:tailEnd/>
+              </a14:hiddenLine>
+            </a:ext>
+          </a:extLst>
+        </p:spPr>
+      </p:pic>
+      <p:sp>
+        <p:nvSpPr>
+          <p:cNvPr id="19" name="TextBox 20">
+            <a:extLst>
+              <a:ext uri="{FF2B5EF4-FFF2-40B4-BE49-F238E27FC236}">
+                <a16:creationId xmlns:a16="http://schemas.microsoft.com/office/drawing/2014/main" id="{842A3BBF-B097-40AB-A9F5-2C5D35814C7F}"/>
+              </a:ext>
+            </a:extLst>
+          </p:cNvPr>
+          <p:cNvSpPr txBox="1">
+            <a:spLocks noChangeArrowheads="1"/>
+          </p:cNvSpPr>
+          <p:nvPr/>
+        </p:nvSpPr>
+        <p:spPr bwMode="auto">
+          <a:xfrm>
+            <a:off x="3361101" y="3042334"/>
+            <a:ext cx="941870" cy="261610"/>
+          </a:xfrm>
+          <a:prstGeom prst="rect">
+            <a:avLst/>
+          </a:prstGeom>
+          <a:noFill/>
+          <a:ln>
+            <a:noFill/>
+          </a:ln>
+          <a:extLst>
+            <a:ext uri="{909E8E84-426E-40DD-AFC4-6F175D3DCCD1}">
+              <a14:hiddenFill xmlns:a14="http://schemas.microsoft.com/office/drawing/2010/main">
+                <a:solidFill>
+                  <a:srgbClr val="FFFFFF"/>
+                </a:solidFill>
+              </a14:hiddenFill>
+            </a:ext>
+            <a:ext uri="{91240B29-F687-4F45-9708-019B960494DF}">
+              <a14:hiddenLine xmlns:a14="http://schemas.microsoft.com/office/drawing/2010/main" w="9525">
+                <a:solidFill>
+                  <a:srgbClr val="000000"/>
+                </a:solidFill>
+                <a:miter lim="800000"/>
+                <a:headEnd/>
+                <a:tailEnd/>
+              </a14:hiddenLine>
+            </a:ext>
+          </a:extLst>
+        </p:spPr>
+        <p:txBody>
+          <a:bodyPr wrap="square">
+            <a:spAutoFit/>
+          </a:bodyPr>
+          <a:lstStyle>
+            <a:lvl1pPr>
+              <a:defRPr>
+                <a:solidFill>
+                  <a:schemeClr val="tx1"/>
+                </a:solidFill>
+                <a:latin typeface="Calibri" panose="020F0502020204030204" pitchFamily="34" charset="0"/>
+              </a:defRPr>
+            </a:lvl1pPr>
+            <a:lvl2pPr marL="742950" indent="-285750">
+              <a:defRPr>
+                <a:solidFill>
+                  <a:schemeClr val="tx1"/>
+                </a:solidFill>
+                <a:latin typeface="Calibri" panose="020F0502020204030204" pitchFamily="34" charset="0"/>
+              </a:defRPr>
+            </a:lvl2pPr>
+            <a:lvl3pPr marL="1143000" indent="-228600">
+              <a:defRPr>
+                <a:solidFill>
+                  <a:schemeClr val="tx1"/>
+                </a:solidFill>
+                <a:latin typeface="Calibri" panose="020F0502020204030204" pitchFamily="34" charset="0"/>
+              </a:defRPr>
+            </a:lvl3pPr>
+            <a:lvl4pPr marL="1600200" indent="-228600">
+              <a:defRPr>
+                <a:solidFill>
+                  <a:schemeClr val="tx1"/>
+                </a:solidFill>
+                <a:latin typeface="Calibri" panose="020F0502020204030204" pitchFamily="34" charset="0"/>
+              </a:defRPr>
+            </a:lvl4pPr>
+            <a:lvl5pPr marL="2057400" indent="-228600">
+              <a:defRPr>
+                <a:solidFill>
+                  <a:schemeClr val="tx1"/>
+                </a:solidFill>
+                <a:latin typeface="Calibri" panose="020F0502020204030204" pitchFamily="34" charset="0"/>
+              </a:defRPr>
+            </a:lvl5pPr>
+            <a:lvl6pPr marL="2514600" indent="-228600" eaLnBrk="0" fontAlgn="base" hangingPunct="0">
+              <a:spcBef>
+                <a:spcPct val="0"/>
+              </a:spcBef>
+              <a:spcAft>
+                <a:spcPct val="0"/>
+              </a:spcAft>
+              <a:defRPr>
+                <a:solidFill>
+                  <a:schemeClr val="tx1"/>
+                </a:solidFill>
+                <a:latin typeface="Calibri" panose="020F0502020204030204" pitchFamily="34" charset="0"/>
+              </a:defRPr>
+            </a:lvl6pPr>
+            <a:lvl7pPr marL="2971800" indent="-228600" eaLnBrk="0" fontAlgn="base" hangingPunct="0">
+              <a:spcBef>
+                <a:spcPct val="0"/>
+              </a:spcBef>
+              <a:spcAft>
+                <a:spcPct val="0"/>
+              </a:spcAft>
+              <a:defRPr>
+                <a:solidFill>
+                  <a:schemeClr val="tx1"/>
+                </a:solidFill>
+                <a:latin typeface="Calibri" panose="020F0502020204030204" pitchFamily="34" charset="0"/>
+              </a:defRPr>
+            </a:lvl7pPr>
+            <a:lvl8pPr marL="3429000" indent="-228600" eaLnBrk="0" fontAlgn="base" hangingPunct="0">
+              <a:spcBef>
+                <a:spcPct val="0"/>
+              </a:spcBef>
+              <a:spcAft>
+                <a:spcPct val="0"/>
+              </a:spcAft>
+              <a:defRPr>
+                <a:solidFill>
+                  <a:schemeClr val="tx1"/>
+                </a:solidFill>
+                <a:latin typeface="Calibri" panose="020F0502020204030204" pitchFamily="34" charset="0"/>
+              </a:defRPr>
+            </a:lvl8pPr>
+            <a:lvl9pPr marL="3886200" indent="-228600" eaLnBrk="0" fontAlgn="base" hangingPunct="0">
+              <a:spcBef>
+                <a:spcPct val="0"/>
+              </a:spcBef>
+              <a:spcAft>
+                <a:spcPct val="0"/>
+              </a:spcAft>
+              <a:defRPr>
+                <a:solidFill>
+                  <a:schemeClr val="tx1"/>
+                </a:solidFill>
+                <a:latin typeface="Calibri" panose="020F0502020204030204" pitchFamily="34" charset="0"/>
+              </a:defRPr>
+            </a:lvl9pPr>
+          </a:lstStyle>
+          <a:p>
+            <a:pPr algn="ctr" eaLnBrk="1" hangingPunct="1"/>
+            <a:r>
+              <a:rPr lang="en-US" altLang="en-US" sz="1100" dirty="0">
+                <a:latin typeface="+mj-lt"/>
+                <a:ea typeface="Amazon Ember" panose="020B0603020204020204" pitchFamily="34" charset="0"/>
+                <a:cs typeface="Arial" panose="020B0604020202020204" pitchFamily="34" charset="0"/>
+              </a:rPr>
+              <a:t>AWS Lambda</a:t>
+            </a:r>
+          </a:p>
+        </p:txBody>
+      </p:sp>
+      <p:sp>
+        <p:nvSpPr>
+          <p:cNvPr id="20" name="TextBox 18">
+            <a:extLst>
+              <a:ext uri="{FF2B5EF4-FFF2-40B4-BE49-F238E27FC236}">
+                <a16:creationId xmlns:a16="http://schemas.microsoft.com/office/drawing/2014/main" id="{E79786D8-29BD-4EDD-ADFB-C6FB2BF8005B}"/>
+              </a:ext>
+            </a:extLst>
+          </p:cNvPr>
+          <p:cNvSpPr txBox="1">
+            <a:spLocks noChangeArrowheads="1"/>
+          </p:cNvSpPr>
+          <p:nvPr/>
+        </p:nvSpPr>
+        <p:spPr bwMode="auto">
+          <a:xfrm>
+            <a:off x="4945026" y="3042334"/>
+            <a:ext cx="1114192" cy="430887"/>
+          </a:xfrm>
+          <a:prstGeom prst="rect">
+            <a:avLst/>
+          </a:prstGeom>
+          <a:noFill/>
+          <a:ln>
+            <a:noFill/>
+          </a:ln>
+          <a:extLst>
+            <a:ext uri="{909E8E84-426E-40DD-AFC4-6F175D3DCCD1}">
+              <a14:hiddenFill xmlns:a14="http://schemas.microsoft.com/office/drawing/2010/main">
+                <a:solidFill>
+                  <a:srgbClr val="FFFFFF"/>
+                </a:solidFill>
+              </a14:hiddenFill>
+            </a:ext>
+            <a:ext uri="{91240B29-F687-4F45-9708-019B960494DF}">
+              <a14:hiddenLine xmlns:a14="http://schemas.microsoft.com/office/drawing/2010/main" w="9525">
+                <a:solidFill>
+                  <a:srgbClr val="000000"/>
+                </a:solidFill>
+                <a:miter lim="800000"/>
+                <a:headEnd/>
+                <a:tailEnd/>
+              </a14:hiddenLine>
+            </a:ext>
+          </a:extLst>
+        </p:spPr>
+        <p:txBody>
+          <a:bodyPr wrap="square">
+            <a:spAutoFit/>
+          </a:bodyPr>
+          <a:lstStyle>
+            <a:lvl1pPr>
+              <a:defRPr>
+                <a:solidFill>
+                  <a:schemeClr val="tx1"/>
+                </a:solidFill>
+                <a:latin typeface="Calibri" panose="020F0502020204030204" pitchFamily="34" charset="0"/>
+              </a:defRPr>
+            </a:lvl1pPr>
+            <a:lvl2pPr marL="742950" indent="-285750">
+              <a:defRPr>
+                <a:solidFill>
+                  <a:schemeClr val="tx1"/>
+                </a:solidFill>
+                <a:latin typeface="Calibri" panose="020F0502020204030204" pitchFamily="34" charset="0"/>
+              </a:defRPr>
+            </a:lvl2pPr>
+            <a:lvl3pPr marL="1143000" indent="-228600">
+              <a:defRPr>
+                <a:solidFill>
+                  <a:schemeClr val="tx1"/>
+                </a:solidFill>
+                <a:latin typeface="Calibri" panose="020F0502020204030204" pitchFamily="34" charset="0"/>
+              </a:defRPr>
+            </a:lvl3pPr>
+            <a:lvl4pPr marL="1600200" indent="-228600">
+              <a:defRPr>
+                <a:solidFill>
+                  <a:schemeClr val="tx1"/>
+                </a:solidFill>
+                <a:latin typeface="Calibri" panose="020F0502020204030204" pitchFamily="34" charset="0"/>
+              </a:defRPr>
+            </a:lvl4pPr>
+            <a:lvl5pPr marL="2057400" indent="-228600">
+              <a:defRPr>
+                <a:solidFill>
+                  <a:schemeClr val="tx1"/>
+                </a:solidFill>
+                <a:latin typeface="Calibri" panose="020F0502020204030204" pitchFamily="34" charset="0"/>
+              </a:defRPr>
+            </a:lvl5pPr>
+            <a:lvl6pPr marL="2514600" indent="-228600" eaLnBrk="0" fontAlgn="base" hangingPunct="0">
+              <a:spcBef>
+                <a:spcPct val="0"/>
+              </a:spcBef>
+              <a:spcAft>
+                <a:spcPct val="0"/>
+              </a:spcAft>
+              <a:defRPr>
+                <a:solidFill>
+                  <a:schemeClr val="tx1"/>
+                </a:solidFill>
+                <a:latin typeface="Calibri" panose="020F0502020204030204" pitchFamily="34" charset="0"/>
+              </a:defRPr>
+            </a:lvl6pPr>
+            <a:lvl7pPr marL="2971800" indent="-228600" eaLnBrk="0" fontAlgn="base" hangingPunct="0">
+              <a:spcBef>
+                <a:spcPct val="0"/>
+              </a:spcBef>
+              <a:spcAft>
+                <a:spcPct val="0"/>
+              </a:spcAft>
+              <a:defRPr>
+                <a:solidFill>
+                  <a:schemeClr val="tx1"/>
+                </a:solidFill>
+                <a:latin typeface="Calibri" panose="020F0502020204030204" pitchFamily="34" charset="0"/>
+              </a:defRPr>
+            </a:lvl7pPr>
+            <a:lvl8pPr marL="3429000" indent="-228600" eaLnBrk="0" fontAlgn="base" hangingPunct="0">
+              <a:spcBef>
+                <a:spcPct val="0"/>
+              </a:spcBef>
+              <a:spcAft>
+                <a:spcPct val="0"/>
+              </a:spcAft>
+              <a:defRPr>
+                <a:solidFill>
+                  <a:schemeClr val="tx1"/>
+                </a:solidFill>
+                <a:latin typeface="Calibri" panose="020F0502020204030204" pitchFamily="34" charset="0"/>
+              </a:defRPr>
+            </a:lvl8pPr>
+            <a:lvl9pPr marL="3886200" indent="-228600" eaLnBrk="0" fontAlgn="base" hangingPunct="0">
+              <a:spcBef>
+                <a:spcPct val="0"/>
+              </a:spcBef>
+              <a:spcAft>
+                <a:spcPct val="0"/>
+              </a:spcAft>
+              <a:defRPr>
+                <a:solidFill>
+                  <a:schemeClr val="tx1"/>
+                </a:solidFill>
+                <a:latin typeface="Calibri" panose="020F0502020204030204" pitchFamily="34" charset="0"/>
+              </a:defRPr>
+            </a:lvl9pPr>
+          </a:lstStyle>
+          <a:p>
+            <a:pPr algn="ctr" eaLnBrk="1" hangingPunct="1"/>
+            <a:r>
+              <a:rPr lang="en-US" altLang="en-US" sz="1100" dirty="0">
+                <a:latin typeface="+mj-lt"/>
+                <a:ea typeface="Amazon Ember" panose="020B0603020204020204" pitchFamily="34" charset="0"/>
+                <a:cs typeface="Arial" panose="020B0604020202020204" pitchFamily="34" charset="0"/>
+              </a:rPr>
+              <a:t>Scheduled Event</a:t>
+            </a:r>
+          </a:p>
+          <a:p>
+            <a:pPr algn="ctr" eaLnBrk="1" hangingPunct="1"/>
+            <a:r>
+              <a:rPr lang="en-US" altLang="en-US" sz="1100" dirty="0">
+                <a:latin typeface="+mj-lt"/>
+                <a:ea typeface="Amazon Ember" panose="020B0603020204020204" pitchFamily="34" charset="0"/>
+                <a:cs typeface="Arial" panose="020B0604020202020204" pitchFamily="34" charset="0"/>
+              </a:rPr>
+              <a:t>(24 Hours)</a:t>
+            </a:r>
+          </a:p>
+        </p:txBody>
+      </p:sp>
+      <p:pic>
+        <p:nvPicPr>
+          <p:cNvPr id="21" name="Graphic 8">
+            <a:extLst>
+              <a:ext uri="{FF2B5EF4-FFF2-40B4-BE49-F238E27FC236}">
+                <a16:creationId xmlns:a16="http://schemas.microsoft.com/office/drawing/2014/main" id="{4B1AF7B5-A180-4FA8-9E20-02907E1F7D29}"/>
+              </a:ext>
+            </a:extLst>
+          </p:cNvPr>
+          <p:cNvPicPr>
+            <a:picLocks noChangeAspect="1" noChangeArrowheads="1"/>
+          </p:cNvPicPr>
+          <p:nvPr/>
+        </p:nvPicPr>
+        <p:blipFill>
+          <a:blip r:embed="rId10">
+            <a:extLst>
+              <a:ext uri="{28A0092B-C50C-407E-A947-70E740481C1C}">
+                <a14:useLocalDpi xmlns:a14="http://schemas.microsoft.com/office/drawing/2010/main" val="0"/>
+              </a:ext>
+            </a:extLst>
+          </a:blip>
+          <a:srcRect/>
+          <a:stretch>
+            <a:fillRect/>
+          </a:stretch>
+        </p:blipFill>
+        <p:spPr bwMode="auto">
+          <a:xfrm>
+            <a:off x="5273522" y="2493694"/>
+            <a:ext cx="457200" cy="457200"/>
+          </a:xfrm>
+          <a:prstGeom prst="rect">
+            <a:avLst/>
+          </a:prstGeom>
+          <a:noFill/>
+          <a:ln>
+            <a:noFill/>
+          </a:ln>
+          <a:extLst>
+            <a:ext uri="{909E8E84-426E-40DD-AFC4-6F175D3DCCD1}">
+              <a14:hiddenFill xmlns:a14="http://schemas.microsoft.com/office/drawing/2010/main">
+                <a:solidFill>
+                  <a:srgbClr val="FFFFFF"/>
+                </a:solidFill>
+              </a14:hiddenFill>
+            </a:ext>
+            <a:ext uri="{91240B29-F687-4F45-9708-019B960494DF}">
+              <a14:hiddenLine xmlns:a14="http://schemas.microsoft.com/office/drawing/2010/main" w="9525">
+                <a:solidFill>
+                  <a:srgbClr val="000000"/>
+                </a:solidFill>
+                <a:miter lim="800000"/>
+                <a:headEnd/>
+                <a:tailEnd/>
+              </a14:hiddenLine>
+            </a:ext>
+          </a:extLst>
+        </p:spPr>
+      </p:pic>
+      <p:pic>
+        <p:nvPicPr>
+          <p:cNvPr id="22" name="Graphic 19">
+            <a:extLst>
+              <a:ext uri="{FF2B5EF4-FFF2-40B4-BE49-F238E27FC236}">
+                <a16:creationId xmlns:a16="http://schemas.microsoft.com/office/drawing/2014/main" id="{0400C5E9-04DB-44B3-A319-E0596D366651}"/>
+              </a:ext>
+            </a:extLst>
+          </p:cNvPr>
+          <p:cNvPicPr>
+            <a:picLocks noChangeAspect="1" noChangeArrowheads="1"/>
+          </p:cNvPicPr>
+          <p:nvPr/>
+        </p:nvPicPr>
+        <p:blipFill>
+          <a:blip r:embed="rId11">
+            <a:extLst>
+              <a:ext uri="{28A0092B-C50C-407E-A947-70E740481C1C}">
+                <a14:useLocalDpi xmlns:a14="http://schemas.microsoft.com/office/drawing/2010/main" val="0"/>
+              </a:ext>
+            </a:extLst>
+          </a:blip>
+          <a:srcRect/>
+          <a:stretch>
+            <a:fillRect/>
+          </a:stretch>
+        </p:blipFill>
+        <p:spPr bwMode="auto">
+          <a:xfrm>
+            <a:off x="7454784" y="5399140"/>
+            <a:ext cx="640080" cy="640080"/>
+          </a:xfrm>
+          <a:prstGeom prst="rect">
+            <a:avLst/>
+          </a:prstGeom>
+          <a:noFill/>
+          <a:ln>
+            <a:noFill/>
+          </a:ln>
+          <a:extLst>
+            <a:ext uri="{909E8E84-426E-40DD-AFC4-6F175D3DCCD1}">
+              <a14:hiddenFill xmlns:a14="http://schemas.microsoft.com/office/drawing/2010/main">
+                <a:solidFill>
+                  <a:srgbClr val="FFFFFF"/>
+                </a:solidFill>
+              </a14:hiddenFill>
+            </a:ext>
+            <a:ext uri="{91240B29-F687-4F45-9708-019B960494DF}">
+              <a14:hiddenLine xmlns:a14="http://schemas.microsoft.com/office/drawing/2010/main" w="9525">
+                <a:solidFill>
+                  <a:srgbClr val="000000"/>
+                </a:solidFill>
+                <a:miter lim="800000"/>
+                <a:headEnd/>
+                <a:tailEnd/>
+              </a14:hiddenLine>
+            </a:ext>
+          </a:extLst>
+        </p:spPr>
+      </p:pic>
+      <p:sp>
+        <p:nvSpPr>
+          <p:cNvPr id="23" name="TextBox 12">
+            <a:extLst>
+              <a:ext uri="{FF2B5EF4-FFF2-40B4-BE49-F238E27FC236}">
+                <a16:creationId xmlns:a16="http://schemas.microsoft.com/office/drawing/2014/main" id="{D660AEF8-95AB-457E-85EA-B5B9F70D1F73}"/>
+              </a:ext>
+            </a:extLst>
+          </p:cNvPr>
+          <p:cNvSpPr txBox="1">
+            <a:spLocks noChangeArrowheads="1"/>
+          </p:cNvSpPr>
+          <p:nvPr/>
+        </p:nvSpPr>
+        <p:spPr bwMode="auto">
+          <a:xfrm>
+            <a:off x="7169985" y="6037470"/>
+            <a:ext cx="1209675" cy="261610"/>
+          </a:xfrm>
+          <a:prstGeom prst="rect">
+            <a:avLst/>
+          </a:prstGeom>
+          <a:noFill/>
+          <a:ln>
+            <a:noFill/>
+          </a:ln>
+          <a:extLst>
+            <a:ext uri="{909E8E84-426E-40DD-AFC4-6F175D3DCCD1}">
+              <a14:hiddenFill xmlns:a14="http://schemas.microsoft.com/office/drawing/2010/main">
+                <a:solidFill>
+                  <a:srgbClr val="FFFFFF"/>
+                </a:solidFill>
+              </a14:hiddenFill>
+            </a:ext>
+            <a:ext uri="{91240B29-F687-4F45-9708-019B960494DF}">
+              <a14:hiddenLine xmlns:a14="http://schemas.microsoft.com/office/drawing/2010/main" w="9525">
+                <a:solidFill>
+                  <a:srgbClr val="000000"/>
+                </a:solidFill>
+                <a:miter lim="800000"/>
+                <a:headEnd/>
+                <a:tailEnd/>
+              </a14:hiddenLine>
+            </a:ext>
+          </a:extLst>
+        </p:spPr>
+        <p:txBody>
+          <a:bodyPr wrap="square">
+            <a:spAutoFit/>
+          </a:bodyPr>
+          <a:lstStyle>
+            <a:lvl1pPr>
+              <a:defRPr>
+                <a:solidFill>
+                  <a:schemeClr val="tx1"/>
+                </a:solidFill>
+                <a:latin typeface="Calibri" panose="020F0502020204030204" pitchFamily="34" charset="0"/>
+              </a:defRPr>
+            </a:lvl1pPr>
+            <a:lvl2pPr marL="742950" indent="-285750">
+              <a:defRPr>
+                <a:solidFill>
+                  <a:schemeClr val="tx1"/>
+                </a:solidFill>
+                <a:latin typeface="Calibri" panose="020F0502020204030204" pitchFamily="34" charset="0"/>
+              </a:defRPr>
+            </a:lvl2pPr>
+            <a:lvl3pPr marL="1143000" indent="-228600">
+              <a:defRPr>
+                <a:solidFill>
+                  <a:schemeClr val="tx1"/>
+                </a:solidFill>
+                <a:latin typeface="Calibri" panose="020F0502020204030204" pitchFamily="34" charset="0"/>
+              </a:defRPr>
+            </a:lvl3pPr>
+            <a:lvl4pPr marL="1600200" indent="-228600">
+              <a:defRPr>
+                <a:solidFill>
+                  <a:schemeClr val="tx1"/>
+                </a:solidFill>
+                <a:latin typeface="Calibri" panose="020F0502020204030204" pitchFamily="34" charset="0"/>
+              </a:defRPr>
+            </a:lvl4pPr>
+            <a:lvl5pPr marL="2057400" indent="-228600">
+              <a:defRPr>
+                <a:solidFill>
+                  <a:schemeClr val="tx1"/>
+                </a:solidFill>
+                <a:latin typeface="Calibri" panose="020F0502020204030204" pitchFamily="34" charset="0"/>
+              </a:defRPr>
+            </a:lvl5pPr>
+            <a:lvl6pPr marL="2514600" indent="-228600" eaLnBrk="0" fontAlgn="base" hangingPunct="0">
+              <a:spcBef>
+                <a:spcPct val="0"/>
+              </a:spcBef>
+              <a:spcAft>
+                <a:spcPct val="0"/>
+              </a:spcAft>
+              <a:defRPr>
+                <a:solidFill>
+                  <a:schemeClr val="tx1"/>
+                </a:solidFill>
+                <a:latin typeface="Calibri" panose="020F0502020204030204" pitchFamily="34" charset="0"/>
+              </a:defRPr>
+            </a:lvl6pPr>
+            <a:lvl7pPr marL="2971800" indent="-228600" eaLnBrk="0" fontAlgn="base" hangingPunct="0">
+              <a:spcBef>
+                <a:spcPct val="0"/>
+              </a:spcBef>
+              <a:spcAft>
+                <a:spcPct val="0"/>
+              </a:spcAft>
+              <a:defRPr>
+                <a:solidFill>
+                  <a:schemeClr val="tx1"/>
+                </a:solidFill>
+                <a:latin typeface="Calibri" panose="020F0502020204030204" pitchFamily="34" charset="0"/>
+              </a:defRPr>
+            </a:lvl7pPr>
+            <a:lvl8pPr marL="3429000" indent="-228600" eaLnBrk="0" fontAlgn="base" hangingPunct="0">
+              <a:spcBef>
+                <a:spcPct val="0"/>
+              </a:spcBef>
+              <a:spcAft>
+                <a:spcPct val="0"/>
+              </a:spcAft>
+              <a:defRPr>
+                <a:solidFill>
+                  <a:schemeClr val="tx1"/>
+                </a:solidFill>
+                <a:latin typeface="Calibri" panose="020F0502020204030204" pitchFamily="34" charset="0"/>
+              </a:defRPr>
+            </a:lvl8pPr>
+            <a:lvl9pPr marL="3886200" indent="-228600" eaLnBrk="0" fontAlgn="base" hangingPunct="0">
+              <a:spcBef>
+                <a:spcPct val="0"/>
+              </a:spcBef>
+              <a:spcAft>
+                <a:spcPct val="0"/>
+              </a:spcAft>
+              <a:defRPr>
+                <a:solidFill>
+                  <a:schemeClr val="tx1"/>
+                </a:solidFill>
+                <a:latin typeface="Calibri" panose="020F0502020204030204" pitchFamily="34" charset="0"/>
+              </a:defRPr>
+            </a:lvl9pPr>
+          </a:lstStyle>
+          <a:p>
+            <a:pPr algn="ctr" eaLnBrk="1" hangingPunct="1"/>
+            <a:r>
+              <a:rPr lang="en-US" altLang="en-US" sz="1100" dirty="0">
+                <a:latin typeface="+mj-lt"/>
+                <a:ea typeface="Amazon Ember" panose="020B0603020204020204" pitchFamily="34" charset="0"/>
+                <a:cs typeface="Arial" panose="020B0604020202020204" pitchFamily="34" charset="0"/>
+              </a:rPr>
+              <a:t>AWS Security Hub</a:t>
+            </a:r>
+          </a:p>
+        </p:txBody>
+      </p:sp>
+      <p:pic>
+        <p:nvPicPr>
+          <p:cNvPr id="24" name="Graphic 6">
+            <a:extLst>
+              <a:ext uri="{FF2B5EF4-FFF2-40B4-BE49-F238E27FC236}">
+                <a16:creationId xmlns:a16="http://schemas.microsoft.com/office/drawing/2014/main" id="{F0BC61C8-7829-42B3-A4FF-9AB7E41296D4}"/>
+              </a:ext>
+            </a:extLst>
+          </p:cNvPr>
+          <p:cNvPicPr>
+            <a:picLocks noChangeAspect="1" noChangeArrowheads="1"/>
+          </p:cNvPicPr>
+          <p:nvPr/>
+        </p:nvPicPr>
+        <p:blipFill>
+          <a:blip r:embed="rId12">
+            <a:extLst>
+              <a:ext uri="{28A0092B-C50C-407E-A947-70E740481C1C}">
+                <a14:useLocalDpi xmlns:a14="http://schemas.microsoft.com/office/drawing/2010/main" val="0"/>
+              </a:ext>
+            </a:extLst>
+          </a:blip>
+          <a:srcRect/>
+          <a:stretch>
+            <a:fillRect/>
+          </a:stretch>
+        </p:blipFill>
+        <p:spPr bwMode="auto">
+          <a:xfrm>
+            <a:off x="7454784" y="2402254"/>
+            <a:ext cx="640080" cy="640080"/>
+          </a:xfrm>
+          <a:prstGeom prst="rect">
+            <a:avLst/>
+          </a:prstGeom>
+          <a:noFill/>
+          <a:ln>
+            <a:noFill/>
+          </a:ln>
+          <a:extLst>
+            <a:ext uri="{909E8E84-426E-40DD-AFC4-6F175D3DCCD1}">
+              <a14:hiddenFill xmlns:a14="http://schemas.microsoft.com/office/drawing/2010/main">
+                <a:solidFill>
+                  <a:srgbClr val="FFFFFF"/>
+                </a:solidFill>
+              </a14:hiddenFill>
+            </a:ext>
+            <a:ext uri="{91240B29-F687-4F45-9708-019B960494DF}">
+              <a14:hiddenLine xmlns:a14="http://schemas.microsoft.com/office/drawing/2010/main" w="9525">
+                <a:solidFill>
+                  <a:srgbClr val="000000"/>
+                </a:solidFill>
+                <a:miter lim="800000"/>
+                <a:headEnd/>
+                <a:tailEnd/>
+              </a14:hiddenLine>
+            </a:ext>
+          </a:extLst>
+        </p:spPr>
+      </p:pic>
+      <p:sp>
+        <p:nvSpPr>
+          <p:cNvPr id="25" name="TextBox 15">
+            <a:extLst>
+              <a:ext uri="{FF2B5EF4-FFF2-40B4-BE49-F238E27FC236}">
+                <a16:creationId xmlns:a16="http://schemas.microsoft.com/office/drawing/2014/main" id="{ABB81186-5B7E-40CC-9CCA-F6CCCA73142F}"/>
+              </a:ext>
+            </a:extLst>
+          </p:cNvPr>
+          <p:cNvSpPr txBox="1">
+            <a:spLocks noChangeArrowheads="1"/>
+          </p:cNvSpPr>
+          <p:nvPr/>
+        </p:nvSpPr>
+        <p:spPr bwMode="auto">
+          <a:xfrm>
+            <a:off x="7169986" y="3042334"/>
+            <a:ext cx="1209675" cy="261610"/>
+          </a:xfrm>
+          <a:prstGeom prst="rect">
+            <a:avLst/>
+          </a:prstGeom>
+          <a:noFill/>
+          <a:ln>
+            <a:noFill/>
+          </a:ln>
+          <a:extLst>
+            <a:ext uri="{909E8E84-426E-40DD-AFC4-6F175D3DCCD1}">
+              <a14:hiddenFill xmlns:a14="http://schemas.microsoft.com/office/drawing/2010/main">
+                <a:solidFill>
+                  <a:srgbClr val="FFFFFF"/>
+                </a:solidFill>
+              </a14:hiddenFill>
+            </a:ext>
+            <a:ext uri="{91240B29-F687-4F45-9708-019B960494DF}">
+              <a14:hiddenLine xmlns:a14="http://schemas.microsoft.com/office/drawing/2010/main" w="9525">
+                <a:solidFill>
+                  <a:srgbClr val="000000"/>
+                </a:solidFill>
+                <a:miter lim="800000"/>
+                <a:headEnd/>
+                <a:tailEnd/>
+              </a14:hiddenLine>
+            </a:ext>
+          </a:extLst>
+        </p:spPr>
+        <p:txBody>
+          <a:bodyPr wrap="square">
+            <a:spAutoFit/>
+          </a:bodyPr>
+          <a:lstStyle>
+            <a:lvl1pPr>
+              <a:defRPr>
+                <a:solidFill>
+                  <a:schemeClr val="tx1"/>
+                </a:solidFill>
+                <a:latin typeface="Calibri" panose="020F0502020204030204" pitchFamily="34" charset="0"/>
+              </a:defRPr>
+            </a:lvl1pPr>
+            <a:lvl2pPr marL="742950" indent="-285750">
+              <a:defRPr>
+                <a:solidFill>
+                  <a:schemeClr val="tx1"/>
+                </a:solidFill>
+                <a:latin typeface="Calibri" panose="020F0502020204030204" pitchFamily="34" charset="0"/>
+              </a:defRPr>
+            </a:lvl2pPr>
+            <a:lvl3pPr marL="1143000" indent="-228600">
+              <a:defRPr>
+                <a:solidFill>
+                  <a:schemeClr val="tx1"/>
+                </a:solidFill>
+                <a:latin typeface="Calibri" panose="020F0502020204030204" pitchFamily="34" charset="0"/>
+              </a:defRPr>
+            </a:lvl3pPr>
+            <a:lvl4pPr marL="1600200" indent="-228600">
+              <a:defRPr>
+                <a:solidFill>
+                  <a:schemeClr val="tx1"/>
+                </a:solidFill>
+                <a:latin typeface="Calibri" panose="020F0502020204030204" pitchFamily="34" charset="0"/>
+              </a:defRPr>
+            </a:lvl4pPr>
+            <a:lvl5pPr marL="2057400" indent="-228600">
+              <a:defRPr>
+                <a:solidFill>
+                  <a:schemeClr val="tx1"/>
+                </a:solidFill>
+                <a:latin typeface="Calibri" panose="020F0502020204030204" pitchFamily="34" charset="0"/>
+              </a:defRPr>
+            </a:lvl5pPr>
+            <a:lvl6pPr marL="2514600" indent="-228600" eaLnBrk="0" fontAlgn="base" hangingPunct="0">
+              <a:spcBef>
+                <a:spcPct val="0"/>
+              </a:spcBef>
+              <a:spcAft>
+                <a:spcPct val="0"/>
+              </a:spcAft>
+              <a:defRPr>
+                <a:solidFill>
+                  <a:schemeClr val="tx1"/>
+                </a:solidFill>
+                <a:latin typeface="Calibri" panose="020F0502020204030204" pitchFamily="34" charset="0"/>
+              </a:defRPr>
+            </a:lvl6pPr>
+            <a:lvl7pPr marL="2971800" indent="-228600" eaLnBrk="0" fontAlgn="base" hangingPunct="0">
+              <a:spcBef>
+                <a:spcPct val="0"/>
+              </a:spcBef>
+              <a:spcAft>
+                <a:spcPct val="0"/>
+              </a:spcAft>
+              <a:defRPr>
+                <a:solidFill>
+                  <a:schemeClr val="tx1"/>
+                </a:solidFill>
+                <a:latin typeface="Calibri" panose="020F0502020204030204" pitchFamily="34" charset="0"/>
+              </a:defRPr>
+            </a:lvl7pPr>
+            <a:lvl8pPr marL="3429000" indent="-228600" eaLnBrk="0" fontAlgn="base" hangingPunct="0">
+              <a:spcBef>
+                <a:spcPct val="0"/>
+              </a:spcBef>
+              <a:spcAft>
+                <a:spcPct val="0"/>
+              </a:spcAft>
+              <a:defRPr>
+                <a:solidFill>
+                  <a:schemeClr val="tx1"/>
+                </a:solidFill>
+                <a:latin typeface="Calibri" panose="020F0502020204030204" pitchFamily="34" charset="0"/>
+              </a:defRPr>
+            </a:lvl8pPr>
+            <a:lvl9pPr marL="3886200" indent="-228600" eaLnBrk="0" fontAlgn="base" hangingPunct="0">
+              <a:spcBef>
+                <a:spcPct val="0"/>
+              </a:spcBef>
+              <a:spcAft>
+                <a:spcPct val="0"/>
+              </a:spcAft>
+              <a:defRPr>
+                <a:solidFill>
+                  <a:schemeClr val="tx1"/>
+                </a:solidFill>
+                <a:latin typeface="Calibri" panose="020F0502020204030204" pitchFamily="34" charset="0"/>
+              </a:defRPr>
+            </a:lvl9pPr>
+          </a:lstStyle>
+          <a:p>
+            <a:pPr algn="ctr" eaLnBrk="1" hangingPunct="1"/>
+            <a:r>
+              <a:rPr lang="en-US" altLang="en-US" sz="1100" dirty="0">
+                <a:latin typeface="+mj-lt"/>
+                <a:ea typeface="Amazon Ember" panose="020B0603020204020204" pitchFamily="34" charset="0"/>
+                <a:cs typeface="Arial" panose="020B0604020202020204" pitchFamily="34" charset="0"/>
+              </a:rPr>
+              <a:t>AWS </a:t>
+            </a:r>
+            <a:r>
+              <a:rPr lang="en-US" altLang="en-US" sz="1100" dirty="0" err="1">
+                <a:latin typeface="+mj-lt"/>
+                <a:ea typeface="Amazon Ember" panose="020B0603020204020204" pitchFamily="34" charset="0"/>
+                <a:cs typeface="Arial" panose="020B0604020202020204" pitchFamily="34" charset="0"/>
+              </a:rPr>
+              <a:t>CodeArtifact</a:t>
+            </a:r>
+            <a:endParaRPr lang="en-US" altLang="en-US" sz="1100" dirty="0">
+              <a:latin typeface="+mj-lt"/>
+              <a:ea typeface="Amazon Ember" panose="020B0603020204020204" pitchFamily="34" charset="0"/>
+              <a:cs typeface="Arial" panose="020B0604020202020204" pitchFamily="34" charset="0"/>
+            </a:endParaRPr>
+          </a:p>
+        </p:txBody>
+      </p:sp>
+      <p:sp>
+        <p:nvSpPr>
+          <p:cNvPr id="27" name="TextBox 18">
+            <a:extLst>
+              <a:ext uri="{FF2B5EF4-FFF2-40B4-BE49-F238E27FC236}">
+                <a16:creationId xmlns:a16="http://schemas.microsoft.com/office/drawing/2014/main" id="{8228178B-B2F4-4CE6-B771-338F2CA0C271}"/>
+              </a:ext>
+            </a:extLst>
+          </p:cNvPr>
+          <p:cNvSpPr txBox="1">
+            <a:spLocks noChangeArrowheads="1"/>
+          </p:cNvSpPr>
+          <p:nvPr/>
+        </p:nvSpPr>
+        <p:spPr bwMode="auto">
+          <a:xfrm>
+            <a:off x="9059949" y="3042334"/>
+            <a:ext cx="762297" cy="261610"/>
+          </a:xfrm>
+          <a:prstGeom prst="rect">
+            <a:avLst/>
+          </a:prstGeom>
+          <a:noFill/>
+          <a:ln>
+            <a:noFill/>
+          </a:ln>
+          <a:extLst>
+            <a:ext uri="{909E8E84-426E-40DD-AFC4-6F175D3DCCD1}">
+              <a14:hiddenFill xmlns:a14="http://schemas.microsoft.com/office/drawing/2010/main">
+                <a:solidFill>
+                  <a:srgbClr val="FFFFFF"/>
+                </a:solidFill>
+              </a14:hiddenFill>
+            </a:ext>
+            <a:ext uri="{91240B29-F687-4F45-9708-019B960494DF}">
+              <a14:hiddenLine xmlns:a14="http://schemas.microsoft.com/office/drawing/2010/main" w="9525">
+                <a:solidFill>
+                  <a:srgbClr val="000000"/>
+                </a:solidFill>
+                <a:miter lim="800000"/>
+                <a:headEnd/>
+                <a:tailEnd/>
+              </a14:hiddenLine>
+            </a:ext>
+          </a:extLst>
+        </p:spPr>
+        <p:txBody>
+          <a:bodyPr wrap="square">
+            <a:spAutoFit/>
+          </a:bodyPr>
+          <a:lstStyle>
+            <a:lvl1pPr>
+              <a:defRPr>
+                <a:solidFill>
+                  <a:schemeClr val="tx1"/>
+                </a:solidFill>
+                <a:latin typeface="Calibri" panose="020F0502020204030204" pitchFamily="34" charset="0"/>
+              </a:defRPr>
+            </a:lvl1pPr>
+            <a:lvl2pPr marL="742950" indent="-285750">
+              <a:defRPr>
+                <a:solidFill>
+                  <a:schemeClr val="tx1"/>
+                </a:solidFill>
+                <a:latin typeface="Calibri" panose="020F0502020204030204" pitchFamily="34" charset="0"/>
+              </a:defRPr>
+            </a:lvl2pPr>
+            <a:lvl3pPr marL="1143000" indent="-228600">
+              <a:defRPr>
+                <a:solidFill>
+                  <a:schemeClr val="tx1"/>
+                </a:solidFill>
+                <a:latin typeface="Calibri" panose="020F0502020204030204" pitchFamily="34" charset="0"/>
+              </a:defRPr>
+            </a:lvl3pPr>
+            <a:lvl4pPr marL="1600200" indent="-228600">
+              <a:defRPr>
+                <a:solidFill>
+                  <a:schemeClr val="tx1"/>
+                </a:solidFill>
+                <a:latin typeface="Calibri" panose="020F0502020204030204" pitchFamily="34" charset="0"/>
+              </a:defRPr>
+            </a:lvl4pPr>
+            <a:lvl5pPr marL="2057400" indent="-228600">
+              <a:defRPr>
+                <a:solidFill>
+                  <a:schemeClr val="tx1"/>
+                </a:solidFill>
+                <a:latin typeface="Calibri" panose="020F0502020204030204" pitchFamily="34" charset="0"/>
+              </a:defRPr>
+            </a:lvl5pPr>
+            <a:lvl6pPr marL="2514600" indent="-228600" eaLnBrk="0" fontAlgn="base" hangingPunct="0">
+              <a:spcBef>
+                <a:spcPct val="0"/>
+              </a:spcBef>
+              <a:spcAft>
+                <a:spcPct val="0"/>
+              </a:spcAft>
+              <a:defRPr>
+                <a:solidFill>
+                  <a:schemeClr val="tx1"/>
+                </a:solidFill>
+                <a:latin typeface="Calibri" panose="020F0502020204030204" pitchFamily="34" charset="0"/>
+              </a:defRPr>
+            </a:lvl6pPr>
+            <a:lvl7pPr marL="2971800" indent="-228600" eaLnBrk="0" fontAlgn="base" hangingPunct="0">
+              <a:spcBef>
+                <a:spcPct val="0"/>
+              </a:spcBef>
+              <a:spcAft>
+                <a:spcPct val="0"/>
+              </a:spcAft>
+              <a:defRPr>
+                <a:solidFill>
+                  <a:schemeClr val="tx1"/>
+                </a:solidFill>
+                <a:latin typeface="Calibri" panose="020F0502020204030204" pitchFamily="34" charset="0"/>
+              </a:defRPr>
+            </a:lvl7pPr>
+            <a:lvl8pPr marL="3429000" indent="-228600" eaLnBrk="0" fontAlgn="base" hangingPunct="0">
+              <a:spcBef>
+                <a:spcPct val="0"/>
+              </a:spcBef>
+              <a:spcAft>
+                <a:spcPct val="0"/>
+              </a:spcAft>
+              <a:defRPr>
+                <a:solidFill>
+                  <a:schemeClr val="tx1"/>
+                </a:solidFill>
+                <a:latin typeface="Calibri" panose="020F0502020204030204" pitchFamily="34" charset="0"/>
+              </a:defRPr>
+            </a:lvl8pPr>
+            <a:lvl9pPr marL="3886200" indent="-228600" eaLnBrk="0" fontAlgn="base" hangingPunct="0">
+              <a:spcBef>
+                <a:spcPct val="0"/>
+              </a:spcBef>
+              <a:spcAft>
+                <a:spcPct val="0"/>
+              </a:spcAft>
+              <a:defRPr>
+                <a:solidFill>
+                  <a:schemeClr val="tx1"/>
+                </a:solidFill>
+                <a:latin typeface="Calibri" panose="020F0502020204030204" pitchFamily="34" charset="0"/>
+              </a:defRPr>
+            </a:lvl9pPr>
+          </a:lstStyle>
+          <a:p>
+            <a:pPr algn="ctr" eaLnBrk="1" hangingPunct="1"/>
+            <a:r>
+              <a:rPr lang="en-US" altLang="en-US" sz="1100" dirty="0">
+                <a:latin typeface="+mj-lt"/>
+                <a:ea typeface="Amazon Ember" panose="020B0603020204020204" pitchFamily="34" charset="0"/>
+                <a:cs typeface="Arial" panose="020B0604020202020204" pitchFamily="34" charset="0"/>
+              </a:rPr>
+              <a:t>Event</a:t>
+            </a:r>
+          </a:p>
+        </p:txBody>
+      </p:sp>
+      <p:pic>
+        <p:nvPicPr>
+          <p:cNvPr id="28" name="Graphic 8">
+            <a:extLst>
+              <a:ext uri="{FF2B5EF4-FFF2-40B4-BE49-F238E27FC236}">
+                <a16:creationId xmlns:a16="http://schemas.microsoft.com/office/drawing/2014/main" id="{B3D8B975-7294-4E67-95FE-13378835B7BD}"/>
+              </a:ext>
+            </a:extLst>
+          </p:cNvPr>
+          <p:cNvPicPr>
+            <a:picLocks noChangeAspect="1" noChangeArrowheads="1"/>
+          </p:cNvPicPr>
+          <p:nvPr/>
+        </p:nvPicPr>
+        <p:blipFill>
+          <a:blip r:embed="rId10">
+            <a:extLst>
+              <a:ext uri="{28A0092B-C50C-407E-A947-70E740481C1C}">
+                <a14:useLocalDpi xmlns:a14="http://schemas.microsoft.com/office/drawing/2010/main" val="0"/>
+              </a:ext>
+            </a:extLst>
+          </a:blip>
+          <a:srcRect/>
+          <a:stretch>
+            <a:fillRect/>
+          </a:stretch>
+        </p:blipFill>
+        <p:spPr bwMode="auto">
+          <a:xfrm>
+            <a:off x="9212498" y="2493694"/>
+            <a:ext cx="457200" cy="457200"/>
+          </a:xfrm>
+          <a:prstGeom prst="rect">
+            <a:avLst/>
+          </a:prstGeom>
+          <a:noFill/>
+          <a:ln>
+            <a:noFill/>
+          </a:ln>
+          <a:extLst>
+            <a:ext uri="{909E8E84-426E-40DD-AFC4-6F175D3DCCD1}">
+              <a14:hiddenFill xmlns:a14="http://schemas.microsoft.com/office/drawing/2010/main">
+                <a:solidFill>
+                  <a:srgbClr val="FFFFFF"/>
+                </a:solidFill>
+              </a14:hiddenFill>
+            </a:ext>
+            <a:ext uri="{91240B29-F687-4F45-9708-019B960494DF}">
+              <a14:hiddenLine xmlns:a14="http://schemas.microsoft.com/office/drawing/2010/main" w="9525">
+                <a:solidFill>
+                  <a:srgbClr val="000000"/>
+                </a:solidFill>
+                <a:miter lim="800000"/>
+                <a:headEnd/>
+                <a:tailEnd/>
+              </a14:hiddenLine>
+            </a:ext>
+          </a:extLst>
+        </p:spPr>
+      </p:pic>
+      <p:sp>
+        <p:nvSpPr>
+          <p:cNvPr id="31" name="TextBox 30">
+            <a:extLst>
+              <a:ext uri="{FF2B5EF4-FFF2-40B4-BE49-F238E27FC236}">
+                <a16:creationId xmlns:a16="http://schemas.microsoft.com/office/drawing/2014/main" id="{B488A54A-C4B6-4A40-9C50-48EB51367B17}"/>
+              </a:ext>
+            </a:extLst>
+          </p:cNvPr>
+          <p:cNvSpPr txBox="1"/>
+          <p:nvPr/>
+        </p:nvSpPr>
+        <p:spPr>
+          <a:xfrm>
+            <a:off x="3462351" y="4643612"/>
+            <a:ext cx="739370" cy="261610"/>
+          </a:xfrm>
+          <a:prstGeom prst="rect">
+            <a:avLst/>
+          </a:prstGeom>
+          <a:noFill/>
+        </p:spPr>
+        <p:txBody>
+          <a:bodyPr wrap="square" rtlCol="0">
+            <a:spAutoFit/>
+          </a:bodyPr>
+          <a:lstStyle/>
+          <a:p>
+            <a:pPr algn="ctr"/>
+            <a:r>
+              <a:rPr lang="en-US" sz="1100" dirty="0">
+                <a:latin typeface="+mj-lt"/>
+              </a:rPr>
+              <a:t>IAM Role</a:t>
+            </a:r>
+          </a:p>
+        </p:txBody>
+      </p:sp>
+      <p:pic>
+        <p:nvPicPr>
+          <p:cNvPr id="32" name="Graphic 31">
+            <a:extLst>
+              <a:ext uri="{FF2B5EF4-FFF2-40B4-BE49-F238E27FC236}">
+                <a16:creationId xmlns:a16="http://schemas.microsoft.com/office/drawing/2014/main" id="{F572B6F8-F5FC-4C5D-821F-C7829EA71E3A}"/>
+              </a:ext>
+            </a:extLst>
+          </p:cNvPr>
+          <p:cNvPicPr>
+            <a:picLocks noChangeAspect="1"/>
+          </p:cNvPicPr>
+          <p:nvPr/>
+        </p:nvPicPr>
+        <p:blipFill>
+          <a:blip r:embed="rId13">
+            <a:extLst>
+              <a:ext uri="{96DAC541-7B7A-43D3-8B79-37D633B846F1}">
+                <asvg:svgBlip xmlns:asvg="http://schemas.microsoft.com/office/drawing/2016/SVG/main" r:embed="rId14"/>
+              </a:ext>
+            </a:extLst>
+          </a:blip>
+          <a:stretch>
+            <a:fillRect/>
+          </a:stretch>
+        </p:blipFill>
+        <p:spPr>
+          <a:xfrm>
+            <a:off x="3649156" y="4125565"/>
+            <a:ext cx="365760" cy="365760"/>
+          </a:xfrm>
+          <a:prstGeom prst="rect">
+            <a:avLst/>
+          </a:prstGeom>
+        </p:spPr>
+      </p:pic>
+      <p:pic>
+        <p:nvPicPr>
+          <p:cNvPr id="33" name="Graphic 10">
+            <a:extLst>
+              <a:ext uri="{FF2B5EF4-FFF2-40B4-BE49-F238E27FC236}">
+                <a16:creationId xmlns:a16="http://schemas.microsoft.com/office/drawing/2014/main" id="{D9A32C67-D285-4F19-8027-A63B94D40030}"/>
+              </a:ext>
+            </a:extLst>
+          </p:cNvPr>
+          <p:cNvPicPr>
+            <a:picLocks noChangeAspect="1" noChangeArrowheads="1"/>
+          </p:cNvPicPr>
+          <p:nvPr/>
+        </p:nvPicPr>
+        <p:blipFill>
+          <a:blip r:embed="rId9">
+            <a:extLst>
+              <a:ext uri="{28A0092B-C50C-407E-A947-70E740481C1C}">
+                <a14:useLocalDpi xmlns:a14="http://schemas.microsoft.com/office/drawing/2010/main" val="0"/>
+              </a:ext>
+            </a:extLst>
+          </a:blip>
+          <a:srcRect/>
+          <a:stretch>
+            <a:fillRect/>
+          </a:stretch>
+        </p:blipFill>
+        <p:spPr bwMode="auto">
+          <a:xfrm>
+            <a:off x="7454784" y="3988405"/>
+            <a:ext cx="640080" cy="640080"/>
+          </a:xfrm>
+          <a:prstGeom prst="rect">
+            <a:avLst/>
+          </a:prstGeom>
+          <a:noFill/>
+          <a:ln>
+            <a:noFill/>
+          </a:ln>
+          <a:extLst>
+            <a:ext uri="{909E8E84-426E-40DD-AFC4-6F175D3DCCD1}">
+              <a14:hiddenFill xmlns:a14="http://schemas.microsoft.com/office/drawing/2010/main">
+                <a:solidFill>
+                  <a:srgbClr val="FFFFFF"/>
+                </a:solidFill>
+              </a14:hiddenFill>
+            </a:ext>
+            <a:ext uri="{91240B29-F687-4F45-9708-019B960494DF}">
+              <a14:hiddenLine xmlns:a14="http://schemas.microsoft.com/office/drawing/2010/main" w="9525">
+                <a:solidFill>
+                  <a:srgbClr val="000000"/>
+                </a:solidFill>
+                <a:miter lim="800000"/>
+                <a:headEnd/>
+                <a:tailEnd/>
+              </a14:hiddenLine>
+            </a:ext>
+          </a:extLst>
+        </p:spPr>
+      </p:pic>
+      <p:sp>
+        <p:nvSpPr>
+          <p:cNvPr id="34" name="TextBox 20">
+            <a:extLst>
+              <a:ext uri="{FF2B5EF4-FFF2-40B4-BE49-F238E27FC236}">
+                <a16:creationId xmlns:a16="http://schemas.microsoft.com/office/drawing/2014/main" id="{2ADB5ED4-E58D-4949-AAA4-40C5285BF877}"/>
+              </a:ext>
+            </a:extLst>
+          </p:cNvPr>
+          <p:cNvSpPr txBox="1">
+            <a:spLocks noChangeArrowheads="1"/>
+          </p:cNvSpPr>
+          <p:nvPr/>
+        </p:nvSpPr>
+        <p:spPr bwMode="auto">
+          <a:xfrm>
+            <a:off x="7303888" y="4638160"/>
+            <a:ext cx="941870" cy="261610"/>
+          </a:xfrm>
+          <a:prstGeom prst="rect">
+            <a:avLst/>
+          </a:prstGeom>
+          <a:noFill/>
+          <a:ln>
+            <a:noFill/>
+          </a:ln>
+          <a:extLst>
+            <a:ext uri="{909E8E84-426E-40DD-AFC4-6F175D3DCCD1}">
+              <a14:hiddenFill xmlns:a14="http://schemas.microsoft.com/office/drawing/2010/main">
+                <a:solidFill>
+                  <a:srgbClr val="FFFFFF"/>
+                </a:solidFill>
+              </a14:hiddenFill>
+            </a:ext>
+            <a:ext uri="{91240B29-F687-4F45-9708-019B960494DF}">
+              <a14:hiddenLine xmlns:a14="http://schemas.microsoft.com/office/drawing/2010/main" w="9525">
+                <a:solidFill>
+                  <a:srgbClr val="000000"/>
+                </a:solidFill>
+                <a:miter lim="800000"/>
+                <a:headEnd/>
+                <a:tailEnd/>
+              </a14:hiddenLine>
+            </a:ext>
+          </a:extLst>
+        </p:spPr>
+        <p:txBody>
+          <a:bodyPr wrap="square">
+            <a:spAutoFit/>
+          </a:bodyPr>
+          <a:lstStyle>
+            <a:lvl1pPr>
+              <a:defRPr>
+                <a:solidFill>
+                  <a:schemeClr val="tx1"/>
+                </a:solidFill>
+                <a:latin typeface="Calibri" panose="020F0502020204030204" pitchFamily="34" charset="0"/>
+              </a:defRPr>
+            </a:lvl1pPr>
+            <a:lvl2pPr marL="742950" indent="-285750">
+              <a:defRPr>
+                <a:solidFill>
+                  <a:schemeClr val="tx1"/>
+                </a:solidFill>
+                <a:latin typeface="Calibri" panose="020F0502020204030204" pitchFamily="34" charset="0"/>
+              </a:defRPr>
+            </a:lvl2pPr>
+            <a:lvl3pPr marL="1143000" indent="-228600">
+              <a:defRPr>
+                <a:solidFill>
+                  <a:schemeClr val="tx1"/>
+                </a:solidFill>
+                <a:latin typeface="Calibri" panose="020F0502020204030204" pitchFamily="34" charset="0"/>
+              </a:defRPr>
+            </a:lvl3pPr>
+            <a:lvl4pPr marL="1600200" indent="-228600">
+              <a:defRPr>
+                <a:solidFill>
+                  <a:schemeClr val="tx1"/>
+                </a:solidFill>
+                <a:latin typeface="Calibri" panose="020F0502020204030204" pitchFamily="34" charset="0"/>
+              </a:defRPr>
+            </a:lvl4pPr>
+            <a:lvl5pPr marL="2057400" indent="-228600">
+              <a:defRPr>
+                <a:solidFill>
+                  <a:schemeClr val="tx1"/>
+                </a:solidFill>
+                <a:latin typeface="Calibri" panose="020F0502020204030204" pitchFamily="34" charset="0"/>
+              </a:defRPr>
+            </a:lvl5pPr>
+            <a:lvl6pPr marL="2514600" indent="-228600" eaLnBrk="0" fontAlgn="base" hangingPunct="0">
+              <a:spcBef>
+                <a:spcPct val="0"/>
+              </a:spcBef>
+              <a:spcAft>
+                <a:spcPct val="0"/>
+              </a:spcAft>
+              <a:defRPr>
+                <a:solidFill>
+                  <a:schemeClr val="tx1"/>
+                </a:solidFill>
+                <a:latin typeface="Calibri" panose="020F0502020204030204" pitchFamily="34" charset="0"/>
+              </a:defRPr>
+            </a:lvl6pPr>
+            <a:lvl7pPr marL="2971800" indent="-228600" eaLnBrk="0" fontAlgn="base" hangingPunct="0">
+              <a:spcBef>
+                <a:spcPct val="0"/>
+              </a:spcBef>
+              <a:spcAft>
+                <a:spcPct val="0"/>
+              </a:spcAft>
+              <a:defRPr>
+                <a:solidFill>
+                  <a:schemeClr val="tx1"/>
+                </a:solidFill>
+                <a:latin typeface="Calibri" panose="020F0502020204030204" pitchFamily="34" charset="0"/>
+              </a:defRPr>
+            </a:lvl7pPr>
+            <a:lvl8pPr marL="3429000" indent="-228600" eaLnBrk="0" fontAlgn="base" hangingPunct="0">
+              <a:spcBef>
+                <a:spcPct val="0"/>
+              </a:spcBef>
+              <a:spcAft>
+                <a:spcPct val="0"/>
+              </a:spcAft>
+              <a:defRPr>
+                <a:solidFill>
+                  <a:schemeClr val="tx1"/>
+                </a:solidFill>
+                <a:latin typeface="Calibri" panose="020F0502020204030204" pitchFamily="34" charset="0"/>
+              </a:defRPr>
+            </a:lvl8pPr>
+            <a:lvl9pPr marL="3886200" indent="-228600" eaLnBrk="0" fontAlgn="base" hangingPunct="0">
+              <a:spcBef>
+                <a:spcPct val="0"/>
+              </a:spcBef>
+              <a:spcAft>
+                <a:spcPct val="0"/>
+              </a:spcAft>
+              <a:defRPr>
+                <a:solidFill>
+                  <a:schemeClr val="tx1"/>
+                </a:solidFill>
+                <a:latin typeface="Calibri" panose="020F0502020204030204" pitchFamily="34" charset="0"/>
+              </a:defRPr>
+            </a:lvl9pPr>
+          </a:lstStyle>
+          <a:p>
+            <a:pPr algn="ctr" eaLnBrk="1" hangingPunct="1"/>
+            <a:r>
+              <a:rPr lang="en-US" altLang="en-US" sz="1100" dirty="0">
+                <a:latin typeface="+mj-lt"/>
+                <a:ea typeface="Amazon Ember" panose="020B0603020204020204" pitchFamily="34" charset="0"/>
+                <a:cs typeface="Arial" panose="020B0604020202020204" pitchFamily="34" charset="0"/>
+              </a:rPr>
+              <a:t>AWS Lambda</a:t>
+            </a:r>
+          </a:p>
+        </p:txBody>
+      </p:sp>
+      <p:pic>
+        <p:nvPicPr>
+          <p:cNvPr id="35" name="Graphic 19">
+            <a:extLst>
+              <a:ext uri="{FF2B5EF4-FFF2-40B4-BE49-F238E27FC236}">
+                <a16:creationId xmlns:a16="http://schemas.microsoft.com/office/drawing/2014/main" id="{A79E73FF-EB74-40D8-A99B-27FEE16E7070}"/>
+              </a:ext>
+            </a:extLst>
+          </p:cNvPr>
+          <p:cNvPicPr>
+            <a:picLocks noChangeAspect="1" noChangeArrowheads="1"/>
+          </p:cNvPicPr>
+          <p:nvPr/>
+        </p:nvPicPr>
+        <p:blipFill>
+          <a:blip r:embed="rId11">
+            <a:extLst>
+              <a:ext uri="{28A0092B-C50C-407E-A947-70E740481C1C}">
+                <a14:useLocalDpi xmlns:a14="http://schemas.microsoft.com/office/drawing/2010/main" val="0"/>
+              </a:ext>
+            </a:extLst>
+          </a:blip>
+          <a:srcRect/>
+          <a:stretch>
+            <a:fillRect/>
+          </a:stretch>
+        </p:blipFill>
+        <p:spPr bwMode="auto">
+          <a:xfrm>
+            <a:off x="3511996" y="5399140"/>
+            <a:ext cx="640080" cy="640080"/>
+          </a:xfrm>
+          <a:prstGeom prst="rect">
+            <a:avLst/>
+          </a:prstGeom>
+          <a:noFill/>
+          <a:ln>
+            <a:noFill/>
+          </a:ln>
+          <a:extLst>
+            <a:ext uri="{909E8E84-426E-40DD-AFC4-6F175D3DCCD1}">
+              <a14:hiddenFill xmlns:a14="http://schemas.microsoft.com/office/drawing/2010/main">
+                <a:solidFill>
+                  <a:srgbClr val="FFFFFF"/>
+                </a:solidFill>
+              </a14:hiddenFill>
+            </a:ext>
+            <a:ext uri="{91240B29-F687-4F45-9708-019B960494DF}">
+              <a14:hiddenLine xmlns:a14="http://schemas.microsoft.com/office/drawing/2010/main" w="9525">
+                <a:solidFill>
+                  <a:srgbClr val="000000"/>
+                </a:solidFill>
+                <a:miter lim="800000"/>
+                <a:headEnd/>
+                <a:tailEnd/>
+              </a14:hiddenLine>
+            </a:ext>
+          </a:extLst>
+        </p:spPr>
+      </p:pic>
+      <p:sp>
+        <p:nvSpPr>
+          <p:cNvPr id="36" name="TextBox 12">
+            <a:extLst>
+              <a:ext uri="{FF2B5EF4-FFF2-40B4-BE49-F238E27FC236}">
+                <a16:creationId xmlns:a16="http://schemas.microsoft.com/office/drawing/2014/main" id="{71668B63-AF7E-48D1-B204-B28FE592C432}"/>
+              </a:ext>
+            </a:extLst>
+          </p:cNvPr>
+          <p:cNvSpPr txBox="1">
+            <a:spLocks noChangeArrowheads="1"/>
+          </p:cNvSpPr>
+          <p:nvPr/>
+        </p:nvSpPr>
+        <p:spPr bwMode="auto">
+          <a:xfrm>
+            <a:off x="3227198" y="6037470"/>
+            <a:ext cx="1209675" cy="430887"/>
+          </a:xfrm>
+          <a:prstGeom prst="rect">
+            <a:avLst/>
+          </a:prstGeom>
+          <a:noFill/>
+          <a:ln>
+            <a:noFill/>
+          </a:ln>
+          <a:extLst>
+            <a:ext uri="{909E8E84-426E-40DD-AFC4-6F175D3DCCD1}">
+              <a14:hiddenFill xmlns:a14="http://schemas.microsoft.com/office/drawing/2010/main">
+                <a:solidFill>
+                  <a:srgbClr val="FFFFFF"/>
+                </a:solidFill>
+              </a14:hiddenFill>
+            </a:ext>
+            <a:ext uri="{91240B29-F687-4F45-9708-019B960494DF}">
+              <a14:hiddenLine xmlns:a14="http://schemas.microsoft.com/office/drawing/2010/main" w="9525">
+                <a:solidFill>
+                  <a:srgbClr val="000000"/>
+                </a:solidFill>
+                <a:miter lim="800000"/>
+                <a:headEnd/>
+                <a:tailEnd/>
+              </a14:hiddenLine>
+            </a:ext>
+          </a:extLst>
+        </p:spPr>
+        <p:txBody>
+          <a:bodyPr wrap="square">
+            <a:spAutoFit/>
+          </a:bodyPr>
+          <a:lstStyle>
+            <a:lvl1pPr>
+              <a:defRPr>
+                <a:solidFill>
+                  <a:schemeClr val="tx1"/>
+                </a:solidFill>
+                <a:latin typeface="Calibri" panose="020F0502020204030204" pitchFamily="34" charset="0"/>
+              </a:defRPr>
+            </a:lvl1pPr>
+            <a:lvl2pPr marL="742950" indent="-285750">
+              <a:defRPr>
+                <a:solidFill>
+                  <a:schemeClr val="tx1"/>
+                </a:solidFill>
+                <a:latin typeface="Calibri" panose="020F0502020204030204" pitchFamily="34" charset="0"/>
+              </a:defRPr>
+            </a:lvl2pPr>
+            <a:lvl3pPr marL="1143000" indent="-228600">
+              <a:defRPr>
+                <a:solidFill>
+                  <a:schemeClr val="tx1"/>
+                </a:solidFill>
+                <a:latin typeface="Calibri" panose="020F0502020204030204" pitchFamily="34" charset="0"/>
+              </a:defRPr>
+            </a:lvl3pPr>
+            <a:lvl4pPr marL="1600200" indent="-228600">
+              <a:defRPr>
+                <a:solidFill>
+                  <a:schemeClr val="tx1"/>
+                </a:solidFill>
+                <a:latin typeface="Calibri" panose="020F0502020204030204" pitchFamily="34" charset="0"/>
+              </a:defRPr>
+            </a:lvl4pPr>
+            <a:lvl5pPr marL="2057400" indent="-228600">
+              <a:defRPr>
+                <a:solidFill>
+                  <a:schemeClr val="tx1"/>
+                </a:solidFill>
+                <a:latin typeface="Calibri" panose="020F0502020204030204" pitchFamily="34" charset="0"/>
+              </a:defRPr>
+            </a:lvl5pPr>
+            <a:lvl6pPr marL="2514600" indent="-228600" eaLnBrk="0" fontAlgn="base" hangingPunct="0">
+              <a:spcBef>
+                <a:spcPct val="0"/>
+              </a:spcBef>
+              <a:spcAft>
+                <a:spcPct val="0"/>
+              </a:spcAft>
+              <a:defRPr>
+                <a:solidFill>
+                  <a:schemeClr val="tx1"/>
+                </a:solidFill>
+                <a:latin typeface="Calibri" panose="020F0502020204030204" pitchFamily="34" charset="0"/>
+              </a:defRPr>
+            </a:lvl6pPr>
+            <a:lvl7pPr marL="2971800" indent="-228600" eaLnBrk="0" fontAlgn="base" hangingPunct="0">
+              <a:spcBef>
+                <a:spcPct val="0"/>
+              </a:spcBef>
+              <a:spcAft>
+                <a:spcPct val="0"/>
+              </a:spcAft>
+              <a:defRPr>
+                <a:solidFill>
+                  <a:schemeClr val="tx1"/>
+                </a:solidFill>
+                <a:latin typeface="Calibri" panose="020F0502020204030204" pitchFamily="34" charset="0"/>
+              </a:defRPr>
+            </a:lvl7pPr>
+            <a:lvl8pPr marL="3429000" indent="-228600" eaLnBrk="0" fontAlgn="base" hangingPunct="0">
+              <a:spcBef>
+                <a:spcPct val="0"/>
+              </a:spcBef>
+              <a:spcAft>
+                <a:spcPct val="0"/>
+              </a:spcAft>
+              <a:defRPr>
+                <a:solidFill>
+                  <a:schemeClr val="tx1"/>
+                </a:solidFill>
+                <a:latin typeface="Calibri" panose="020F0502020204030204" pitchFamily="34" charset="0"/>
+              </a:defRPr>
+            </a:lvl8pPr>
+            <a:lvl9pPr marL="3886200" indent="-228600" eaLnBrk="0" fontAlgn="base" hangingPunct="0">
+              <a:spcBef>
+                <a:spcPct val="0"/>
+              </a:spcBef>
+              <a:spcAft>
+                <a:spcPct val="0"/>
+              </a:spcAft>
+              <a:defRPr>
+                <a:solidFill>
+                  <a:schemeClr val="tx1"/>
+                </a:solidFill>
+                <a:latin typeface="Calibri" panose="020F0502020204030204" pitchFamily="34" charset="0"/>
+              </a:defRPr>
+            </a:lvl9pPr>
+          </a:lstStyle>
+          <a:p>
+            <a:pPr algn="ctr" eaLnBrk="1" hangingPunct="1"/>
+            <a:r>
+              <a:rPr lang="en-US" altLang="en-US" sz="1100" dirty="0">
+                <a:latin typeface="+mj-lt"/>
+                <a:ea typeface="Amazon Ember" panose="020B0603020204020204" pitchFamily="34" charset="0"/>
+                <a:cs typeface="Arial" panose="020B0604020202020204" pitchFamily="34" charset="0"/>
+              </a:rPr>
+              <a:t>AWS Security Hub</a:t>
+            </a:r>
+          </a:p>
+          <a:p>
+            <a:pPr algn="ctr" eaLnBrk="1" hangingPunct="1"/>
+            <a:r>
+              <a:rPr lang="en-US" altLang="en-US" sz="1100" dirty="0">
+                <a:latin typeface="+mj-lt"/>
+                <a:ea typeface="Amazon Ember" panose="020B0603020204020204" pitchFamily="34" charset="0"/>
+                <a:cs typeface="Arial" panose="020B0604020202020204" pitchFamily="34" charset="0"/>
+              </a:rPr>
+              <a:t>Master</a:t>
+            </a:r>
+          </a:p>
+        </p:txBody>
+      </p:sp>
+      <p:cxnSp>
+        <p:nvCxnSpPr>
+          <p:cNvPr id="38" name="Straight Arrow Connector 37">
+            <a:extLst>
+              <a:ext uri="{FF2B5EF4-FFF2-40B4-BE49-F238E27FC236}">
+                <a16:creationId xmlns:a16="http://schemas.microsoft.com/office/drawing/2014/main" id="{A175466B-FFEA-4C94-9AD4-3D4734C60371}"/>
+              </a:ext>
+            </a:extLst>
+          </p:cNvPr>
+          <p:cNvCxnSpPr>
+            <a:stCxn id="21" idx="1"/>
+            <a:endCxn id="18" idx="3"/>
+          </p:cNvCxnSpPr>
+          <p:nvPr/>
+        </p:nvCxnSpPr>
+        <p:spPr>
+          <a:xfrm flipH="1">
+            <a:off x="4152076" y="2722294"/>
+            <a:ext cx="1121446" cy="0"/>
+          </a:xfrm>
+          <a:prstGeom prst="straightConnector1">
+            <a:avLst/>
+          </a:prstGeom>
+          <a:ln>
+            <a:solidFill>
+              <a:schemeClr val="tx1"/>
+            </a:solidFill>
+            <a:tailEnd type="triangle"/>
+          </a:ln>
+        </p:spPr>
+        <p:style>
+          <a:lnRef idx="1">
+            <a:schemeClr val="accent1"/>
+          </a:lnRef>
+          <a:fillRef idx="0">
+            <a:schemeClr val="accent1"/>
+          </a:fillRef>
+          <a:effectRef idx="0">
+            <a:schemeClr val="accent1"/>
+          </a:effectRef>
+          <a:fontRef idx="minor">
+            <a:schemeClr val="tx1"/>
+          </a:fontRef>
+        </p:style>
+      </p:cxnSp>
+      <p:cxnSp>
+        <p:nvCxnSpPr>
+          <p:cNvPr id="40" name="Straight Arrow Connector 39">
+            <a:extLst>
+              <a:ext uri="{FF2B5EF4-FFF2-40B4-BE49-F238E27FC236}">
+                <a16:creationId xmlns:a16="http://schemas.microsoft.com/office/drawing/2014/main" id="{46EA9DEF-2663-4109-8FEE-B697E19D2BA8}"/>
+              </a:ext>
+            </a:extLst>
+          </p:cNvPr>
+          <p:cNvCxnSpPr>
+            <a:stCxn id="7" idx="2"/>
+            <a:endCxn id="18" idx="0"/>
+          </p:cNvCxnSpPr>
+          <p:nvPr/>
+        </p:nvCxnSpPr>
+        <p:spPr>
+          <a:xfrm flipH="1">
+            <a:off x="3832036" y="1268652"/>
+            <a:ext cx="1" cy="1133602"/>
+          </a:xfrm>
+          <a:prstGeom prst="straightConnector1">
+            <a:avLst/>
+          </a:prstGeom>
+          <a:ln>
+            <a:solidFill>
+              <a:schemeClr val="tx1"/>
+            </a:solidFill>
+            <a:headEnd type="triangle"/>
+            <a:tailEnd type="triangle"/>
+          </a:ln>
+        </p:spPr>
+        <p:style>
+          <a:lnRef idx="1">
+            <a:schemeClr val="accent1"/>
+          </a:lnRef>
+          <a:fillRef idx="0">
+            <a:schemeClr val="accent1"/>
+          </a:fillRef>
+          <a:effectRef idx="0">
+            <a:schemeClr val="accent1"/>
+          </a:effectRef>
+          <a:fontRef idx="minor">
+            <a:schemeClr val="tx1"/>
+          </a:fontRef>
+        </p:style>
+      </p:cxnSp>
+      <p:cxnSp>
+        <p:nvCxnSpPr>
+          <p:cNvPr id="42" name="Straight Arrow Connector 41">
+            <a:extLst>
+              <a:ext uri="{FF2B5EF4-FFF2-40B4-BE49-F238E27FC236}">
+                <a16:creationId xmlns:a16="http://schemas.microsoft.com/office/drawing/2014/main" id="{354A8185-7899-45BE-A366-8297D19F289F}"/>
+              </a:ext>
+            </a:extLst>
+          </p:cNvPr>
+          <p:cNvCxnSpPr>
+            <a:stCxn id="14" idx="2"/>
+            <a:endCxn id="15" idx="0"/>
+          </p:cNvCxnSpPr>
+          <p:nvPr/>
+        </p:nvCxnSpPr>
+        <p:spPr>
+          <a:xfrm>
+            <a:off x="2070510" y="3303944"/>
+            <a:ext cx="0" cy="684461"/>
+          </a:xfrm>
+          <a:prstGeom prst="straightConnector1">
+            <a:avLst/>
+          </a:prstGeom>
+          <a:ln>
+            <a:solidFill>
+              <a:schemeClr val="tx1"/>
+            </a:solidFill>
+            <a:tailEnd type="triangle"/>
+          </a:ln>
+        </p:spPr>
+        <p:style>
+          <a:lnRef idx="1">
+            <a:schemeClr val="accent1"/>
+          </a:lnRef>
+          <a:fillRef idx="0">
+            <a:schemeClr val="accent1"/>
+          </a:fillRef>
+          <a:effectRef idx="0">
+            <a:schemeClr val="accent1"/>
+          </a:effectRef>
+          <a:fontRef idx="minor">
+            <a:schemeClr val="tx1"/>
+          </a:fontRef>
+        </p:style>
+      </p:cxnSp>
+      <p:cxnSp>
+        <p:nvCxnSpPr>
+          <p:cNvPr id="44" name="Connector: Elbow 43">
+            <a:extLst>
+              <a:ext uri="{FF2B5EF4-FFF2-40B4-BE49-F238E27FC236}">
+                <a16:creationId xmlns:a16="http://schemas.microsoft.com/office/drawing/2014/main" id="{554A1E1D-7CD5-4D8D-BF10-1C63F8651411}"/>
+              </a:ext>
+            </a:extLst>
+          </p:cNvPr>
+          <p:cNvCxnSpPr>
+            <a:stCxn id="19" idx="2"/>
+            <a:endCxn id="15" idx="0"/>
+          </p:cNvCxnSpPr>
+          <p:nvPr/>
+        </p:nvCxnSpPr>
+        <p:spPr>
+          <a:xfrm rot="5400000">
+            <a:off x="2609043" y="2765411"/>
+            <a:ext cx="684461" cy="1761526"/>
+          </a:xfrm>
+          <a:prstGeom prst="bentConnector3">
+            <a:avLst/>
+          </a:prstGeom>
+          <a:ln>
+            <a:solidFill>
+              <a:schemeClr val="tx1"/>
+            </a:solidFill>
+            <a:tailEnd type="triangle"/>
+          </a:ln>
+        </p:spPr>
+        <p:style>
+          <a:lnRef idx="1">
+            <a:schemeClr val="accent1"/>
+          </a:lnRef>
+          <a:fillRef idx="0">
+            <a:schemeClr val="accent1"/>
+          </a:fillRef>
+          <a:effectRef idx="0">
+            <a:schemeClr val="accent1"/>
+          </a:effectRef>
+          <a:fontRef idx="minor">
+            <a:schemeClr val="tx1"/>
+          </a:fontRef>
+        </p:style>
+      </p:cxnSp>
+      <p:cxnSp>
+        <p:nvCxnSpPr>
+          <p:cNvPr id="46" name="Straight Arrow Connector 45">
+            <a:extLst>
+              <a:ext uri="{FF2B5EF4-FFF2-40B4-BE49-F238E27FC236}">
+                <a16:creationId xmlns:a16="http://schemas.microsoft.com/office/drawing/2014/main" id="{F61BEAEB-0C63-42B5-AAEB-E28DFC90AF0D}"/>
+              </a:ext>
+            </a:extLst>
+          </p:cNvPr>
+          <p:cNvCxnSpPr>
+            <a:stCxn id="24" idx="3"/>
+            <a:endCxn id="28" idx="1"/>
+          </p:cNvCxnSpPr>
+          <p:nvPr/>
+        </p:nvCxnSpPr>
+        <p:spPr>
+          <a:xfrm>
+            <a:off x="8094864" y="2722294"/>
+            <a:ext cx="1117634" cy="0"/>
+          </a:xfrm>
+          <a:prstGeom prst="straightConnector1">
+            <a:avLst/>
+          </a:prstGeom>
+          <a:ln>
+            <a:solidFill>
+              <a:schemeClr val="tx1"/>
+            </a:solidFill>
+            <a:tailEnd type="triangle"/>
+          </a:ln>
+        </p:spPr>
+        <p:style>
+          <a:lnRef idx="1">
+            <a:schemeClr val="accent1"/>
+          </a:lnRef>
+          <a:fillRef idx="0">
+            <a:schemeClr val="accent1"/>
+          </a:fillRef>
+          <a:effectRef idx="0">
+            <a:schemeClr val="accent1"/>
+          </a:effectRef>
+          <a:fontRef idx="minor">
+            <a:schemeClr val="tx1"/>
+          </a:fontRef>
+        </p:style>
+      </p:cxnSp>
+      <p:cxnSp>
+        <p:nvCxnSpPr>
+          <p:cNvPr id="48" name="Connector: Elbow 47">
+            <a:extLst>
+              <a:ext uri="{FF2B5EF4-FFF2-40B4-BE49-F238E27FC236}">
+                <a16:creationId xmlns:a16="http://schemas.microsoft.com/office/drawing/2014/main" id="{7408BA15-8715-4C7D-8589-3C9F1E9CAC98}"/>
+              </a:ext>
+            </a:extLst>
+          </p:cNvPr>
+          <p:cNvCxnSpPr>
+            <a:stCxn id="27" idx="2"/>
+            <a:endCxn id="33" idx="3"/>
+          </p:cNvCxnSpPr>
+          <p:nvPr/>
+        </p:nvCxnSpPr>
+        <p:spPr>
+          <a:xfrm rot="5400000">
+            <a:off x="8265731" y="3133077"/>
+            <a:ext cx="1004501" cy="1346234"/>
+          </a:xfrm>
+          <a:prstGeom prst="bentConnector2">
+            <a:avLst/>
+          </a:prstGeom>
+          <a:ln>
+            <a:solidFill>
+              <a:schemeClr val="tx1"/>
+            </a:solidFill>
+            <a:tailEnd type="triangle"/>
+          </a:ln>
+        </p:spPr>
+        <p:style>
+          <a:lnRef idx="1">
+            <a:schemeClr val="accent1"/>
+          </a:lnRef>
+          <a:fillRef idx="0">
+            <a:schemeClr val="accent1"/>
+          </a:fillRef>
+          <a:effectRef idx="0">
+            <a:schemeClr val="accent1"/>
+          </a:effectRef>
+          <a:fontRef idx="minor">
+            <a:schemeClr val="tx1"/>
+          </a:fontRef>
+        </p:style>
+      </p:cxnSp>
+      <p:cxnSp>
+        <p:nvCxnSpPr>
+          <p:cNvPr id="50" name="Straight Arrow Connector 49">
+            <a:extLst>
+              <a:ext uri="{FF2B5EF4-FFF2-40B4-BE49-F238E27FC236}">
+                <a16:creationId xmlns:a16="http://schemas.microsoft.com/office/drawing/2014/main" id="{A89C8420-5C97-48AA-8F31-1F920996898D}"/>
+              </a:ext>
+            </a:extLst>
+          </p:cNvPr>
+          <p:cNvCxnSpPr>
+            <a:stCxn id="33" idx="1"/>
+            <a:endCxn id="32" idx="3"/>
+          </p:cNvCxnSpPr>
+          <p:nvPr/>
+        </p:nvCxnSpPr>
+        <p:spPr>
+          <a:xfrm flipH="1">
+            <a:off x="4014916" y="4308445"/>
+            <a:ext cx="3439868" cy="0"/>
+          </a:xfrm>
+          <a:prstGeom prst="straightConnector1">
+            <a:avLst/>
+          </a:prstGeom>
+          <a:ln>
+            <a:solidFill>
+              <a:schemeClr val="tx1"/>
+            </a:solidFill>
+            <a:headEnd type="triangle"/>
+            <a:tailEnd type="triangle"/>
+          </a:ln>
+        </p:spPr>
+        <p:style>
+          <a:lnRef idx="1">
+            <a:schemeClr val="accent1"/>
+          </a:lnRef>
+          <a:fillRef idx="0">
+            <a:schemeClr val="accent1"/>
+          </a:fillRef>
+          <a:effectRef idx="0">
+            <a:schemeClr val="accent1"/>
+          </a:effectRef>
+          <a:fontRef idx="minor">
+            <a:schemeClr val="tx1"/>
+          </a:fontRef>
+        </p:style>
+      </p:cxnSp>
+      <p:cxnSp>
+        <p:nvCxnSpPr>
+          <p:cNvPr id="52" name="Straight Arrow Connector 51">
+            <a:extLst>
+              <a:ext uri="{FF2B5EF4-FFF2-40B4-BE49-F238E27FC236}">
+                <a16:creationId xmlns:a16="http://schemas.microsoft.com/office/drawing/2014/main" id="{590DBE16-75C4-4B90-AFA6-3452758783C1}"/>
+              </a:ext>
+            </a:extLst>
+          </p:cNvPr>
+          <p:cNvCxnSpPr>
+            <a:stCxn id="15" idx="3"/>
+            <a:endCxn id="32" idx="1"/>
+          </p:cNvCxnSpPr>
+          <p:nvPr/>
+        </p:nvCxnSpPr>
+        <p:spPr>
+          <a:xfrm>
+            <a:off x="2390550" y="4308445"/>
+            <a:ext cx="1258606" cy="0"/>
+          </a:xfrm>
+          <a:prstGeom prst="straightConnector1">
+            <a:avLst/>
+          </a:prstGeom>
+          <a:ln>
+            <a:solidFill>
+              <a:schemeClr val="tx1"/>
+            </a:solidFill>
+            <a:headEnd type="triangle"/>
+            <a:tailEnd type="triangle"/>
+          </a:ln>
+        </p:spPr>
+        <p:style>
+          <a:lnRef idx="1">
+            <a:schemeClr val="accent1"/>
+          </a:lnRef>
+          <a:fillRef idx="0">
+            <a:schemeClr val="accent1"/>
+          </a:fillRef>
+          <a:effectRef idx="0">
+            <a:schemeClr val="accent1"/>
+          </a:effectRef>
+          <a:fontRef idx="minor">
+            <a:schemeClr val="tx1"/>
+          </a:fontRef>
+        </p:style>
+      </p:cxnSp>
+      <p:cxnSp>
+        <p:nvCxnSpPr>
+          <p:cNvPr id="54" name="Straight Arrow Connector 53">
+            <a:extLst>
+              <a:ext uri="{FF2B5EF4-FFF2-40B4-BE49-F238E27FC236}">
+                <a16:creationId xmlns:a16="http://schemas.microsoft.com/office/drawing/2014/main" id="{C235D512-B3DC-4942-A492-FF8D0AF3AF77}"/>
+              </a:ext>
+            </a:extLst>
+          </p:cNvPr>
+          <p:cNvCxnSpPr>
+            <a:stCxn id="34" idx="2"/>
+            <a:endCxn id="22" idx="0"/>
+          </p:cNvCxnSpPr>
+          <p:nvPr/>
+        </p:nvCxnSpPr>
+        <p:spPr>
+          <a:xfrm>
+            <a:off x="7774823" y="4899770"/>
+            <a:ext cx="1" cy="499370"/>
+          </a:xfrm>
+          <a:prstGeom prst="straightConnector1">
+            <a:avLst/>
+          </a:prstGeom>
+          <a:ln>
+            <a:solidFill>
+              <a:schemeClr val="tx1"/>
+            </a:solidFill>
+            <a:tailEnd type="triangle"/>
+          </a:ln>
+        </p:spPr>
+        <p:style>
+          <a:lnRef idx="1">
+            <a:schemeClr val="accent1"/>
+          </a:lnRef>
+          <a:fillRef idx="0">
+            <a:schemeClr val="accent1"/>
+          </a:fillRef>
+          <a:effectRef idx="0">
+            <a:schemeClr val="accent1"/>
+          </a:effectRef>
+          <a:fontRef idx="minor">
+            <a:schemeClr val="tx1"/>
+          </a:fontRef>
+        </p:style>
+      </p:cxnSp>
+      <p:cxnSp>
+        <p:nvCxnSpPr>
+          <p:cNvPr id="56" name="Straight Arrow Connector 55">
+            <a:extLst>
+              <a:ext uri="{FF2B5EF4-FFF2-40B4-BE49-F238E27FC236}">
+                <a16:creationId xmlns:a16="http://schemas.microsoft.com/office/drawing/2014/main" id="{A5A4B64C-9D68-4F9E-AB6C-B728B8C6F37B}"/>
+              </a:ext>
+            </a:extLst>
+          </p:cNvPr>
+          <p:cNvCxnSpPr>
+            <a:stCxn id="22" idx="1"/>
+            <a:endCxn id="35" idx="3"/>
+          </p:cNvCxnSpPr>
+          <p:nvPr/>
+        </p:nvCxnSpPr>
+        <p:spPr>
+          <a:xfrm flipH="1">
+            <a:off x="4152076" y="5719180"/>
+            <a:ext cx="3302708" cy="0"/>
+          </a:xfrm>
+          <a:prstGeom prst="straightConnector1">
+            <a:avLst/>
+          </a:prstGeom>
+          <a:ln>
+            <a:solidFill>
+              <a:schemeClr val="tx1"/>
+            </a:solidFill>
+            <a:tailEnd type="triangle"/>
+          </a:ln>
+        </p:spPr>
+        <p:style>
+          <a:lnRef idx="1">
+            <a:schemeClr val="accent1"/>
+          </a:lnRef>
+          <a:fillRef idx="0">
+            <a:schemeClr val="accent1"/>
+          </a:fillRef>
+          <a:effectRef idx="0">
+            <a:schemeClr val="accent1"/>
+          </a:effectRef>
+          <a:fontRef idx="minor">
+            <a:schemeClr val="tx1"/>
+          </a:fontRef>
+        </p:style>
+      </p:cxnSp>
+      <p:sp>
+        <p:nvSpPr>
+          <p:cNvPr id="57" name="TextBox 56">
+            <a:extLst>
+              <a:ext uri="{FF2B5EF4-FFF2-40B4-BE49-F238E27FC236}">
+                <a16:creationId xmlns:a16="http://schemas.microsoft.com/office/drawing/2014/main" id="{50DF4511-79AE-46DC-AF21-6E1D9B407D72}"/>
+              </a:ext>
+            </a:extLst>
+          </p:cNvPr>
+          <p:cNvSpPr txBox="1"/>
+          <p:nvPr/>
+        </p:nvSpPr>
+        <p:spPr>
+          <a:xfrm>
+            <a:off x="931957" y="5022663"/>
+            <a:ext cx="2277106" cy="1384995"/>
+          </a:xfrm>
+          <a:prstGeom prst="rect">
+            <a:avLst/>
+          </a:prstGeom>
+          <a:noFill/>
+        </p:spPr>
+        <p:txBody>
+          <a:bodyPr wrap="square" rtlCol="0">
+            <a:spAutoFit/>
+          </a:bodyPr>
+          <a:lstStyle/>
+          <a:p>
+            <a:pPr algn="ctr"/>
+            <a:r>
+              <a:rPr lang="en-US" sz="1200" b="1" i="1" dirty="0">
+                <a:latin typeface="+mj-lt"/>
+              </a:rPr>
+              <a:t>**Note</a:t>
+            </a:r>
+            <a:r>
+              <a:rPr lang="en-US" sz="1200" i="1" dirty="0">
+                <a:latin typeface="+mj-lt"/>
+              </a:rPr>
+              <a:t>: DynamoDB Table containing vulnerable packages and the refresh job needs to only live in a single AWS Region. </a:t>
+            </a:r>
+          </a:p>
+          <a:p>
+            <a:pPr algn="ctr"/>
+            <a:r>
+              <a:rPr lang="en-US" sz="1200" i="1" dirty="0">
+                <a:latin typeface="+mj-lt"/>
+              </a:rPr>
+              <a:t>IAM Role dependent on AWS Organizations ID condition key for Trust Policy.</a:t>
+            </a:r>
+          </a:p>
+        </p:txBody>
+      </p:sp>
+      <p:sp>
+        <p:nvSpPr>
+          <p:cNvPr id="58" name="TextBox 57">
+            <a:extLst>
+              <a:ext uri="{FF2B5EF4-FFF2-40B4-BE49-F238E27FC236}">
+                <a16:creationId xmlns:a16="http://schemas.microsoft.com/office/drawing/2014/main" id="{4AC92E5C-D9D1-4E06-BEF4-DA3BBC8D4B46}"/>
+              </a:ext>
+            </a:extLst>
+          </p:cNvPr>
+          <p:cNvSpPr txBox="1"/>
+          <p:nvPr/>
+        </p:nvSpPr>
+        <p:spPr>
+          <a:xfrm>
+            <a:off x="4977121" y="87284"/>
+            <a:ext cx="2249384" cy="1015663"/>
+          </a:xfrm>
+          <a:prstGeom prst="rect">
+            <a:avLst/>
+          </a:prstGeom>
+          <a:noFill/>
+        </p:spPr>
+        <p:txBody>
+          <a:bodyPr wrap="square" rtlCol="0">
+            <a:spAutoFit/>
+          </a:bodyPr>
+          <a:lstStyle/>
+          <a:p>
+            <a:pPr algn="ctr"/>
+            <a:r>
+              <a:rPr lang="en-US" sz="1200" i="1" dirty="0">
+                <a:latin typeface="+mj-lt"/>
+              </a:rPr>
+              <a:t>**NIST will update the “Modified” JSON Feed every 2 hours as any downstream CVEs (and their related CPE/CVSS/CWE information changes)</a:t>
+            </a:r>
+          </a:p>
+        </p:txBody>
+      </p:sp>
+    </p:spTree>
+    <p:extLst>
+      <p:ext uri="{BB962C8B-B14F-4D97-AF65-F5344CB8AC3E}">
+        <p14:creationId xmlns:p14="http://schemas.microsoft.com/office/powerpoint/2010/main" val="2468667845"/>
+      </p:ext>
+    </p:extLst>
+  </p:cSld>
+  <p:clrMapOvr>
+    <a:masterClrMapping/>
+  </p:clrMapOvr>
+</p:sld>
+</file>
+
 <file path=ppt/theme/theme1.xml><?xml version="1.0" encoding="utf-8"?>
 <a:theme xmlns:a="http://schemas.openxmlformats.org/drawingml/2006/main" name="Office Theme">
   <a:themeElements>

--- a/Architecture.pptx
+++ b/Architecture.pptx
@@ -261,7 +261,7 @@
           <a:p>
             <a:fld id="{417597D8-38D3-4DD5-B14D-D63E9CCB29F9}" type="datetimeFigureOut">
               <a:rPr lang="en-US" smtClean="0"/>
-              <a:t>1/15/2021</a:t>
+              <a:t>1/16/2021</a:t>
             </a:fld>
             <a:endParaRPr lang="en-US"/>
           </a:p>
@@ -459,7 +459,7 @@
           <a:p>
             <a:fld id="{417597D8-38D3-4DD5-B14D-D63E9CCB29F9}" type="datetimeFigureOut">
               <a:rPr lang="en-US" smtClean="0"/>
-              <a:t>1/15/2021</a:t>
+              <a:t>1/16/2021</a:t>
             </a:fld>
             <a:endParaRPr lang="en-US"/>
           </a:p>
@@ -667,7 +667,7 @@
           <a:p>
             <a:fld id="{417597D8-38D3-4DD5-B14D-D63E9CCB29F9}" type="datetimeFigureOut">
               <a:rPr lang="en-US" smtClean="0"/>
-              <a:t>1/15/2021</a:t>
+              <a:t>1/16/2021</a:t>
             </a:fld>
             <a:endParaRPr lang="en-US"/>
           </a:p>
@@ -865,7 +865,7 @@
           <a:p>
             <a:fld id="{417597D8-38D3-4DD5-B14D-D63E9CCB29F9}" type="datetimeFigureOut">
               <a:rPr lang="en-US" smtClean="0"/>
-              <a:t>1/15/2021</a:t>
+              <a:t>1/16/2021</a:t>
             </a:fld>
             <a:endParaRPr lang="en-US"/>
           </a:p>
@@ -1140,7 +1140,7 @@
           <a:p>
             <a:fld id="{417597D8-38D3-4DD5-B14D-D63E9CCB29F9}" type="datetimeFigureOut">
               <a:rPr lang="en-US" smtClean="0"/>
-              <a:t>1/15/2021</a:t>
+              <a:t>1/16/2021</a:t>
             </a:fld>
             <a:endParaRPr lang="en-US"/>
           </a:p>
@@ -1405,7 +1405,7 @@
           <a:p>
             <a:fld id="{417597D8-38D3-4DD5-B14D-D63E9CCB29F9}" type="datetimeFigureOut">
               <a:rPr lang="en-US" smtClean="0"/>
-              <a:t>1/15/2021</a:t>
+              <a:t>1/16/2021</a:t>
             </a:fld>
             <a:endParaRPr lang="en-US"/>
           </a:p>
@@ -1817,7 +1817,7 @@
           <a:p>
             <a:fld id="{417597D8-38D3-4DD5-B14D-D63E9CCB29F9}" type="datetimeFigureOut">
               <a:rPr lang="en-US" smtClean="0"/>
-              <a:t>1/15/2021</a:t>
+              <a:t>1/16/2021</a:t>
             </a:fld>
             <a:endParaRPr lang="en-US"/>
           </a:p>
@@ -1958,7 +1958,7 @@
           <a:p>
             <a:fld id="{417597D8-38D3-4DD5-B14D-D63E9CCB29F9}" type="datetimeFigureOut">
               <a:rPr lang="en-US" smtClean="0"/>
-              <a:t>1/15/2021</a:t>
+              <a:t>1/16/2021</a:t>
             </a:fld>
             <a:endParaRPr lang="en-US"/>
           </a:p>
@@ -2071,7 +2071,7 @@
           <a:p>
             <a:fld id="{417597D8-38D3-4DD5-B14D-D63E9CCB29F9}" type="datetimeFigureOut">
               <a:rPr lang="en-US" smtClean="0"/>
-              <a:t>1/15/2021</a:t>
+              <a:t>1/16/2021</a:t>
             </a:fld>
             <a:endParaRPr lang="en-US"/>
           </a:p>
@@ -2382,7 +2382,7 @@
           <a:p>
             <a:fld id="{417597D8-38D3-4DD5-B14D-D63E9CCB29F9}" type="datetimeFigureOut">
               <a:rPr lang="en-US" smtClean="0"/>
-              <a:t>1/15/2021</a:t>
+              <a:t>1/16/2021</a:t>
             </a:fld>
             <a:endParaRPr lang="en-US"/>
           </a:p>
@@ -2670,7 +2670,7 @@
           <a:p>
             <a:fld id="{417597D8-38D3-4DD5-B14D-D63E9CCB29F9}" type="datetimeFigureOut">
               <a:rPr lang="en-US" smtClean="0"/>
-              <a:t>1/15/2021</a:t>
+              <a:t>1/16/2021</a:t>
             </a:fld>
             <a:endParaRPr lang="en-US"/>
           </a:p>
@@ -2911,7 +2911,7 @@
           <a:p>
             <a:fld id="{417597D8-38D3-4DD5-B14D-D63E9CCB29F9}" type="datetimeFigureOut">
               <a:rPr lang="en-US" smtClean="0"/>
-              <a:t>1/15/2021</a:t>
+              <a:t>1/16/2021</a:t>
             </a:fld>
             <a:endParaRPr lang="en-US"/>
           </a:p>
@@ -13988,6 +13988,451 @@
           </a:p>
         </p:txBody>
       </p:sp>
+      <p:sp>
+        <p:nvSpPr>
+          <p:cNvPr id="45" name="Oval 44">
+            <a:extLst>
+              <a:ext uri="{FF2B5EF4-FFF2-40B4-BE49-F238E27FC236}">
+                <a16:creationId xmlns:a16="http://schemas.microsoft.com/office/drawing/2014/main" id="{18DAE2EE-D42B-4A38-B901-A9E233F7127B}"/>
+              </a:ext>
+            </a:extLst>
+          </p:cNvPr>
+          <p:cNvSpPr/>
+          <p:nvPr/>
+        </p:nvSpPr>
+        <p:spPr>
+          <a:xfrm>
+            <a:off x="1086955" y="2768014"/>
+            <a:ext cx="365760" cy="365760"/>
+          </a:xfrm>
+          <a:prstGeom prst="ellipse">
+            <a:avLst/>
+          </a:prstGeom>
+          <a:solidFill>
+            <a:schemeClr val="tx1"/>
+          </a:solidFill>
+          <a:ln>
+            <a:noFill/>
+          </a:ln>
+        </p:spPr>
+        <p:style>
+          <a:lnRef idx="2">
+            <a:schemeClr val="accent1">
+              <a:shade val="50000"/>
+            </a:schemeClr>
+          </a:lnRef>
+          <a:fillRef idx="1">
+            <a:schemeClr val="accent1"/>
+          </a:fillRef>
+          <a:effectRef idx="0">
+            <a:schemeClr val="accent1"/>
+          </a:effectRef>
+          <a:fontRef idx="minor">
+            <a:schemeClr val="lt1"/>
+          </a:fontRef>
+        </p:style>
+        <p:txBody>
+          <a:bodyPr rtlCol="0" anchor="ctr"/>
+          <a:lstStyle/>
+          <a:p>
+            <a:pPr algn="ctr"/>
+            <a:r>
+              <a:rPr lang="en-US" sz="1600" dirty="0">
+                <a:latin typeface="+mj-lt"/>
+              </a:rPr>
+              <a:t>1</a:t>
+            </a:r>
+          </a:p>
+        </p:txBody>
+      </p:sp>
+      <p:sp>
+        <p:nvSpPr>
+          <p:cNvPr id="47" name="Oval 46">
+            <a:extLst>
+              <a:ext uri="{FF2B5EF4-FFF2-40B4-BE49-F238E27FC236}">
+                <a16:creationId xmlns:a16="http://schemas.microsoft.com/office/drawing/2014/main" id="{FFAE37C9-5B35-40D8-A36D-D58B1D60D1C6}"/>
+              </a:ext>
+            </a:extLst>
+          </p:cNvPr>
+          <p:cNvSpPr/>
+          <p:nvPr/>
+        </p:nvSpPr>
+        <p:spPr>
+          <a:xfrm>
+            <a:off x="4582483" y="2768014"/>
+            <a:ext cx="365760" cy="365760"/>
+          </a:xfrm>
+          <a:prstGeom prst="ellipse">
+            <a:avLst/>
+          </a:prstGeom>
+          <a:solidFill>
+            <a:schemeClr val="tx1"/>
+          </a:solidFill>
+          <a:ln>
+            <a:noFill/>
+          </a:ln>
+        </p:spPr>
+        <p:style>
+          <a:lnRef idx="2">
+            <a:schemeClr val="accent1">
+              <a:shade val="50000"/>
+            </a:schemeClr>
+          </a:lnRef>
+          <a:fillRef idx="1">
+            <a:schemeClr val="accent1"/>
+          </a:fillRef>
+          <a:effectRef idx="0">
+            <a:schemeClr val="accent1"/>
+          </a:effectRef>
+          <a:fontRef idx="minor">
+            <a:schemeClr val="lt1"/>
+          </a:fontRef>
+        </p:style>
+        <p:txBody>
+          <a:bodyPr rtlCol="0" anchor="ctr"/>
+          <a:lstStyle/>
+          <a:p>
+            <a:pPr algn="ctr"/>
+            <a:r>
+              <a:rPr lang="en-US" sz="1600" dirty="0">
+                <a:latin typeface="+mj-lt"/>
+              </a:rPr>
+              <a:t>2</a:t>
+            </a:r>
+          </a:p>
+        </p:txBody>
+      </p:sp>
+      <p:sp>
+        <p:nvSpPr>
+          <p:cNvPr id="49" name="Oval 48">
+            <a:extLst>
+              <a:ext uri="{FF2B5EF4-FFF2-40B4-BE49-F238E27FC236}">
+                <a16:creationId xmlns:a16="http://schemas.microsoft.com/office/drawing/2014/main" id="{8FA13F81-A2DD-442A-890C-D2B417A9A578}"/>
+              </a:ext>
+            </a:extLst>
+          </p:cNvPr>
+          <p:cNvSpPr/>
+          <p:nvPr/>
+        </p:nvSpPr>
+        <p:spPr>
+          <a:xfrm>
+            <a:off x="8544761" y="2767161"/>
+            <a:ext cx="365760" cy="365760"/>
+          </a:xfrm>
+          <a:prstGeom prst="ellipse">
+            <a:avLst/>
+          </a:prstGeom>
+          <a:solidFill>
+            <a:schemeClr val="tx1"/>
+          </a:solidFill>
+          <a:ln>
+            <a:noFill/>
+          </a:ln>
+        </p:spPr>
+        <p:style>
+          <a:lnRef idx="2">
+            <a:schemeClr val="accent1">
+              <a:shade val="50000"/>
+            </a:schemeClr>
+          </a:lnRef>
+          <a:fillRef idx="1">
+            <a:schemeClr val="accent1"/>
+          </a:fillRef>
+          <a:effectRef idx="0">
+            <a:schemeClr val="accent1"/>
+          </a:effectRef>
+          <a:fontRef idx="minor">
+            <a:schemeClr val="lt1"/>
+          </a:fontRef>
+        </p:style>
+        <p:txBody>
+          <a:bodyPr rtlCol="0" anchor="ctr"/>
+          <a:lstStyle/>
+          <a:p>
+            <a:pPr algn="ctr"/>
+            <a:r>
+              <a:rPr lang="en-US" sz="1600" dirty="0">
+                <a:latin typeface="+mj-lt"/>
+              </a:rPr>
+              <a:t>3</a:t>
+            </a:r>
+          </a:p>
+        </p:txBody>
+      </p:sp>
+      <p:sp>
+        <p:nvSpPr>
+          <p:cNvPr id="51" name="Oval 50">
+            <a:extLst>
+              <a:ext uri="{FF2B5EF4-FFF2-40B4-BE49-F238E27FC236}">
+                <a16:creationId xmlns:a16="http://schemas.microsoft.com/office/drawing/2014/main" id="{812AFC6E-2622-42EC-B055-01F3CF4B14A6}"/>
+              </a:ext>
+            </a:extLst>
+          </p:cNvPr>
+          <p:cNvSpPr/>
+          <p:nvPr/>
+        </p:nvSpPr>
+        <p:spPr>
+          <a:xfrm>
+            <a:off x="4582483" y="3841038"/>
+            <a:ext cx="365760" cy="365760"/>
+          </a:xfrm>
+          <a:prstGeom prst="ellipse">
+            <a:avLst/>
+          </a:prstGeom>
+          <a:solidFill>
+            <a:schemeClr val="tx1"/>
+          </a:solidFill>
+          <a:ln>
+            <a:noFill/>
+          </a:ln>
+        </p:spPr>
+        <p:style>
+          <a:lnRef idx="2">
+            <a:schemeClr val="accent1">
+              <a:shade val="50000"/>
+            </a:schemeClr>
+          </a:lnRef>
+          <a:fillRef idx="1">
+            <a:schemeClr val="accent1"/>
+          </a:fillRef>
+          <a:effectRef idx="0">
+            <a:schemeClr val="accent1"/>
+          </a:effectRef>
+          <a:fontRef idx="minor">
+            <a:schemeClr val="lt1"/>
+          </a:fontRef>
+        </p:style>
+        <p:txBody>
+          <a:bodyPr rtlCol="0" anchor="ctr"/>
+          <a:lstStyle/>
+          <a:p>
+            <a:pPr algn="ctr"/>
+            <a:r>
+              <a:rPr lang="en-US" sz="1600" dirty="0">
+                <a:latin typeface="+mj-lt"/>
+              </a:rPr>
+              <a:t>4</a:t>
+            </a:r>
+          </a:p>
+        </p:txBody>
+      </p:sp>
+      <p:sp>
+        <p:nvSpPr>
+          <p:cNvPr id="53" name="Oval 52">
+            <a:extLst>
+              <a:ext uri="{FF2B5EF4-FFF2-40B4-BE49-F238E27FC236}">
+                <a16:creationId xmlns:a16="http://schemas.microsoft.com/office/drawing/2014/main" id="{F0785BCE-F117-4693-ACF0-2543372A393F}"/>
+              </a:ext>
+            </a:extLst>
+          </p:cNvPr>
+          <p:cNvSpPr/>
+          <p:nvPr/>
+        </p:nvSpPr>
+        <p:spPr>
+          <a:xfrm>
+            <a:off x="8544761" y="5146743"/>
+            <a:ext cx="365760" cy="365760"/>
+          </a:xfrm>
+          <a:prstGeom prst="ellipse">
+            <a:avLst/>
+          </a:prstGeom>
+          <a:solidFill>
+            <a:schemeClr val="tx1"/>
+          </a:solidFill>
+          <a:ln>
+            <a:noFill/>
+          </a:ln>
+        </p:spPr>
+        <p:style>
+          <a:lnRef idx="2">
+            <a:schemeClr val="accent1">
+              <a:shade val="50000"/>
+            </a:schemeClr>
+          </a:lnRef>
+          <a:fillRef idx="1">
+            <a:schemeClr val="accent1"/>
+          </a:fillRef>
+          <a:effectRef idx="0">
+            <a:schemeClr val="accent1"/>
+          </a:effectRef>
+          <a:fontRef idx="minor">
+            <a:schemeClr val="lt1"/>
+          </a:fontRef>
+        </p:style>
+        <p:txBody>
+          <a:bodyPr rtlCol="0" anchor="ctr"/>
+          <a:lstStyle/>
+          <a:p>
+            <a:pPr algn="ctr"/>
+            <a:r>
+              <a:rPr lang="en-US" sz="1600" dirty="0">
+                <a:latin typeface="+mj-lt"/>
+              </a:rPr>
+              <a:t>5</a:t>
+            </a:r>
+          </a:p>
+        </p:txBody>
+      </p:sp>
+      <p:sp>
+        <p:nvSpPr>
+          <p:cNvPr id="55" name="Oval 54">
+            <a:extLst>
+              <a:ext uri="{FF2B5EF4-FFF2-40B4-BE49-F238E27FC236}">
+                <a16:creationId xmlns:a16="http://schemas.microsoft.com/office/drawing/2014/main" id="{E7A3EEEB-DEC1-42DF-95E0-405F930A4428}"/>
+              </a:ext>
+            </a:extLst>
+          </p:cNvPr>
+          <p:cNvSpPr/>
+          <p:nvPr/>
+        </p:nvSpPr>
+        <p:spPr>
+          <a:xfrm>
+            <a:off x="4601973" y="5146743"/>
+            <a:ext cx="365760" cy="365760"/>
+          </a:xfrm>
+          <a:prstGeom prst="ellipse">
+            <a:avLst/>
+          </a:prstGeom>
+          <a:solidFill>
+            <a:schemeClr val="tx1"/>
+          </a:solidFill>
+          <a:ln>
+            <a:noFill/>
+          </a:ln>
+        </p:spPr>
+        <p:style>
+          <a:lnRef idx="2">
+            <a:schemeClr val="accent1">
+              <a:shade val="50000"/>
+            </a:schemeClr>
+          </a:lnRef>
+          <a:fillRef idx="1">
+            <a:schemeClr val="accent1"/>
+          </a:fillRef>
+          <a:effectRef idx="0">
+            <a:schemeClr val="accent1"/>
+          </a:effectRef>
+          <a:fontRef idx="minor">
+            <a:schemeClr val="lt1"/>
+          </a:fontRef>
+        </p:style>
+        <p:txBody>
+          <a:bodyPr rtlCol="0" anchor="ctr"/>
+          <a:lstStyle/>
+          <a:p>
+            <a:pPr algn="ctr"/>
+            <a:r>
+              <a:rPr lang="en-US" sz="1600" dirty="0">
+                <a:latin typeface="+mj-lt"/>
+              </a:rPr>
+              <a:t>7</a:t>
+            </a:r>
+          </a:p>
+        </p:txBody>
+      </p:sp>
+      <p:cxnSp>
+        <p:nvCxnSpPr>
+          <p:cNvPr id="17" name="Straight Arrow Connector 16">
+            <a:extLst>
+              <a:ext uri="{FF2B5EF4-FFF2-40B4-BE49-F238E27FC236}">
+                <a16:creationId xmlns:a16="http://schemas.microsoft.com/office/drawing/2014/main" id="{361463CB-EA7A-4A83-A862-C99779DC5B71}"/>
+              </a:ext>
+            </a:extLst>
+          </p:cNvPr>
+          <p:cNvCxnSpPr>
+            <a:stCxn id="33" idx="0"/>
+            <a:endCxn id="25" idx="2"/>
+          </p:cNvCxnSpPr>
+          <p:nvPr/>
+        </p:nvCxnSpPr>
+        <p:spPr>
+          <a:xfrm flipV="1">
+            <a:off x="7774824" y="3303944"/>
+            <a:ext cx="0" cy="684461"/>
+          </a:xfrm>
+          <a:prstGeom prst="straightConnector1">
+            <a:avLst/>
+          </a:prstGeom>
+          <a:ln w="9525">
+            <a:solidFill>
+              <a:schemeClr val="tx1"/>
+            </a:solidFill>
+            <a:prstDash val="lgDash"/>
+            <a:tailEnd type="triangle"/>
+          </a:ln>
+        </p:spPr>
+        <p:style>
+          <a:lnRef idx="1">
+            <a:schemeClr val="accent1"/>
+          </a:lnRef>
+          <a:fillRef idx="0">
+            <a:schemeClr val="accent1"/>
+          </a:fillRef>
+          <a:effectRef idx="0">
+            <a:schemeClr val="accent1"/>
+          </a:effectRef>
+          <a:fontRef idx="minor">
+            <a:schemeClr val="tx1"/>
+          </a:fontRef>
+        </p:style>
+      </p:cxnSp>
+      <p:sp>
+        <p:nvSpPr>
+          <p:cNvPr id="59" name="Oval 58">
+            <a:extLst>
+              <a:ext uri="{FF2B5EF4-FFF2-40B4-BE49-F238E27FC236}">
+                <a16:creationId xmlns:a16="http://schemas.microsoft.com/office/drawing/2014/main" id="{2F453EA9-FF9F-4CEF-9812-E5F8C7477F7E}"/>
+              </a:ext>
+            </a:extLst>
+          </p:cNvPr>
+          <p:cNvSpPr/>
+          <p:nvPr/>
+        </p:nvSpPr>
+        <p:spPr>
+          <a:xfrm>
+            <a:off x="6645115" y="2767161"/>
+            <a:ext cx="365760" cy="365760"/>
+          </a:xfrm>
+          <a:prstGeom prst="ellipse">
+            <a:avLst/>
+          </a:prstGeom>
+          <a:solidFill>
+            <a:schemeClr val="tx1"/>
+          </a:solidFill>
+          <a:ln>
+            <a:noFill/>
+          </a:ln>
+        </p:spPr>
+        <p:style>
+          <a:lnRef idx="2">
+            <a:schemeClr val="accent1">
+              <a:shade val="50000"/>
+            </a:schemeClr>
+          </a:lnRef>
+          <a:fillRef idx="1">
+            <a:schemeClr val="accent1"/>
+          </a:fillRef>
+          <a:effectRef idx="0">
+            <a:schemeClr val="accent1"/>
+          </a:effectRef>
+          <a:fontRef idx="minor">
+            <a:schemeClr val="lt1"/>
+          </a:fontRef>
+        </p:style>
+        <p:txBody>
+          <a:bodyPr rtlCol="0" anchor="ctr"/>
+          <a:lstStyle/>
+          <a:p>
+            <a:pPr algn="ctr"/>
+            <a:r>
+              <a:rPr lang="en-US" sz="1600" dirty="0">
+                <a:latin typeface="+mj-lt"/>
+              </a:rPr>
+              <a:t>6</a:t>
+            </a:r>
+          </a:p>
+        </p:txBody>
+      </p:sp>
     </p:spTree>
     <p:extLst>
       <p:ext uri="{BB962C8B-B14F-4D97-AF65-F5344CB8AC3E}">
